--- a/PYTHON_11_Functions Part 2.pptx
+++ b/PYTHON_11_Functions Part 2.pptx
@@ -8,34 +8,33 @@
     <p:sldId id="256" r:id="rId2"/>
     <p:sldId id="292" r:id="rId3"/>
     <p:sldId id="293" r:id="rId4"/>
-    <p:sldId id="294" r:id="rId5"/>
-    <p:sldId id="295" r:id="rId6"/>
-    <p:sldId id="296" r:id="rId7"/>
-    <p:sldId id="297" r:id="rId8"/>
-    <p:sldId id="298" r:id="rId9"/>
-    <p:sldId id="299" r:id="rId10"/>
-    <p:sldId id="300" r:id="rId11"/>
-    <p:sldId id="301" r:id="rId12"/>
-    <p:sldId id="302" r:id="rId13"/>
-    <p:sldId id="303" r:id="rId14"/>
-    <p:sldId id="304" r:id="rId15"/>
-    <p:sldId id="305" r:id="rId16"/>
-    <p:sldId id="306" r:id="rId17"/>
-    <p:sldId id="307" r:id="rId18"/>
-    <p:sldId id="308" r:id="rId19"/>
-    <p:sldId id="309" r:id="rId20"/>
-    <p:sldId id="310" r:id="rId21"/>
-    <p:sldId id="311" r:id="rId22"/>
-    <p:sldId id="312" r:id="rId23"/>
-    <p:sldId id="313" r:id="rId24"/>
-    <p:sldId id="314" r:id="rId25"/>
-    <p:sldId id="315" r:id="rId26"/>
-    <p:sldId id="316" r:id="rId27"/>
-    <p:sldId id="317" r:id="rId28"/>
-    <p:sldId id="318" r:id="rId29"/>
-    <p:sldId id="319" r:id="rId30"/>
-    <p:sldId id="320" r:id="rId31"/>
-    <p:sldId id="291" r:id="rId32"/>
+    <p:sldId id="295" r:id="rId5"/>
+    <p:sldId id="296" r:id="rId6"/>
+    <p:sldId id="297" r:id="rId7"/>
+    <p:sldId id="298" r:id="rId8"/>
+    <p:sldId id="299" r:id="rId9"/>
+    <p:sldId id="300" r:id="rId10"/>
+    <p:sldId id="301" r:id="rId11"/>
+    <p:sldId id="302" r:id="rId12"/>
+    <p:sldId id="303" r:id="rId13"/>
+    <p:sldId id="304" r:id="rId14"/>
+    <p:sldId id="305" r:id="rId15"/>
+    <p:sldId id="306" r:id="rId16"/>
+    <p:sldId id="307" r:id="rId17"/>
+    <p:sldId id="308" r:id="rId18"/>
+    <p:sldId id="309" r:id="rId19"/>
+    <p:sldId id="310" r:id="rId20"/>
+    <p:sldId id="311" r:id="rId21"/>
+    <p:sldId id="312" r:id="rId22"/>
+    <p:sldId id="313" r:id="rId23"/>
+    <p:sldId id="314" r:id="rId24"/>
+    <p:sldId id="315" r:id="rId25"/>
+    <p:sldId id="316" r:id="rId26"/>
+    <p:sldId id="317" r:id="rId27"/>
+    <p:sldId id="318" r:id="rId28"/>
+    <p:sldId id="319" r:id="rId29"/>
+    <p:sldId id="320" r:id="rId30"/>
+    <p:sldId id="291" r:id="rId31"/>
   </p:sldIdLst>
   <p:sldSz cx="12192000" cy="6858000"/>
   <p:notesSz cx="6858000" cy="9144000"/>
@@ -289,7 +288,7 @@
           <a:p>
             <a:fld id="{D3853345-A581-455E-9661-1270F4F6E587}" type="datetimeFigureOut">
               <a:rPr lang="en-US" smtClean="0"/>
-              <a:t>6/22/2019</a:t>
+              <a:t>7/19/2019</a:t>
             </a:fld>
             <a:endParaRPr lang="en-US" dirty="0"/>
           </a:p>
@@ -492,7 +491,7 @@
           <a:p>
             <a:fld id="{D3853345-A581-455E-9661-1270F4F6E587}" type="datetimeFigureOut">
               <a:rPr lang="en-US" smtClean="0"/>
-              <a:t>6/22/2019</a:t>
+              <a:t>7/19/2019</a:t>
             </a:fld>
             <a:endParaRPr lang="en-US" dirty="0"/>
           </a:p>
@@ -700,7 +699,7 @@
           <a:p>
             <a:fld id="{D3853345-A581-455E-9661-1270F4F6E587}" type="datetimeFigureOut">
               <a:rPr lang="en-US" smtClean="0"/>
-              <a:t>6/22/2019</a:t>
+              <a:t>7/19/2019</a:t>
             </a:fld>
             <a:endParaRPr lang="en-US" dirty="0"/>
           </a:p>
@@ -898,7 +897,7 @@
           <a:p>
             <a:fld id="{D3853345-A581-455E-9661-1270F4F6E587}" type="datetimeFigureOut">
               <a:rPr lang="en-US" smtClean="0"/>
-              <a:t>6/22/2019</a:t>
+              <a:t>7/19/2019</a:t>
             </a:fld>
             <a:endParaRPr lang="en-US" dirty="0"/>
           </a:p>
@@ -1173,7 +1172,7 @@
           <a:p>
             <a:fld id="{D3853345-A581-455E-9661-1270F4F6E587}" type="datetimeFigureOut">
               <a:rPr lang="en-US" smtClean="0"/>
-              <a:t>6/22/2019</a:t>
+              <a:t>7/19/2019</a:t>
             </a:fld>
             <a:endParaRPr lang="en-US" dirty="0"/>
           </a:p>
@@ -1438,7 +1437,7 @@
           <a:p>
             <a:fld id="{D3853345-A581-455E-9661-1270F4F6E587}" type="datetimeFigureOut">
               <a:rPr lang="en-US" smtClean="0"/>
-              <a:t>6/22/2019</a:t>
+              <a:t>7/19/2019</a:t>
             </a:fld>
             <a:endParaRPr lang="en-US" dirty="0"/>
           </a:p>
@@ -1850,7 +1849,7 @@
           <a:p>
             <a:fld id="{D3853345-A581-455E-9661-1270F4F6E587}" type="datetimeFigureOut">
               <a:rPr lang="en-US" smtClean="0"/>
-              <a:t>6/22/2019</a:t>
+              <a:t>7/19/2019</a:t>
             </a:fld>
             <a:endParaRPr lang="en-US" dirty="0"/>
           </a:p>
@@ -1991,7 +1990,7 @@
           <a:p>
             <a:fld id="{D3853345-A581-455E-9661-1270F4F6E587}" type="datetimeFigureOut">
               <a:rPr lang="en-US" smtClean="0"/>
-              <a:t>6/22/2019</a:t>
+              <a:t>7/19/2019</a:t>
             </a:fld>
             <a:endParaRPr lang="en-US" dirty="0"/>
           </a:p>
@@ -2104,7 +2103,7 @@
           <a:p>
             <a:fld id="{D3853345-A581-455E-9661-1270F4F6E587}" type="datetimeFigureOut">
               <a:rPr lang="en-US" smtClean="0"/>
-              <a:t>6/22/2019</a:t>
+              <a:t>7/19/2019</a:t>
             </a:fld>
             <a:endParaRPr lang="en-US" dirty="0"/>
           </a:p>
@@ -2420,7 +2419,7 @@
           <a:p>
             <a:fld id="{D3853345-A581-455E-9661-1270F4F6E587}" type="datetimeFigureOut">
               <a:rPr lang="en-US" smtClean="0"/>
-              <a:t>6/22/2019</a:t>
+              <a:t>7/19/2019</a:t>
             </a:fld>
             <a:endParaRPr lang="en-US" dirty="0"/>
           </a:p>
@@ -2713,7 +2712,7 @@
           <a:p>
             <a:fld id="{D3853345-A581-455E-9661-1270F4F6E587}" type="datetimeFigureOut">
               <a:rPr lang="en-US" smtClean="0"/>
-              <a:t>6/22/2019</a:t>
+              <a:t>7/19/2019</a:t>
             </a:fld>
             <a:endParaRPr lang="en-US" dirty="0"/>
           </a:p>
@@ -2954,7 +2953,7 @@
           <a:p>
             <a:fld id="{D3853345-A581-455E-9661-1270F4F6E587}" type="datetimeFigureOut">
               <a:rPr lang="en-US" smtClean="0"/>
-              <a:t>6/22/2019</a:t>
+              <a:t>7/19/2019</a:t>
             </a:fld>
             <a:endParaRPr lang="en-US" dirty="0"/>
           </a:p>
@@ -3633,7 +3632,7 @@
           <p:cNvPr id="2" name="Title 1">
             <a:extLst>
               <a:ext uri="{FF2B5EF4-FFF2-40B4-BE49-F238E27FC236}">
-                <a16:creationId xmlns:a16="http://schemas.microsoft.com/office/drawing/2014/main" id="{31D65E58-0DD6-43DB-B416-5F23FC026D35}"/>
+                <a16:creationId xmlns:a16="http://schemas.microsoft.com/office/drawing/2014/main" id="{FC1D8EF1-48D6-4622-8011-89359C9E8267}"/>
               </a:ext>
             </a:extLst>
           </p:cNvPr>
@@ -3651,8 +3650,12 @@
           <a:p>
             <a:r>
               <a:rPr lang="en-US" b="1" dirty="0"/>
-              <a:t>Handling Return Values </a:t>
-            </a:r>
+              <a:t>Code Trace: Return from square()</a:t>
+            </a:r>
+            <a:br>
+              <a:rPr lang="en-US" dirty="0"/>
+            </a:br>
+            <a:endParaRPr lang="en-US" dirty="0"/>
           </a:p>
         </p:txBody>
       </p:sp>
@@ -3661,7 +3664,7 @@
           <p:cNvPr id="3" name="Content Placeholder 2">
             <a:extLst>
               <a:ext uri="{FF2B5EF4-FFF2-40B4-BE49-F238E27FC236}">
-                <a16:creationId xmlns:a16="http://schemas.microsoft.com/office/drawing/2014/main" id="{842E194A-9572-4A98-AAD7-AC2CA7A332C3}"/>
+                <a16:creationId xmlns:a16="http://schemas.microsoft.com/office/drawing/2014/main" id="{7C286427-3C63-4EAF-BB12-0BAB34125158}"/>
               </a:ext>
             </a:extLst>
           </p:cNvPr>
@@ -3674,61 +3677,93 @@
         </p:nvSpPr>
         <p:spPr/>
         <p:txBody>
-          <a:bodyPr/>
-          <a:lstStyle/>
-          <a:p>
-            <a:pPr marL="0" indent="0">
-              <a:buNone/>
-            </a:pPr>
-            <a:r>
-              <a:rPr lang="en-US" sz="3200" dirty="0"/>
-              <a:t>• When Python encounters return, it...</a:t>
-            </a:r>
-          </a:p>
-          <a:p>
-            <a:pPr marL="0" indent="0">
-              <a:buNone/>
-            </a:pPr>
-            <a:r>
-              <a:rPr lang="en-US" sz="3200" dirty="0"/>
-              <a:t>    –Exits the function (immediately!) </a:t>
-            </a:r>
-          </a:p>
-          <a:p>
-            <a:pPr marL="0" indent="0">
-              <a:buNone/>
-            </a:pPr>
-            <a:r>
-              <a:rPr lang="en-US" sz="3200" dirty="0"/>
-              <a:t>• Even if it’s not the end of the function</a:t>
-            </a:r>
-          </a:p>
-          <a:p>
-            <a:pPr marL="0" indent="0">
-              <a:buNone/>
-            </a:pPr>
-            <a:r>
-              <a:rPr lang="en-US" sz="3200" dirty="0"/>
-              <a:t>    –Returns control back to where the function was called from </a:t>
-            </a:r>
-          </a:p>
-          <a:p>
-            <a:pPr marL="0" indent="0">
-              <a:buNone/>
-            </a:pPr>
-            <a:endParaRPr lang="en-US" sz="3200" dirty="0"/>
-          </a:p>
-          <a:p>
-            <a:pPr marL="0" indent="0">
-              <a:buNone/>
-            </a:pPr>
-            <a:r>
-              <a:rPr lang="en-US" sz="3200" dirty="0"/>
-              <a:t>• The expression in the return statement is evaluated, then sent back to the caller as a </a:t>
-            </a:r>
-            <a:r>
-              <a:rPr lang="en-US" sz="3200" b="1" i="1" dirty="0"/>
-              <a:t>return value</a:t>
+          <a:bodyPr>
+            <a:normAutofit fontScale="92500" lnSpcReduction="20000"/>
+          </a:bodyPr>
+          <a:lstStyle/>
+          <a:p>
+            <a:r>
+              <a:rPr lang="en-US" dirty="0"/>
+              <a:t>Let’s follow the flow of the code</a:t>
+            </a:r>
+          </a:p>
+          <a:p>
+            <a:pPr marL="0" indent="0">
+              <a:buNone/>
+            </a:pPr>
+            <a:r>
+              <a:rPr lang="en-US" dirty="0"/>
+              <a:t>   </a:t>
+            </a:r>
+            <a:r>
+              <a:rPr lang="en-US" dirty="0">
+                <a:solidFill>
+                  <a:srgbClr val="0070C0"/>
+                </a:solidFill>
+              </a:rPr>
+              <a:t>def</a:t>
+            </a:r>
+            <a:r>
+              <a:rPr lang="en-US" dirty="0"/>
+              <a:t> </a:t>
+            </a:r>
+            <a:r>
+              <a:rPr lang="en-US" dirty="0">
+                <a:solidFill>
+                  <a:srgbClr val="FF0000"/>
+                </a:solidFill>
+              </a:rPr>
+              <a:t>square</a:t>
+            </a:r>
+            <a:r>
+              <a:rPr lang="en-US" dirty="0"/>
+              <a:t>(num):</a:t>
+            </a:r>
+          </a:p>
+          <a:p>
+            <a:pPr marL="0" indent="0">
+              <a:buNone/>
+            </a:pPr>
+            <a:r>
+              <a:rPr lang="en-US" dirty="0"/>
+              <a:t>	</a:t>
+            </a:r>
+            <a:r>
+              <a:rPr lang="en-US" dirty="0" err="1"/>
+              <a:t>ans</a:t>
+            </a:r>
+            <a:r>
+              <a:rPr lang="en-US" dirty="0"/>
+              <a:t> = num * num</a:t>
+            </a:r>
+          </a:p>
+          <a:p>
+            <a:pPr marL="0" indent="0">
+              <a:buNone/>
+            </a:pPr>
+            <a:r>
+              <a:rPr lang="en-US" dirty="0"/>
+              <a:t>  	</a:t>
+            </a:r>
+            <a:r>
+              <a:rPr lang="en-US" dirty="0">
+                <a:solidFill>
+                  <a:srgbClr val="0070C0"/>
+                </a:solidFill>
+              </a:rPr>
+              <a:t>return</a:t>
+            </a:r>
+            <a:r>
+              <a:rPr lang="en-US" dirty="0"/>
+              <a:t> </a:t>
+            </a:r>
+            <a:r>
+              <a:rPr lang="en-US" dirty="0" err="1"/>
+              <a:t>ans</a:t>
+            </a:r>
+            <a:r>
+              <a:rPr lang="en-US" dirty="0"/>
+              <a:t> </a:t>
             </a:r>
           </a:p>
           <a:p>
@@ -3736,13 +3771,106 @@
               <a:buNone/>
             </a:pPr>
             <a:endParaRPr lang="en-US" dirty="0"/>
+          </a:p>
+          <a:p>
+            <a:pPr marL="0" indent="0">
+              <a:buNone/>
+            </a:pPr>
+            <a:r>
+              <a:rPr lang="en-US" dirty="0"/>
+              <a:t>   </a:t>
+            </a:r>
+            <a:r>
+              <a:rPr lang="en-US" dirty="0">
+                <a:solidFill>
+                  <a:srgbClr val="0070C0"/>
+                </a:solidFill>
+              </a:rPr>
+              <a:t>def</a:t>
+            </a:r>
+            <a:r>
+              <a:rPr lang="en-US" dirty="0"/>
+              <a:t> </a:t>
+            </a:r>
+            <a:r>
+              <a:rPr lang="en-US" dirty="0">
+                <a:solidFill>
+                  <a:srgbClr val="FF0000"/>
+                </a:solidFill>
+              </a:rPr>
+              <a:t>main</a:t>
+            </a:r>
+            <a:r>
+              <a:rPr lang="en-US" dirty="0"/>
+              <a:t>():</a:t>
+            </a:r>
+          </a:p>
+          <a:p>
+            <a:pPr marL="0" indent="0">
+              <a:buNone/>
+            </a:pPr>
+            <a:r>
+              <a:rPr lang="en-US" dirty="0"/>
+              <a:t>	x = 5</a:t>
+            </a:r>
+          </a:p>
+          <a:p>
+            <a:pPr marL="0" indent="0">
+              <a:buNone/>
+            </a:pPr>
+            <a:r>
+              <a:rPr lang="en-US" dirty="0"/>
+              <a:t>       	y = </a:t>
+            </a:r>
+            <a:r>
+              <a:rPr lang="en-US" dirty="0">
+                <a:solidFill>
+                  <a:srgbClr val="FF0000"/>
+                </a:solidFill>
+              </a:rPr>
+              <a:t>square</a:t>
+            </a:r>
+            <a:r>
+              <a:rPr lang="en-US" dirty="0"/>
+              <a:t> (x)</a:t>
+            </a:r>
+          </a:p>
+          <a:p>
+            <a:pPr marL="0" indent="0">
+              <a:buNone/>
+            </a:pPr>
+            <a:r>
+              <a:rPr lang="en-US" dirty="0"/>
+              <a:t>	</a:t>
+            </a:r>
+            <a:r>
+              <a:rPr lang="en-US" dirty="0">
+                <a:solidFill>
+                  <a:srgbClr val="FF0000"/>
+                </a:solidFill>
+              </a:rPr>
+              <a:t>print</a:t>
+            </a:r>
+            <a:r>
+              <a:rPr lang="en-US" dirty="0"/>
+              <a:t> (y)</a:t>
+            </a:r>
+          </a:p>
+          <a:p>
+            <a:pPr marL="0" indent="0">
+              <a:buNone/>
+            </a:pPr>
+            <a:r>
+              <a:rPr lang="en-US" dirty="0"/>
+              <a:t>main()</a:t>
+            </a:r>
           </a:p>
         </p:txBody>
       </p:sp>
     </p:spTree>
     <p:extLst>
       <p:ext uri="{BB962C8B-B14F-4D97-AF65-F5344CB8AC3E}">
-        <p14:creationId xmlns:p14="http://schemas.microsoft.com/office/powerpoint/2010/main" val="3358761519"/>
+        <p14:creationId xmlns:p14="http://schemas.microsoft.com/office/powerpoint/2010/main" val="549690478"/>
       </p:ext>
     </p:extLst>
   </p:cSld>
@@ -3774,7 +3902,7 @@
           <p:cNvPr id="2" name="Title 1">
             <a:extLst>
               <a:ext uri="{FF2B5EF4-FFF2-40B4-BE49-F238E27FC236}">
-                <a16:creationId xmlns:a16="http://schemas.microsoft.com/office/drawing/2014/main" id="{FC1D8EF1-48D6-4622-8011-89359C9E8267}"/>
+                <a16:creationId xmlns:a16="http://schemas.microsoft.com/office/drawing/2014/main" id="{7333DC47-C069-474D-8F08-5EFC5A8E2AE1}"/>
               </a:ext>
             </a:extLst>
           </p:cNvPr>
@@ -3797,7 +3925,7 @@
             <a:br>
               <a:rPr lang="en-US" dirty="0"/>
             </a:br>
-            <a:endParaRPr lang="en-US" dirty="0"/>
+            <a:endParaRPr lang="en-US" b="1" dirty="0"/>
           </a:p>
         </p:txBody>
       </p:sp>
@@ -3806,7 +3934,7 @@
           <p:cNvPr id="3" name="Content Placeholder 2">
             <a:extLst>
               <a:ext uri="{FF2B5EF4-FFF2-40B4-BE49-F238E27FC236}">
-                <a16:creationId xmlns:a16="http://schemas.microsoft.com/office/drawing/2014/main" id="{7C286427-3C63-4EAF-BB12-0BAB34125158}"/>
+                <a16:creationId xmlns:a16="http://schemas.microsoft.com/office/drawing/2014/main" id="{20C40289-24E2-4F64-B506-504A072E5906}"/>
               </a:ext>
             </a:extLst>
           </p:cNvPr>
@@ -3817,58 +3945,58 @@
             <p:ph idx="1"/>
           </p:nvPr>
         </p:nvSpPr>
-        <p:spPr/>
-        <p:txBody>
-          <a:bodyPr>
-            <a:normAutofit fontScale="92500" lnSpcReduction="20000"/>
-          </a:bodyPr>
-          <a:lstStyle/>
-          <a:p>
-            <a:r>
-              <a:rPr lang="en-US" dirty="0"/>
-              <a:t>Let’s follow the flow of the code</a:t>
-            </a:r>
-          </a:p>
-          <a:p>
-            <a:pPr marL="0" indent="0">
-              <a:buNone/>
-            </a:pPr>
-            <a:r>
-              <a:rPr lang="en-US" dirty="0"/>
-              <a:t>   </a:t>
-            </a:r>
-            <a:r>
-              <a:rPr lang="en-US" dirty="0">
-                <a:solidFill>
-                  <a:srgbClr val="0070C0"/>
-                </a:solidFill>
-              </a:rPr>
-              <a:t>def</a:t>
-            </a:r>
-            <a:r>
-              <a:rPr lang="en-US" dirty="0"/>
-              <a:t> </a:t>
-            </a:r>
-            <a:r>
-              <a:rPr lang="en-US" dirty="0">
-                <a:solidFill>
-                  <a:srgbClr val="FF0000"/>
-                </a:solidFill>
-              </a:rPr>
-              <a:t>square</a:t>
-            </a:r>
-            <a:r>
-              <a:rPr lang="en-US" dirty="0"/>
-              <a:t>(num):</a:t>
-            </a:r>
-          </a:p>
-          <a:p>
-            <a:pPr marL="0" indent="0">
-              <a:buNone/>
-            </a:pPr>
-            <a:r>
-              <a:rPr lang="en-US" dirty="0"/>
-              <a:t>	</a:t>
+        <p:spPr>
+          <a:xfrm>
+            <a:off x="838200" y="1209822"/>
+            <a:ext cx="10515600" cy="4967141"/>
+          </a:xfrm>
+        </p:spPr>
+        <p:txBody>
+          <a:bodyPr/>
+          <a:lstStyle/>
+          <a:p>
+            <a:pPr marL="0" indent="0">
+              <a:buNone/>
+            </a:pPr>
+            <a:r>
+              <a:rPr lang="en-US" dirty="0"/>
+              <a:t>Step 1: Call main() </a:t>
+            </a:r>
+          </a:p>
+          <a:p>
+            <a:pPr marL="0" indent="0">
+              <a:buNone/>
+            </a:pPr>
+            <a:r>
+              <a:rPr lang="en-US" dirty="0"/>
+              <a:t>Step 2: Pass control to def main() </a:t>
+            </a:r>
+          </a:p>
+          <a:p>
+            <a:pPr marL="0" indent="0">
+              <a:buNone/>
+            </a:pPr>
+            <a:r>
+              <a:rPr lang="en-US" dirty="0"/>
+              <a:t>Step 3: Set x = 5 </a:t>
+            </a:r>
+          </a:p>
+          <a:p>
+            <a:pPr marL="0" indent="0">
+              <a:buNone/>
+            </a:pPr>
+            <a:r>
+              <a:rPr lang="en-US" dirty="0"/>
+              <a:t>Step 4: See the function call to square() </a:t>
+            </a:r>
+          </a:p>
+          <a:p>
+            <a:pPr marL="0" indent="0">
+              <a:buNone/>
+            </a:pPr>
+            <a:r>
+              <a:rPr lang="en-US" dirty="0"/>
+              <a:t>Step 5: Pass control from main() to square(), sending the argument 5 Step 6: Set the value of the formal parameter num in square() to 5 Step 7: Calculate </a:t>
             </a:r>
             <a:r>
               <a:rPr lang="en-US" dirty="0" err="1"/>
@@ -3876,135 +4004,16 @@
             </a:r>
             <a:r>
               <a:rPr lang="en-US" dirty="0"/>
-              <a:t> = num * num</a:t>
-            </a:r>
-          </a:p>
-          <a:p>
-            <a:pPr marL="0" indent="0">
-              <a:buNone/>
-            </a:pPr>
-            <a:r>
-              <a:rPr lang="en-US" dirty="0"/>
-              <a:t>  	</a:t>
-            </a:r>
-            <a:r>
-              <a:rPr lang="en-US" dirty="0">
-                <a:solidFill>
-                  <a:srgbClr val="0070C0"/>
-                </a:solidFill>
-              </a:rPr>
-              <a:t>return</a:t>
-            </a:r>
-            <a:r>
-              <a:rPr lang="en-US" dirty="0"/>
-              <a:t> </a:t>
-            </a:r>
-            <a:r>
-              <a:rPr lang="en-US" dirty="0" err="1"/>
-              <a:t>ans</a:t>
-            </a:r>
-            <a:r>
-              <a:rPr lang="en-US" dirty="0"/>
-              <a:t> </a:t>
-            </a:r>
-          </a:p>
-          <a:p>
-            <a:pPr marL="0" indent="0">
-              <a:buNone/>
-            </a:pPr>
-            <a:endParaRPr lang="en-US" dirty="0"/>
-          </a:p>
-          <a:p>
-            <a:pPr marL="0" indent="0">
-              <a:buNone/>
-            </a:pPr>
-            <a:r>
-              <a:rPr lang="en-US" dirty="0"/>
-              <a:t>   </a:t>
-            </a:r>
-            <a:r>
-              <a:rPr lang="en-US" dirty="0">
-                <a:solidFill>
-                  <a:srgbClr val="0070C0"/>
-                </a:solidFill>
-              </a:rPr>
-              <a:t>def</a:t>
-            </a:r>
-            <a:r>
-              <a:rPr lang="en-US" dirty="0"/>
-              <a:t> </a:t>
-            </a:r>
-            <a:r>
-              <a:rPr lang="en-US" dirty="0">
-                <a:solidFill>
-                  <a:srgbClr val="FF0000"/>
-                </a:solidFill>
-              </a:rPr>
-              <a:t>main</a:t>
-            </a:r>
-            <a:r>
-              <a:rPr lang="en-US" dirty="0"/>
-              <a:t>():</a:t>
-            </a:r>
-          </a:p>
-          <a:p>
-            <a:pPr marL="0" indent="0">
-              <a:buNone/>
-            </a:pPr>
-            <a:r>
-              <a:rPr lang="en-US" dirty="0"/>
-              <a:t>	x = 5</a:t>
-            </a:r>
-          </a:p>
-          <a:p>
-            <a:pPr marL="0" indent="0">
-              <a:buNone/>
-            </a:pPr>
-            <a:r>
-              <a:rPr lang="en-US" dirty="0"/>
-              <a:t>       	y = </a:t>
-            </a:r>
-            <a:r>
-              <a:rPr lang="en-US" dirty="0">
-                <a:solidFill>
-                  <a:srgbClr val="FF0000"/>
-                </a:solidFill>
-              </a:rPr>
-              <a:t>square</a:t>
-            </a:r>
-            <a:r>
-              <a:rPr lang="en-US" dirty="0"/>
-              <a:t> (x)</a:t>
-            </a:r>
-          </a:p>
-          <a:p>
-            <a:pPr marL="0" indent="0">
-              <a:buNone/>
-            </a:pPr>
-            <a:r>
-              <a:rPr lang="en-US" dirty="0"/>
-              <a:t>	</a:t>
-            </a:r>
-            <a:r>
-              <a:rPr lang="en-US" dirty="0">
-                <a:solidFill>
-                  <a:srgbClr val="FF0000"/>
-                </a:solidFill>
-              </a:rPr>
-              <a:t>print</a:t>
-            </a:r>
-            <a:r>
-              <a:rPr lang="en-US" dirty="0"/>
-              <a:t> (y)</a:t>
-            </a:r>
-          </a:p>
-          <a:p>
-            <a:pPr marL="0" indent="0">
-              <a:buNone/>
-            </a:pPr>
-            <a:r>
-              <a:rPr lang="en-US" dirty="0"/>
-              <a:t>main()</a:t>
+              <a:t> = num * num </a:t>
+            </a:r>
+          </a:p>
+          <a:p>
+            <a:pPr marL="0" indent="0">
+              <a:buNone/>
+            </a:pPr>
+            <a:r>
+              <a:rPr lang="en-US" dirty="0"/>
+              <a:t>Step 8: Return the value 25 to main() and set y = the returned value Step 9: Print value of y</a:t>
             </a:r>
           </a:p>
         </p:txBody>
@@ -4012,7 +4021,7 @@
     </p:spTree>
     <p:extLst>
       <p:ext uri="{BB962C8B-B14F-4D97-AF65-F5344CB8AC3E}">
-        <p14:creationId xmlns:p14="http://schemas.microsoft.com/office/powerpoint/2010/main" val="549690478"/>
+        <p14:creationId xmlns:p14="http://schemas.microsoft.com/office/powerpoint/2010/main" val="773838273"/>
       </p:ext>
     </p:extLst>
   </p:cSld>
@@ -4044,7 +4053,7 @@
           <p:cNvPr id="2" name="Title 1">
             <a:extLst>
               <a:ext uri="{FF2B5EF4-FFF2-40B4-BE49-F238E27FC236}">
-                <a16:creationId xmlns:a16="http://schemas.microsoft.com/office/drawing/2014/main" id="{7333DC47-C069-474D-8F08-5EFC5A8E2AE1}"/>
+                <a16:creationId xmlns:a16="http://schemas.microsoft.com/office/drawing/2014/main" id="{4EA0E14E-BFFC-435E-BD82-C002D1447A8D}"/>
               </a:ext>
             </a:extLst>
           </p:cNvPr>
@@ -4055,115 +4064,31 @@
             <p:ph type="title"/>
           </p:nvPr>
         </p:nvSpPr>
-        <p:spPr/>
+        <p:spPr>
+          <a:xfrm>
+            <a:off x="2779542" y="2883242"/>
+            <a:ext cx="6941234" cy="1325563"/>
+          </a:xfrm>
+        </p:spPr>
         <p:txBody>
           <a:bodyPr/>
           <a:lstStyle/>
           <a:p>
             <a:r>
               <a:rPr lang="en-US" b="1" dirty="0"/>
-              <a:t>Code Trace: Return from square()</a:t>
+              <a:t>None and Common Problems</a:t>
             </a:r>
             <a:br>
-              <a:rPr lang="en-US" dirty="0"/>
+              <a:rPr lang="en-US" b="1" dirty="0"/>
             </a:br>
             <a:endParaRPr lang="en-US" b="1" dirty="0"/>
-          </a:p>
-        </p:txBody>
-      </p:sp>
-      <p:sp>
-        <p:nvSpPr>
-          <p:cNvPr id="3" name="Content Placeholder 2">
-            <a:extLst>
-              <a:ext uri="{FF2B5EF4-FFF2-40B4-BE49-F238E27FC236}">
-                <a16:creationId xmlns:a16="http://schemas.microsoft.com/office/drawing/2014/main" id="{20C40289-24E2-4F64-B506-504A072E5906}"/>
-              </a:ext>
-            </a:extLst>
-          </p:cNvPr>
-          <p:cNvSpPr>
-            <a:spLocks noGrp="1"/>
-          </p:cNvSpPr>
-          <p:nvPr>
-            <p:ph idx="1"/>
-          </p:nvPr>
-        </p:nvSpPr>
-        <p:spPr>
-          <a:xfrm>
-            <a:off x="838200" y="1209822"/>
-            <a:ext cx="10515600" cy="4967141"/>
-          </a:xfrm>
-        </p:spPr>
-        <p:txBody>
-          <a:bodyPr/>
-          <a:lstStyle/>
-          <a:p>
-            <a:pPr marL="0" indent="0">
-              <a:buNone/>
-            </a:pPr>
-            <a:r>
-              <a:rPr lang="en-US" dirty="0"/>
-              <a:t>Step 1: Call main() </a:t>
-            </a:r>
-          </a:p>
-          <a:p>
-            <a:pPr marL="0" indent="0">
-              <a:buNone/>
-            </a:pPr>
-            <a:r>
-              <a:rPr lang="en-US" dirty="0"/>
-              <a:t>Step 2: Pass control to def main() </a:t>
-            </a:r>
-          </a:p>
-          <a:p>
-            <a:pPr marL="0" indent="0">
-              <a:buNone/>
-            </a:pPr>
-            <a:r>
-              <a:rPr lang="en-US" dirty="0"/>
-              <a:t>Step 3: Set x = 5 </a:t>
-            </a:r>
-          </a:p>
-          <a:p>
-            <a:pPr marL="0" indent="0">
-              <a:buNone/>
-            </a:pPr>
-            <a:r>
-              <a:rPr lang="en-US" dirty="0"/>
-              <a:t>Step 4: See the function call to square() </a:t>
-            </a:r>
-          </a:p>
-          <a:p>
-            <a:pPr marL="0" indent="0">
-              <a:buNone/>
-            </a:pPr>
-            <a:r>
-              <a:rPr lang="en-US" dirty="0"/>
-              <a:t>Step 5: Pass control from main()to square(), sending the argument 5 Step 6: Set the value of the formal parameter num in square()to 5 Step 7: Calculate </a:t>
-            </a:r>
-            <a:r>
-              <a:rPr lang="en-US" dirty="0" err="1"/>
-              <a:t>ans</a:t>
-            </a:r>
-            <a:r>
-              <a:rPr lang="en-US" dirty="0"/>
-              <a:t> = num * num </a:t>
-            </a:r>
-          </a:p>
-          <a:p>
-            <a:pPr marL="0" indent="0">
-              <a:buNone/>
-            </a:pPr>
-            <a:r>
-              <a:rPr lang="en-US" dirty="0"/>
-              <a:t>Step 8: Return the value 25 to main()and set y = the returned value Step 9: Print value of y</a:t>
-            </a:r>
           </a:p>
         </p:txBody>
       </p:sp>
     </p:spTree>
     <p:extLst>
       <p:ext uri="{BB962C8B-B14F-4D97-AF65-F5344CB8AC3E}">
-        <p14:creationId xmlns:p14="http://schemas.microsoft.com/office/powerpoint/2010/main" val="773838273"/>
+        <p14:creationId xmlns:p14="http://schemas.microsoft.com/office/powerpoint/2010/main" val="2690296328"/>
       </p:ext>
     </p:extLst>
   </p:cSld>
@@ -4195,7 +4120,7 @@
           <p:cNvPr id="2" name="Title 1">
             <a:extLst>
               <a:ext uri="{FF2B5EF4-FFF2-40B4-BE49-F238E27FC236}">
-                <a16:creationId xmlns:a16="http://schemas.microsoft.com/office/drawing/2014/main" id="{4EA0E14E-BFFC-435E-BD82-C002D1447A8D}"/>
+                <a16:creationId xmlns:a16="http://schemas.microsoft.com/office/drawing/2014/main" id="{BE2FB46B-2535-4A72-9804-1835186C0D54}"/>
               </a:ext>
             </a:extLst>
           </p:cNvPr>
@@ -4206,31 +4131,140 @@
             <p:ph type="title"/>
           </p:nvPr>
         </p:nvSpPr>
-        <p:spPr>
-          <a:xfrm>
-            <a:off x="2779542" y="2883242"/>
-            <a:ext cx="6941234" cy="1325563"/>
-          </a:xfrm>
-        </p:spPr>
+        <p:spPr/>
         <p:txBody>
           <a:bodyPr/>
           <a:lstStyle/>
           <a:p>
             <a:r>
               <a:rPr lang="en-US" b="1" dirty="0"/>
-              <a:t>None and Common Problems</a:t>
-            </a:r>
-            <a:br>
-              <a:rPr lang="en-US" b="1" dirty="0"/>
-            </a:br>
-            <a:endParaRPr lang="en-US" b="1" dirty="0"/>
+              <a:t>Every Function Returns </a:t>
+            </a:r>
+            <a:r>
+              <a:rPr lang="en-US" b="1" i="1" dirty="0"/>
+              <a:t>Something</a:t>
+            </a:r>
+            <a:r>
+              <a:rPr lang="en-US" dirty="0"/>
+              <a:t> </a:t>
+            </a:r>
+          </a:p>
+        </p:txBody>
+      </p:sp>
+      <p:sp>
+        <p:nvSpPr>
+          <p:cNvPr id="3" name="Content Placeholder 2">
+            <a:extLst>
+              <a:ext uri="{FF2B5EF4-FFF2-40B4-BE49-F238E27FC236}">
+                <a16:creationId xmlns:a16="http://schemas.microsoft.com/office/drawing/2014/main" id="{AD65EEFE-5F1B-4A11-90DA-2896D11329D9}"/>
+              </a:ext>
+            </a:extLst>
+          </p:cNvPr>
+          <p:cNvSpPr>
+            <a:spLocks noGrp="1"/>
+          </p:cNvSpPr>
+          <p:nvPr>
+            <p:ph idx="1"/>
+          </p:nvPr>
+        </p:nvSpPr>
+        <p:spPr/>
+        <p:txBody>
+          <a:bodyPr/>
+          <a:lstStyle/>
+          <a:p>
+            <a:pPr marL="0" indent="0">
+              <a:buNone/>
+            </a:pPr>
+            <a:r>
+              <a:rPr lang="en-US" sz="3200" dirty="0"/>
+              <a:t>• All Python functions return a value </a:t>
+            </a:r>
+          </a:p>
+          <a:p>
+            <a:pPr marL="0" indent="0">
+              <a:buNone/>
+            </a:pPr>
+            <a:r>
+              <a:rPr lang="en-US" sz="3200" dirty="0"/>
+              <a:t>    –Even if they don’t have a </a:t>
+            </a:r>
+            <a:r>
+              <a:rPr lang="en-US" sz="3200" b="1" dirty="0"/>
+              <a:t>return</a:t>
+            </a:r>
+            <a:r>
+              <a:rPr lang="en-US" sz="3200" dirty="0"/>
+              <a:t> statement </a:t>
+            </a:r>
+          </a:p>
+          <a:p>
+            <a:pPr marL="0" indent="0">
+              <a:buNone/>
+            </a:pPr>
+            <a:endParaRPr lang="en-US" sz="3200" dirty="0"/>
+          </a:p>
+          <a:p>
+            <a:pPr marL="0" indent="0">
+              <a:buNone/>
+            </a:pPr>
+            <a:r>
+              <a:rPr lang="en-US" sz="3200" dirty="0"/>
+              <a:t>• Functions without an explicit </a:t>
+            </a:r>
+            <a:r>
+              <a:rPr lang="en-US" sz="3200" b="1" dirty="0"/>
+              <a:t>return</a:t>
+            </a:r>
+            <a:r>
+              <a:rPr lang="en-US" sz="3200" dirty="0"/>
+              <a:t> pass back a special object, called </a:t>
+            </a:r>
+            <a:r>
+              <a:rPr lang="en-US" sz="3200" b="1" dirty="0"/>
+              <a:t>None</a:t>
+            </a:r>
+            <a:r>
+              <a:rPr lang="en-US" sz="3200" dirty="0"/>
+              <a:t> </a:t>
+            </a:r>
+          </a:p>
+          <a:p>
+            <a:pPr marL="0" indent="0">
+              <a:buNone/>
+            </a:pPr>
+            <a:r>
+              <a:rPr lang="en-US" sz="3200" dirty="0"/>
+              <a:t>     – </a:t>
+            </a:r>
+            <a:r>
+              <a:rPr lang="en-US" sz="3200" b="1" dirty="0"/>
+              <a:t>None</a:t>
+            </a:r>
+            <a:r>
+              <a:rPr lang="en-US" sz="3200" dirty="0"/>
+              <a:t> is the </a:t>
+            </a:r>
+            <a:r>
+              <a:rPr lang="en-US" sz="3200" u="sng" dirty="0"/>
+              <a:t>absence</a:t>
+            </a:r>
+            <a:r>
+              <a:rPr lang="en-US" sz="3200" dirty="0"/>
+              <a:t> of a value</a:t>
+            </a:r>
+          </a:p>
+          <a:p>
+            <a:pPr marL="0" indent="0">
+              <a:buNone/>
+            </a:pPr>
+            <a:endParaRPr lang="en-US" dirty="0"/>
           </a:p>
         </p:txBody>
       </p:sp>
     </p:spTree>
     <p:extLst>
       <p:ext uri="{BB962C8B-B14F-4D97-AF65-F5344CB8AC3E}">
-        <p14:creationId xmlns:p14="http://schemas.microsoft.com/office/powerpoint/2010/main" val="2690296328"/>
+        <p14:creationId xmlns:p14="http://schemas.microsoft.com/office/powerpoint/2010/main" val="3341724556"/>
       </p:ext>
     </p:extLst>
   </p:cSld>
@@ -4262,7 +4296,7 @@
           <p:cNvPr id="2" name="Title 1">
             <a:extLst>
               <a:ext uri="{FF2B5EF4-FFF2-40B4-BE49-F238E27FC236}">
-                <a16:creationId xmlns:a16="http://schemas.microsoft.com/office/drawing/2014/main" id="{BE2FB46B-2535-4A72-9804-1835186C0D54}"/>
+                <a16:creationId xmlns:a16="http://schemas.microsoft.com/office/drawing/2014/main" id="{AE15E60A-016E-43B9-89E8-1419CE6432C0}"/>
               </a:ext>
             </a:extLst>
           </p:cNvPr>
@@ -4280,119 +4314,221 @@
           <a:p>
             <a:r>
               <a:rPr lang="en-US" b="1" dirty="0"/>
-              <a:t>Every Function Returns </a:t>
-            </a:r>
-            <a:r>
-              <a:rPr lang="en-US" b="1" i="1" dirty="0"/>
-              <a:t>Something</a:t>
+              <a:t>Example</a:t>
+            </a:r>
+          </a:p>
+        </p:txBody>
+      </p:sp>
+      <p:sp>
+        <p:nvSpPr>
+          <p:cNvPr id="3" name="Content Placeholder 2">
+            <a:extLst>
+              <a:ext uri="{FF2B5EF4-FFF2-40B4-BE49-F238E27FC236}">
+                <a16:creationId xmlns:a16="http://schemas.microsoft.com/office/drawing/2014/main" id="{A5C552CD-95FA-4D9D-B6EB-A8F93216450F}"/>
+              </a:ext>
+            </a:extLst>
+          </p:cNvPr>
+          <p:cNvSpPr>
+            <a:spLocks noGrp="1"/>
+          </p:cNvSpPr>
+          <p:nvPr>
+            <p:ph idx="1"/>
+          </p:nvPr>
+        </p:nvSpPr>
+        <p:spPr/>
+        <p:txBody>
+          <a:bodyPr>
+            <a:normAutofit lnSpcReduction="10000"/>
+          </a:bodyPr>
+          <a:lstStyle/>
+          <a:p>
+            <a:pPr marL="0" indent="0">
+              <a:buNone/>
+            </a:pPr>
+            <a:r>
+              <a:rPr lang="en-US" dirty="0"/>
+              <a:t>• Here is a simple toy example: </a:t>
+            </a:r>
+          </a:p>
+          <a:p>
+            <a:pPr marL="0" indent="0">
+              <a:buNone/>
+            </a:pPr>
+            <a:r>
+              <a:rPr lang="en-US" dirty="0">
+                <a:solidFill>
+                  <a:srgbClr val="0070C0"/>
+                </a:solidFill>
+              </a:rPr>
+              <a:t>def</a:t>
             </a:r>
             <a:r>
               <a:rPr lang="en-US" dirty="0"/>
               <a:t> </a:t>
             </a:r>
-          </a:p>
-        </p:txBody>
-      </p:sp>
-      <p:sp>
-        <p:nvSpPr>
-          <p:cNvPr id="3" name="Content Placeholder 2">
-            <a:extLst>
-              <a:ext uri="{FF2B5EF4-FFF2-40B4-BE49-F238E27FC236}">
-                <a16:creationId xmlns:a16="http://schemas.microsoft.com/office/drawing/2014/main" id="{AD65EEFE-5F1B-4A11-90DA-2896D11329D9}"/>
-              </a:ext>
-            </a:extLst>
-          </p:cNvPr>
-          <p:cNvSpPr>
-            <a:spLocks noGrp="1"/>
-          </p:cNvSpPr>
-          <p:nvPr>
-            <p:ph idx="1"/>
-          </p:nvPr>
-        </p:nvSpPr>
-        <p:spPr/>
-        <p:txBody>
-          <a:bodyPr/>
-          <a:lstStyle/>
-          <a:p>
-            <a:pPr marL="0" indent="0">
-              <a:buNone/>
-            </a:pPr>
-            <a:r>
-              <a:rPr lang="en-US" sz="3200" dirty="0"/>
-              <a:t>• All Python functions return a value </a:t>
-            </a:r>
-          </a:p>
-          <a:p>
-            <a:pPr marL="0" indent="0">
-              <a:buNone/>
-            </a:pPr>
-            <a:r>
-              <a:rPr lang="en-US" sz="3200" dirty="0"/>
-              <a:t>    –Even if they don’t have a </a:t>
-            </a:r>
-            <a:r>
-              <a:rPr lang="en-US" sz="3200" b="1" dirty="0"/>
+            <a:r>
+              <a:rPr lang="en-US" dirty="0">
+                <a:solidFill>
+                  <a:srgbClr val="FF0000"/>
+                </a:solidFill>
+              </a:rPr>
+              <a:t>multiply</a:t>
+            </a:r>
+            <a:r>
+              <a:rPr lang="en-US" dirty="0"/>
+              <a:t>(num1, num2): </a:t>
+            </a:r>
+          </a:p>
+          <a:p>
+            <a:pPr marL="0" indent="0">
+              <a:buNone/>
+            </a:pPr>
+            <a:r>
+              <a:rPr lang="en-US" dirty="0"/>
+              <a:t>	</a:t>
+            </a:r>
+            <a:r>
+              <a:rPr lang="en-US" dirty="0">
+                <a:solidFill>
+                  <a:srgbClr val="FF0000"/>
+                </a:solidFill>
+              </a:rPr>
+              <a:t>print</a:t>
+            </a:r>
+            <a:r>
+              <a:rPr lang="en-US" dirty="0"/>
+              <a:t>(“</a:t>
+            </a:r>
+            <a:r>
+              <a:rPr lang="en-US" dirty="0">
+                <a:solidFill>
+                  <a:srgbClr val="00B050"/>
+                </a:solidFill>
+              </a:rPr>
+              <a:t>multiplying</a:t>
+            </a:r>
+            <a:r>
+              <a:rPr lang="en-US" dirty="0"/>
+              <a:t>", num1, "</a:t>
+            </a:r>
+            <a:r>
+              <a:rPr lang="en-US" dirty="0">
+                <a:solidFill>
+                  <a:srgbClr val="00B050"/>
+                </a:solidFill>
+              </a:rPr>
+              <a:t>*</a:t>
+            </a:r>
+            <a:r>
+              <a:rPr lang="en-US" dirty="0"/>
+              <a:t>", num2)</a:t>
+            </a:r>
+          </a:p>
+          <a:p>
+            <a:pPr marL="0" indent="0">
+              <a:buNone/>
+            </a:pPr>
+            <a:r>
+              <a:rPr lang="en-US" dirty="0"/>
+              <a:t>	answer = num1 * num2 </a:t>
+            </a:r>
+          </a:p>
+          <a:p>
+            <a:pPr marL="0" indent="0">
+              <a:buNone/>
+            </a:pPr>
+            <a:r>
+              <a:rPr lang="en-US" dirty="0"/>
+              <a:t>	</a:t>
+            </a:r>
+            <a:r>
+              <a:rPr lang="en-US" dirty="0">
+                <a:solidFill>
+                  <a:srgbClr val="0070C0"/>
+                </a:solidFill>
+              </a:rPr>
               <a:t>return</a:t>
             </a:r>
             <a:r>
-              <a:rPr lang="en-US" sz="3200" dirty="0"/>
-              <a:t> statement </a:t>
-            </a:r>
-          </a:p>
-          <a:p>
-            <a:pPr marL="0" indent="0">
-              <a:buNone/>
-            </a:pPr>
-            <a:endParaRPr lang="en-US" sz="3200" dirty="0"/>
-          </a:p>
-          <a:p>
-            <a:pPr marL="0" indent="0">
-              <a:buNone/>
-            </a:pPr>
-            <a:r>
-              <a:rPr lang="en-US" sz="3200" dirty="0"/>
-              <a:t>• Functions without an explicit </a:t>
-            </a:r>
-            <a:r>
-              <a:rPr lang="en-US" sz="3200" b="1" dirty="0"/>
-              <a:t>return</a:t>
-            </a:r>
-            <a:r>
-              <a:rPr lang="en-US" sz="3200" dirty="0"/>
-              <a:t> pass back a special object, called </a:t>
-            </a:r>
-            <a:r>
-              <a:rPr lang="en-US" sz="3200" b="1" dirty="0"/>
-              <a:t>None</a:t>
-            </a:r>
-            <a:r>
-              <a:rPr lang="en-US" sz="3200" dirty="0"/>
-              <a:t> </a:t>
-            </a:r>
-          </a:p>
-          <a:p>
-            <a:pPr marL="0" indent="0">
-              <a:buNone/>
-            </a:pPr>
-            <a:r>
-              <a:rPr lang="en-US" sz="3200" dirty="0"/>
-              <a:t>     – </a:t>
-            </a:r>
-            <a:r>
-              <a:rPr lang="en-US" sz="3200" b="1" dirty="0"/>
-              <a:t>None</a:t>
-            </a:r>
-            <a:r>
-              <a:rPr lang="en-US" sz="3200" dirty="0"/>
-              <a:t> is the </a:t>
-            </a:r>
-            <a:r>
-              <a:rPr lang="en-US" sz="3200" u="sng" dirty="0"/>
-              <a:t>absence</a:t>
-            </a:r>
-            <a:r>
-              <a:rPr lang="en-US" sz="3200" dirty="0"/>
-              <a:t> of a value</a:t>
+              <a:rPr lang="en-US" dirty="0"/>
+              <a:t> answer </a:t>
+            </a:r>
+          </a:p>
+          <a:p>
+            <a:pPr marL="0" indent="0">
+              <a:buNone/>
+            </a:pPr>
+            <a:endParaRPr lang="en-US" dirty="0"/>
+          </a:p>
+          <a:p>
+            <a:pPr marL="0" indent="0">
+              <a:buNone/>
+            </a:pPr>
+            <a:r>
+              <a:rPr lang="en-US" dirty="0"/>
+              <a:t>• Assume that this code is in </a:t>
+            </a:r>
+            <a:r>
+              <a:rPr lang="en-US" b="1" dirty="0"/>
+              <a:t>main()</a:t>
+            </a:r>
+            <a:r>
+              <a:rPr lang="en-US" dirty="0"/>
+              <a:t>: </a:t>
+            </a:r>
+          </a:p>
+          <a:p>
+            <a:pPr marL="0" indent="0">
+              <a:buNone/>
+            </a:pPr>
+            <a:r>
+              <a:rPr lang="en-US" dirty="0"/>
+              <a:t>    product = </a:t>
+            </a:r>
+            <a:r>
+              <a:rPr lang="en-US" dirty="0">
+                <a:solidFill>
+                  <a:srgbClr val="FF0000"/>
+                </a:solidFill>
+              </a:rPr>
+              <a:t>multiply</a:t>
+            </a:r>
+            <a:r>
+              <a:rPr lang="en-US" dirty="0"/>
+              <a:t>(6, 3) </a:t>
+            </a:r>
+          </a:p>
+          <a:p>
+            <a:pPr marL="0" indent="0">
+              <a:buNone/>
+            </a:pPr>
+            <a:r>
+              <a:rPr lang="en-US" dirty="0"/>
+              <a:t>    </a:t>
+            </a:r>
+            <a:r>
+              <a:rPr lang="en-US" dirty="0">
+                <a:solidFill>
+                  <a:srgbClr val="FF0000"/>
+                </a:solidFill>
+              </a:rPr>
+              <a:t>print</a:t>
+            </a:r>
+            <a:r>
+              <a:rPr lang="en-US" dirty="0"/>
+              <a:t>("</a:t>
+            </a:r>
+            <a:r>
+              <a:rPr lang="en-US" dirty="0">
+                <a:solidFill>
+                  <a:srgbClr val="00B050"/>
+                </a:solidFill>
+              </a:rPr>
+              <a:t>result is</a:t>
+            </a:r>
+            <a:r>
+              <a:rPr lang="en-US" dirty="0"/>
+              <a:t>", product)</a:t>
             </a:r>
           </a:p>
           <a:p>
@@ -4406,7 +4542,7 @@
     </p:spTree>
     <p:extLst>
       <p:ext uri="{BB962C8B-B14F-4D97-AF65-F5344CB8AC3E}">
-        <p14:creationId xmlns:p14="http://schemas.microsoft.com/office/powerpoint/2010/main" val="3341724556"/>
+        <p14:creationId xmlns:p14="http://schemas.microsoft.com/office/powerpoint/2010/main" val="3595557082"/>
       </p:ext>
     </p:extLst>
   </p:cSld>
@@ -4438,7 +4574,7 @@
           <p:cNvPr id="2" name="Title 1">
             <a:extLst>
               <a:ext uri="{FF2B5EF4-FFF2-40B4-BE49-F238E27FC236}">
-                <a16:creationId xmlns:a16="http://schemas.microsoft.com/office/drawing/2014/main" id="{AE15E60A-016E-43B9-89E8-1419CE6432C0}"/>
+                <a16:creationId xmlns:a16="http://schemas.microsoft.com/office/drawing/2014/main" id="{97FA59B4-F23A-4E77-A0A5-2A5E9F3C8E4A}"/>
               </a:ext>
             </a:extLst>
           </p:cNvPr>
@@ -4456,7 +4592,7 @@
           <a:p>
             <a:r>
               <a:rPr lang="en-US" b="1" dirty="0"/>
-              <a:t>Example</a:t>
+              <a:t>Problem #1 </a:t>
             </a:r>
           </a:p>
         </p:txBody>
@@ -4466,7 +4602,7 @@
           <p:cNvPr id="3" name="Content Placeholder 2">
             <a:extLst>
               <a:ext uri="{FF2B5EF4-FFF2-40B4-BE49-F238E27FC236}">
-                <a16:creationId xmlns:a16="http://schemas.microsoft.com/office/drawing/2014/main" id="{A5C552CD-95FA-4D9D-B6EB-A8F93216450F}"/>
+                <a16:creationId xmlns:a16="http://schemas.microsoft.com/office/drawing/2014/main" id="{767F7C07-EB4F-4402-8DBC-01DBD44320D5}"/>
               </a:ext>
             </a:extLst>
           </p:cNvPr>
@@ -4477,10 +4613,15 @@
             <p:ph idx="1"/>
           </p:nvPr>
         </p:nvSpPr>
-        <p:spPr/>
+        <p:spPr>
+          <a:xfrm>
+            <a:off x="838200" y="1392702"/>
+            <a:ext cx="10515600" cy="5100173"/>
+          </a:xfrm>
+        </p:spPr>
         <p:txBody>
           <a:bodyPr>
-            <a:normAutofit lnSpcReduction="10000"/>
+            <a:normAutofit/>
           </a:bodyPr>
           <a:lstStyle/>
           <a:p>
@@ -4488,16 +4629,28 @@
               <a:buNone/>
             </a:pPr>
             <a:r>
-              <a:rPr lang="en-US" dirty="0"/>
-              <a:t>• Here is a simple toy example: </a:t>
-            </a:r>
-          </a:p>
-          <a:p>
-            <a:pPr marL="0" indent="0">
-              <a:buNone/>
-            </a:pPr>
-            <a:r>
-              <a:rPr lang="en-US" dirty="0">
+              <a:rPr lang="en-US" sz="3200" dirty="0"/>
+              <a:t>• Forgetting to write a </a:t>
+            </a:r>
+            <a:r>
+              <a:rPr lang="en-US" sz="3200" b="1" dirty="0"/>
+              <a:t>return</a:t>
+            </a:r>
+            <a:r>
+              <a:rPr lang="en-US" sz="3200" dirty="0"/>
+              <a:t> statement </a:t>
+            </a:r>
+          </a:p>
+          <a:p>
+            <a:pPr marL="0" indent="0">
+              <a:buNone/>
+            </a:pPr>
+            <a:r>
+              <a:rPr lang="en-US" sz="3200" dirty="0"/>
+              <a:t>    </a:t>
+            </a:r>
+            <a:r>
+              <a:rPr lang="en-US" sz="3200" dirty="0">
                 <a:solidFill>
                   <a:srgbClr val="0070C0"/>
                 </a:solidFill>
@@ -4505,11 +4658,11 @@
               <a:t>def</a:t>
             </a:r>
             <a:r>
-              <a:rPr lang="en-US" dirty="0"/>
+              <a:rPr lang="en-US" sz="3200" dirty="0"/>
               <a:t> </a:t>
             </a:r>
             <a:r>
-              <a:rPr lang="en-US" dirty="0">
+              <a:rPr lang="en-US" sz="3200" dirty="0">
                 <a:solidFill>
                   <a:srgbClr val="FF0000"/>
                 </a:solidFill>
@@ -4517,20 +4670,20 @@
               <a:t>multiply</a:t>
             </a:r>
             <a:r>
-              <a:rPr lang="en-US" dirty="0"/>
-              <a:t>(num1, num2): </a:t>
-            </a:r>
-          </a:p>
-          <a:p>
-            <a:pPr marL="0" indent="0">
-              <a:buNone/>
-            </a:pPr>
-            <a:r>
-              <a:rPr lang="en-US" dirty="0"/>
-              <a:t>	</a:t>
-            </a:r>
-            <a:r>
-              <a:rPr lang="en-US" dirty="0">
+              <a:rPr lang="en-US" sz="3200" dirty="0"/>
+              <a:t>(num1, num2):</a:t>
+            </a:r>
+          </a:p>
+          <a:p>
+            <a:pPr marL="0" indent="0">
+              <a:buNone/>
+            </a:pPr>
+            <a:r>
+              <a:rPr lang="en-US" sz="3200" dirty="0"/>
+              <a:t>	 </a:t>
+            </a:r>
+            <a:r>
+              <a:rPr lang="en-US" sz="3200" dirty="0">
                 <a:solidFill>
                   <a:srgbClr val="FF0000"/>
                 </a:solidFill>
@@ -4538,11 +4691,11 @@
               <a:t>print</a:t>
             </a:r>
             <a:r>
-              <a:rPr lang="en-US" dirty="0"/>
+              <a:rPr lang="en-US" sz="3200" dirty="0"/>
               <a:t>("</a:t>
             </a:r>
             <a:r>
-              <a:rPr lang="en-US" dirty="0">
+              <a:rPr lang="en-US" sz="3200" dirty="0">
                 <a:solidFill>
                   <a:srgbClr val="00B050"/>
                 </a:solidFill>
@@ -4550,11 +4703,11 @@
               <a:t>doing</a:t>
             </a:r>
             <a:r>
-              <a:rPr lang="en-US" dirty="0"/>
+              <a:rPr lang="en-US" sz="3200" dirty="0"/>
               <a:t>", num1, "</a:t>
             </a:r>
             <a:r>
-              <a:rPr lang="en-US" dirty="0">
+              <a:rPr lang="en-US" sz="3200" dirty="0">
                 <a:solidFill>
                   <a:srgbClr val="00B050"/>
                 </a:solidFill>
@@ -4562,7 +4715,7 @@
               <a:t>*</a:t>
             </a:r>
             <a:r>
-              <a:rPr lang="en-US" dirty="0"/>
+              <a:rPr lang="en-US" sz="3200" dirty="0"/>
               <a:t>", num2)</a:t>
             </a:r>
           </a:p>
@@ -4571,7 +4724,7 @@
               <a:buNone/>
             </a:pPr>
             <a:r>
-              <a:rPr lang="en-US" dirty="0"/>
+              <a:rPr lang="en-US" sz="3200" dirty="0"/>
               <a:t>	answer = num1 * num2 </a:t>
             </a:r>
           </a:p>
@@ -4579,56 +4732,18 @@
             <a:pPr marL="0" indent="0">
               <a:buNone/>
             </a:pPr>
-            <a:r>
-              <a:rPr lang="en-US" dirty="0"/>
-              <a:t>	</a:t>
-            </a:r>
-            <a:r>
-              <a:rPr lang="en-US" dirty="0">
-                <a:solidFill>
-                  <a:srgbClr val="0070C0"/>
-                </a:solidFill>
-              </a:rPr>
-              <a:t>return</a:t>
-            </a:r>
-            <a:r>
-              <a:rPr lang="en-US" dirty="0"/>
-              <a:t> answer </a:t>
-            </a:r>
-          </a:p>
-          <a:p>
-            <a:pPr marL="0" indent="0">
-              <a:buNone/>
-            </a:pPr>
-            <a:endParaRPr lang="en-US" dirty="0"/>
-          </a:p>
-          <a:p>
-            <a:pPr marL="0" indent="0">
-              <a:buNone/>
-            </a:pPr>
-            <a:r>
-              <a:rPr lang="en-US" dirty="0"/>
-              <a:t>• Assume that this code is in </a:t>
-            </a:r>
-            <a:r>
-              <a:rPr lang="en-US" b="1" dirty="0"/>
-              <a:t>main()</a:t>
-            </a:r>
-            <a:r>
-              <a:rPr lang="en-US" dirty="0"/>
-              <a:t>: </a:t>
-            </a:r>
-          </a:p>
-          <a:p>
-            <a:pPr marL="0" indent="0">
-              <a:buNone/>
-            </a:pPr>
-            <a:r>
-              <a:rPr lang="en-US" dirty="0"/>
+            <a:endParaRPr lang="en-US" sz="3200" dirty="0"/>
+          </a:p>
+          <a:p>
+            <a:pPr marL="0" indent="0">
+              <a:buNone/>
+            </a:pPr>
+            <a:r>
+              <a:rPr lang="en-US" sz="3200" dirty="0"/>
               <a:t>    product = </a:t>
             </a:r>
             <a:r>
-              <a:rPr lang="en-US" dirty="0">
+              <a:rPr lang="en-US" sz="3200" dirty="0">
                 <a:solidFill>
                   <a:srgbClr val="FF0000"/>
                 </a:solidFill>
@@ -4636,20 +4751,20 @@
               <a:t>multiply</a:t>
             </a:r>
             <a:r>
-              <a:rPr lang="en-US" dirty="0"/>
-              <a:t>(6, 3) </a:t>
-            </a:r>
-          </a:p>
-          <a:p>
-            <a:pPr marL="0" indent="0">
-              <a:buNone/>
-            </a:pPr>
-            <a:r>
-              <a:rPr lang="en-US" dirty="0"/>
+              <a:rPr lang="en-US" sz="3200" dirty="0"/>
+              <a:t>(3, 5) </a:t>
+            </a:r>
+          </a:p>
+          <a:p>
+            <a:pPr marL="0" indent="0">
+              <a:buNone/>
+            </a:pPr>
+            <a:r>
+              <a:rPr lang="en-US" sz="3200" dirty="0"/>
               <a:t>    </a:t>
             </a:r>
             <a:r>
-              <a:rPr lang="en-US" dirty="0">
+              <a:rPr lang="en-US" sz="3200" dirty="0">
                 <a:solidFill>
                   <a:srgbClr val="FF0000"/>
                 </a:solidFill>
@@ -4657,11 +4772,11 @@
               <a:t>print</a:t>
             </a:r>
             <a:r>
-              <a:rPr lang="en-US" dirty="0"/>
+              <a:rPr lang="en-US" sz="3200" dirty="0"/>
               <a:t>("</a:t>
             </a:r>
             <a:r>
-              <a:rPr lang="en-US" dirty="0">
+              <a:rPr lang="en-US" sz="3200" dirty="0">
                 <a:solidFill>
                   <a:srgbClr val="00B050"/>
                 </a:solidFill>
@@ -4669,8 +4784,23 @@
               <a:t>result is</a:t>
             </a:r>
             <a:r>
-              <a:rPr lang="en-US" dirty="0"/>
-              <a:t>", product)</a:t>
+              <a:rPr lang="en-US" sz="3200" dirty="0"/>
+              <a:t>", product) </a:t>
+            </a:r>
+          </a:p>
+          <a:p>
+            <a:pPr marL="0" indent="0">
+              <a:buNone/>
+            </a:pPr>
+            <a:endParaRPr lang="en-US" sz="3200" dirty="0"/>
+          </a:p>
+          <a:p>
+            <a:pPr marL="0" indent="0">
+              <a:buNone/>
+            </a:pPr>
+            <a:r>
+              <a:rPr lang="en-US" sz="3200" dirty="0"/>
+              <a:t>• What is the code’s output now?</a:t>
             </a:r>
           </a:p>
           <a:p>
@@ -4684,7 +4814,7 @@
     </p:spTree>
     <p:extLst>
       <p:ext uri="{BB962C8B-B14F-4D97-AF65-F5344CB8AC3E}">
-        <p14:creationId xmlns:p14="http://schemas.microsoft.com/office/powerpoint/2010/main" val="3595557082"/>
+        <p14:creationId xmlns:p14="http://schemas.microsoft.com/office/powerpoint/2010/main" val="3948196975"/>
       </p:ext>
     </p:extLst>
   </p:cSld>
@@ -4716,7 +4846,7 @@
           <p:cNvPr id="2" name="Title 1">
             <a:extLst>
               <a:ext uri="{FF2B5EF4-FFF2-40B4-BE49-F238E27FC236}">
-                <a16:creationId xmlns:a16="http://schemas.microsoft.com/office/drawing/2014/main" id="{97FA59B4-F23A-4E77-A0A5-2A5E9F3C8E4A}"/>
+                <a16:creationId xmlns:a16="http://schemas.microsoft.com/office/drawing/2014/main" id="{1EF4C14C-692B-4FE4-8241-A09177F0649C}"/>
               </a:ext>
             </a:extLst>
           </p:cNvPr>
@@ -4734,7 +4864,7 @@
           <a:p>
             <a:r>
               <a:rPr lang="en-US" b="1" dirty="0"/>
-              <a:t>Problem #1 </a:t>
+              <a:t>Output: </a:t>
             </a:r>
           </a:p>
         </p:txBody>
@@ -4744,7 +4874,7 @@
           <p:cNvPr id="3" name="Content Placeholder 2">
             <a:extLst>
               <a:ext uri="{FF2B5EF4-FFF2-40B4-BE49-F238E27FC236}">
-                <a16:creationId xmlns:a16="http://schemas.microsoft.com/office/drawing/2014/main" id="{767F7C07-EB4F-4402-8DBC-01DBD44320D5}"/>
+                <a16:creationId xmlns:a16="http://schemas.microsoft.com/office/drawing/2014/main" id="{97A37ED3-5C88-4020-8432-93B9068D3439}"/>
               </a:ext>
             </a:extLst>
           </p:cNvPr>
@@ -4755,208 +4885,34 @@
             <p:ph idx="1"/>
           </p:nvPr>
         </p:nvSpPr>
-        <p:spPr>
-          <a:xfrm>
-            <a:off x="838200" y="1392702"/>
-            <a:ext cx="10515600" cy="5100173"/>
-          </a:xfrm>
-        </p:spPr>
+        <p:spPr/>
         <p:txBody>
           <a:bodyPr>
             <a:normAutofit/>
           </a:bodyPr>
           <a:lstStyle/>
           <a:p>
-            <a:pPr marL="0" indent="0">
-              <a:buNone/>
-            </a:pPr>
-            <a:r>
-              <a:rPr lang="en-US" sz="3200" dirty="0"/>
-              <a:t>• Forgetting to write a </a:t>
+            <a:r>
+              <a:rPr lang="en-US" sz="3200" dirty="0"/>
+              <a:t>The variable given the return value has a value of </a:t>
             </a:r>
             <a:r>
               <a:rPr lang="en-US" sz="3200" b="1" dirty="0"/>
-              <a:t>return</a:t>
-            </a:r>
-            <a:r>
-              <a:rPr lang="en-US" sz="3200" dirty="0"/>
-              <a:t> statement </a:t>
-            </a:r>
-          </a:p>
-          <a:p>
-            <a:pPr marL="0" indent="0">
-              <a:buNone/>
-            </a:pPr>
-            <a:r>
-              <a:rPr lang="en-US" sz="3200" dirty="0"/>
-              <a:t>    </a:t>
-            </a:r>
-            <a:r>
-              <a:rPr lang="en-US" sz="3200" dirty="0">
-                <a:solidFill>
-                  <a:srgbClr val="0070C0"/>
-                </a:solidFill>
-              </a:rPr>
-              <a:t>def</a:t>
-            </a:r>
-            <a:r>
-              <a:rPr lang="en-US" sz="3200" dirty="0"/>
-              <a:t> </a:t>
-            </a:r>
-            <a:r>
-              <a:rPr lang="en-US" sz="3200" dirty="0">
-                <a:solidFill>
-                  <a:srgbClr val="FF0000"/>
-                </a:solidFill>
-              </a:rPr>
-              <a:t>multiply</a:t>
-            </a:r>
-            <a:r>
-              <a:rPr lang="en-US" sz="3200" dirty="0"/>
-              <a:t>(num1, num2):</a:t>
-            </a:r>
-          </a:p>
-          <a:p>
-            <a:pPr marL="0" indent="0">
-              <a:buNone/>
-            </a:pPr>
-            <a:r>
-              <a:rPr lang="en-US" sz="3200" dirty="0"/>
-              <a:t>	 </a:t>
-            </a:r>
-            <a:r>
-              <a:rPr lang="en-US" sz="3200" dirty="0">
-                <a:solidFill>
-                  <a:srgbClr val="FF0000"/>
-                </a:solidFill>
-              </a:rPr>
-              <a:t>print</a:t>
-            </a:r>
-            <a:r>
-              <a:rPr lang="en-US" sz="3200" dirty="0"/>
-              <a:t>("</a:t>
-            </a:r>
-            <a:r>
-              <a:rPr lang="en-US" sz="3200" dirty="0">
-                <a:solidFill>
-                  <a:srgbClr val="00B050"/>
-                </a:solidFill>
-              </a:rPr>
-              <a:t>doing</a:t>
-            </a:r>
-            <a:r>
-              <a:rPr lang="en-US" sz="3200" dirty="0"/>
-              <a:t>", num1, "</a:t>
-            </a:r>
-            <a:r>
-              <a:rPr lang="en-US" sz="3200" dirty="0">
-                <a:solidFill>
-                  <a:srgbClr val="00B050"/>
-                </a:solidFill>
-              </a:rPr>
-              <a:t>*</a:t>
-            </a:r>
-            <a:r>
-              <a:rPr lang="en-US" sz="3200" dirty="0"/>
-              <a:t>", num2)</a:t>
-            </a:r>
-          </a:p>
-          <a:p>
-            <a:pPr marL="0" indent="0">
-              <a:buNone/>
-            </a:pPr>
-            <a:r>
-              <a:rPr lang="en-US" sz="3200" dirty="0"/>
-              <a:t>	answer = num1 * num2 </a:t>
-            </a:r>
-          </a:p>
-          <a:p>
-            <a:pPr marL="0" indent="0">
-              <a:buNone/>
-            </a:pPr>
-            <a:endParaRPr lang="en-US" sz="3200" dirty="0"/>
-          </a:p>
-          <a:p>
-            <a:pPr marL="0" indent="0">
-              <a:buNone/>
-            </a:pPr>
-            <a:r>
-              <a:rPr lang="en-US" sz="3200" dirty="0"/>
-              <a:t>    product = </a:t>
-            </a:r>
-            <a:r>
-              <a:rPr lang="en-US" sz="3200" dirty="0">
-                <a:solidFill>
-                  <a:srgbClr val="FF0000"/>
-                </a:solidFill>
-              </a:rPr>
-              <a:t>multiply</a:t>
-            </a:r>
-            <a:r>
-              <a:rPr lang="en-US" sz="3200" dirty="0"/>
-              <a:t>(3, 5) </a:t>
-            </a:r>
-          </a:p>
-          <a:p>
-            <a:pPr marL="0" indent="0">
-              <a:buNone/>
-            </a:pPr>
-            <a:r>
-              <a:rPr lang="en-US" sz="3200" dirty="0"/>
-              <a:t>    </a:t>
-            </a:r>
-            <a:r>
-              <a:rPr lang="en-US" sz="3200" dirty="0">
-                <a:solidFill>
-                  <a:srgbClr val="FF0000"/>
-                </a:solidFill>
-              </a:rPr>
-              <a:t>print</a:t>
-            </a:r>
-            <a:r>
-              <a:rPr lang="en-US" sz="3200" dirty="0"/>
-              <a:t>("</a:t>
-            </a:r>
-            <a:r>
-              <a:rPr lang="en-US" sz="3200" dirty="0">
-                <a:solidFill>
-                  <a:srgbClr val="00B050"/>
-                </a:solidFill>
-              </a:rPr>
-              <a:t>result is</a:t>
-            </a:r>
-            <a:r>
-              <a:rPr lang="en-US" sz="3200" dirty="0"/>
-              <a:t>", product) </a:t>
-            </a:r>
-          </a:p>
-          <a:p>
-            <a:pPr marL="0" indent="0">
-              <a:buNone/>
-            </a:pPr>
-            <a:endParaRPr lang="en-US" sz="3200" dirty="0"/>
-          </a:p>
-          <a:p>
-            <a:pPr marL="0" indent="0">
-              <a:buNone/>
-            </a:pPr>
-            <a:r>
-              <a:rPr lang="en-US" sz="3200" dirty="0"/>
-              <a:t>• What is the code’s output now?</a:t>
-            </a:r>
-          </a:p>
-          <a:p>
-            <a:pPr marL="0" indent="0">
-              <a:buNone/>
-            </a:pPr>
-            <a:endParaRPr lang="en-US" dirty="0"/>
+              <a:t>none</a:t>
+            </a:r>
+          </a:p>
+          <a:p>
+            <a:r>
+              <a:rPr lang="en-US" sz="3200" dirty="0"/>
+              <a:t>Doing 3 * 5 will return the value none </a:t>
+            </a:r>
           </a:p>
         </p:txBody>
       </p:sp>
     </p:spTree>
     <p:extLst>
       <p:ext uri="{BB962C8B-B14F-4D97-AF65-F5344CB8AC3E}">
-        <p14:creationId xmlns:p14="http://schemas.microsoft.com/office/powerpoint/2010/main" val="3948196975"/>
+        <p14:creationId xmlns:p14="http://schemas.microsoft.com/office/powerpoint/2010/main" val="2488840736"/>
       </p:ext>
     </p:extLst>
   </p:cSld>
@@ -4988,7 +4944,7 @@
           <p:cNvPr id="2" name="Title 1">
             <a:extLst>
               <a:ext uri="{FF2B5EF4-FFF2-40B4-BE49-F238E27FC236}">
-                <a16:creationId xmlns:a16="http://schemas.microsoft.com/office/drawing/2014/main" id="{1EF4C14C-692B-4FE4-8241-A09177F0649C}"/>
+                <a16:creationId xmlns:a16="http://schemas.microsoft.com/office/drawing/2014/main" id="{9F856AF5-2805-4307-B78A-8308653129FB}"/>
               </a:ext>
             </a:extLst>
           </p:cNvPr>
@@ -5006,7 +4962,7 @@
           <a:p>
             <a:r>
               <a:rPr lang="en-US" b="1" dirty="0"/>
-              <a:t>Output: </a:t>
+              <a:t>Problem #2 </a:t>
             </a:r>
           </a:p>
         </p:txBody>
@@ -5016,7 +4972,7 @@
           <p:cNvPr id="3" name="Content Placeholder 2">
             <a:extLst>
               <a:ext uri="{FF2B5EF4-FFF2-40B4-BE49-F238E27FC236}">
-                <a16:creationId xmlns:a16="http://schemas.microsoft.com/office/drawing/2014/main" id="{97A37ED3-5C88-4020-8432-93B9068D3439}"/>
+                <a16:creationId xmlns:a16="http://schemas.microsoft.com/office/drawing/2014/main" id="{AABAE77D-86C1-4A6F-93D7-ED3581203C2C}"/>
               </a:ext>
             </a:extLst>
           </p:cNvPr>
@@ -5030,31 +4986,196 @@
         <p:spPr/>
         <p:txBody>
           <a:bodyPr>
-            <a:normAutofit/>
+            <a:normAutofit fontScale="92500" lnSpcReduction="20000"/>
           </a:bodyPr>
           <a:lstStyle/>
           <a:p>
-            <a:r>
-              <a:rPr lang="en-US" sz="3200" dirty="0"/>
-              <a:t>The variable given the return value has a value of </a:t>
-            </a:r>
-            <a:r>
-              <a:rPr lang="en-US" sz="3200" b="1" dirty="0"/>
-              <a:t>none</a:t>
-            </a:r>
-          </a:p>
-          <a:p>
-            <a:r>
-              <a:rPr lang="en-US" sz="3200" dirty="0"/>
-              <a:t>Doing 3 * 5 will return the value none </a:t>
-            </a:r>
+            <a:pPr marL="0" indent="0">
+              <a:buNone/>
+            </a:pPr>
+            <a:r>
+              <a:rPr lang="en-US" sz="3200" dirty="0"/>
+              <a:t>• Forgetting to assign the returned value</a:t>
+            </a:r>
+          </a:p>
+          <a:p>
+            <a:pPr marL="0" indent="0">
+              <a:buNone/>
+            </a:pPr>
+            <a:r>
+              <a:rPr lang="en-US" sz="3200" dirty="0"/>
+              <a:t> </a:t>
+            </a:r>
+            <a:r>
+              <a:rPr lang="en-US" sz="3200" dirty="0">
+                <a:solidFill>
+                  <a:srgbClr val="0070C0"/>
+                </a:solidFill>
+              </a:rPr>
+              <a:t>def</a:t>
+            </a:r>
+            <a:r>
+              <a:rPr lang="en-US" sz="3200" dirty="0"/>
+              <a:t> </a:t>
+            </a:r>
+            <a:r>
+              <a:rPr lang="en-US" sz="3200" dirty="0">
+                <a:solidFill>
+                  <a:srgbClr val="FF0000"/>
+                </a:solidFill>
+              </a:rPr>
+              <a:t>multiply</a:t>
+            </a:r>
+            <a:r>
+              <a:rPr lang="en-US" sz="3200" dirty="0"/>
+              <a:t>(num1, num2): </a:t>
+            </a:r>
+          </a:p>
+          <a:p>
+            <a:pPr marL="0" indent="0">
+              <a:buNone/>
+            </a:pPr>
+            <a:r>
+              <a:rPr lang="en-US" sz="3200" dirty="0"/>
+              <a:t>	</a:t>
+            </a:r>
+            <a:r>
+              <a:rPr lang="en-US" sz="3200" dirty="0">
+                <a:solidFill>
+                  <a:srgbClr val="FF0000"/>
+                </a:solidFill>
+              </a:rPr>
+              <a:t>print</a:t>
+            </a:r>
+            <a:r>
+              <a:rPr lang="en-US" sz="3200" dirty="0"/>
+              <a:t>(“</a:t>
+            </a:r>
+            <a:r>
+              <a:rPr lang="en-US" sz="3200" dirty="0">
+                <a:solidFill>
+                  <a:srgbClr val="00B050"/>
+                </a:solidFill>
+              </a:rPr>
+              <a:t>multiplying</a:t>
+            </a:r>
+            <a:r>
+              <a:rPr lang="en-US" sz="3200" dirty="0"/>
+              <a:t>", num1, "</a:t>
+            </a:r>
+            <a:r>
+              <a:rPr lang="en-US" sz="3200" dirty="0">
+                <a:solidFill>
+                  <a:srgbClr val="00B050"/>
+                </a:solidFill>
+              </a:rPr>
+              <a:t>*</a:t>
+            </a:r>
+            <a:r>
+              <a:rPr lang="en-US" sz="3200" dirty="0"/>
+              <a:t>", num2)</a:t>
+            </a:r>
+          </a:p>
+          <a:p>
+            <a:pPr marL="0" indent="0">
+              <a:buNone/>
+            </a:pPr>
+            <a:r>
+              <a:rPr lang="en-US" sz="3200" dirty="0"/>
+              <a:t>	</a:t>
+            </a:r>
+            <a:r>
+              <a:rPr lang="en-US" sz="3200" dirty="0">
+                <a:solidFill>
+                  <a:srgbClr val="0070C0"/>
+                </a:solidFill>
+              </a:rPr>
+              <a:t>return</a:t>
+            </a:r>
+            <a:r>
+              <a:rPr lang="en-US" sz="3200" dirty="0"/>
+              <a:t> num1 * num2 </a:t>
+            </a:r>
+          </a:p>
+          <a:p>
+            <a:pPr marL="0" indent="0">
+              <a:buNone/>
+            </a:pPr>
+            <a:endParaRPr lang="en-US" sz="3200" dirty="0"/>
+          </a:p>
+          <a:p>
+            <a:pPr marL="0" indent="0">
+              <a:buNone/>
+            </a:pPr>
+            <a:r>
+              <a:rPr lang="en-US" sz="3200" dirty="0">
+                <a:solidFill>
+                  <a:srgbClr val="FF0000"/>
+                </a:solidFill>
+              </a:rPr>
+              <a:t>multiply</a:t>
+            </a:r>
+            <a:r>
+              <a:rPr lang="en-US" sz="3200" dirty="0"/>
+              <a:t>(7, 8) </a:t>
+            </a:r>
+          </a:p>
+          <a:p>
+            <a:pPr marL="0" indent="0">
+              <a:buNone/>
+            </a:pPr>
+            <a:r>
+              <a:rPr lang="en-US" sz="3200" dirty="0">
+                <a:solidFill>
+                  <a:srgbClr val="FF0000"/>
+                </a:solidFill>
+              </a:rPr>
+              <a:t>print</a:t>
+            </a:r>
+            <a:r>
+              <a:rPr lang="en-US" sz="3200" dirty="0"/>
+              <a:t>("</a:t>
+            </a:r>
+            <a:r>
+              <a:rPr lang="en-US" sz="3200" dirty="0">
+                <a:solidFill>
+                  <a:srgbClr val="00B050"/>
+                </a:solidFill>
+              </a:rPr>
+              <a:t>result is</a:t>
+            </a:r>
+            <a:r>
+              <a:rPr lang="en-US" sz="3200" dirty="0"/>
+              <a:t>", product) </a:t>
+            </a:r>
+          </a:p>
+          <a:p>
+            <a:pPr marL="0" indent="0">
+              <a:buNone/>
+            </a:pPr>
+            <a:endParaRPr lang="en-US" sz="3200" dirty="0"/>
+          </a:p>
+          <a:p>
+            <a:pPr marL="0" indent="0">
+              <a:buNone/>
+            </a:pPr>
+            <a:r>
+              <a:rPr lang="en-US" sz="3200" dirty="0"/>
+              <a:t>• What is the code’s output now? </a:t>
+            </a:r>
+          </a:p>
+          <a:p>
+            <a:pPr marL="0" indent="0">
+              <a:buNone/>
+            </a:pPr>
+            <a:endParaRPr lang="en-US" dirty="0"/>
           </a:p>
         </p:txBody>
       </p:sp>
     </p:spTree>
     <p:extLst>
       <p:ext uri="{BB962C8B-B14F-4D97-AF65-F5344CB8AC3E}">
-        <p14:creationId xmlns:p14="http://schemas.microsoft.com/office/powerpoint/2010/main" val="2488840736"/>
+        <p14:creationId xmlns:p14="http://schemas.microsoft.com/office/powerpoint/2010/main" val="578114306"/>
       </p:ext>
     </p:extLst>
   </p:cSld>
@@ -5086,7 +5207,7 @@
           <p:cNvPr id="2" name="Title 1">
             <a:extLst>
               <a:ext uri="{FF2B5EF4-FFF2-40B4-BE49-F238E27FC236}">
-                <a16:creationId xmlns:a16="http://schemas.microsoft.com/office/drawing/2014/main" id="{9F856AF5-2805-4307-B78A-8308653129FB}"/>
+                <a16:creationId xmlns:a16="http://schemas.microsoft.com/office/drawing/2014/main" id="{017D1624-2A6D-4158-BF89-3FA50BC65FD5}"/>
               </a:ext>
             </a:extLst>
           </p:cNvPr>
@@ -5104,7 +5225,7 @@
           <a:p>
             <a:r>
               <a:rPr lang="en-US" b="1" dirty="0"/>
-              <a:t>Problem #2 </a:t>
+              <a:t>Problem #2</a:t>
             </a:r>
           </a:p>
         </p:txBody>
@@ -5114,7 +5235,7 @@
           <p:cNvPr id="3" name="Content Placeholder 2">
             <a:extLst>
               <a:ext uri="{FF2B5EF4-FFF2-40B4-BE49-F238E27FC236}">
-                <a16:creationId xmlns:a16="http://schemas.microsoft.com/office/drawing/2014/main" id="{AABAE77D-86C1-4A6F-93D7-ED3581203C2C}"/>
+                <a16:creationId xmlns:a16="http://schemas.microsoft.com/office/drawing/2014/main" id="{08C4AB87-E837-4136-84D4-175C691247E9}"/>
               </a:ext>
             </a:extLst>
           </p:cNvPr>
@@ -5128,37 +5249,40 @@
         <p:spPr/>
         <p:txBody>
           <a:bodyPr>
-            <a:normAutofit fontScale="92500" lnSpcReduction="20000"/>
+            <a:normAutofit/>
           </a:bodyPr>
           <a:lstStyle/>
           <a:p>
-            <a:pPr marL="0" indent="0">
-              <a:buNone/>
-            </a:pPr>
-            <a:r>
-              <a:rPr lang="en-US" sz="3200" dirty="0"/>
-              <a:t>• Forgetting to assign the returned value</a:t>
-            </a:r>
-          </a:p>
-          <a:p>
-            <a:pPr marL="0" indent="0">
-              <a:buNone/>
-            </a:pPr>
-            <a:r>
-              <a:rPr lang="en-US" sz="3200" dirty="0"/>
-              <a:t> </a:t>
-            </a:r>
-            <a:r>
-              <a:rPr lang="en-US" sz="3200" dirty="0">
-                <a:solidFill>
-                  <a:srgbClr val="0070C0"/>
-                </a:solidFill>
-              </a:rPr>
-              <a:t>def</a:t>
-            </a:r>
-            <a:r>
-              <a:rPr lang="en-US" sz="3200" dirty="0"/>
-              <a:t> </a:t>
+            <a:r>
+              <a:rPr lang="en-US" sz="3200" dirty="0"/>
+              <a:t>Doing 7 * 8 will give an error [Syntax Error]</a:t>
+            </a:r>
+          </a:p>
+          <a:p>
+            <a:r>
+              <a:rPr lang="en-US" sz="3200" dirty="0"/>
+              <a:t>Should have assigned product to the return value of multiply </a:t>
+            </a:r>
+          </a:p>
+          <a:p>
+            <a:endParaRPr lang="en-US" sz="3200" dirty="0"/>
+          </a:p>
+          <a:p>
+            <a:pPr marL="0" indent="0">
+              <a:buNone/>
+            </a:pPr>
+            <a:r>
+              <a:rPr lang="en-US" sz="3200" dirty="0"/>
+              <a:t>Correction would be :</a:t>
+            </a:r>
+          </a:p>
+          <a:p>
+            <a:pPr marL="0" indent="0">
+              <a:buNone/>
+            </a:pPr>
+            <a:r>
+              <a:rPr lang="en-US" sz="3200" dirty="0"/>
+              <a:t>                      product = </a:t>
             </a:r>
             <a:r>
               <a:rPr lang="en-US" sz="3200" dirty="0">
@@ -5170,154 +5294,15 @@
             </a:r>
             <a:r>
               <a:rPr lang="en-US" sz="3200" dirty="0"/>
-              <a:t>(num1, num2): </a:t>
-            </a:r>
-          </a:p>
-          <a:p>
-            <a:pPr marL="0" indent="0">
-              <a:buNone/>
-            </a:pPr>
-            <a:r>
-              <a:rPr lang="en-US" sz="3200" dirty="0"/>
-              <a:t>	</a:t>
-            </a:r>
-            <a:r>
-              <a:rPr lang="en-US" sz="3200" dirty="0">
-                <a:solidFill>
-                  <a:srgbClr val="FF0000"/>
-                </a:solidFill>
-              </a:rPr>
-              <a:t>print</a:t>
-            </a:r>
-            <a:r>
-              <a:rPr lang="en-US" sz="3200" dirty="0"/>
-              <a:t>("</a:t>
-            </a:r>
-            <a:r>
-              <a:rPr lang="en-US" sz="3200" dirty="0">
-                <a:solidFill>
-                  <a:srgbClr val="00B050"/>
-                </a:solidFill>
-              </a:rPr>
-              <a:t>doing</a:t>
-            </a:r>
-            <a:r>
-              <a:rPr lang="en-US" sz="3200" dirty="0"/>
-              <a:t>", num1, "</a:t>
-            </a:r>
-            <a:r>
-              <a:rPr lang="en-US" sz="3200" dirty="0">
-                <a:solidFill>
-                  <a:srgbClr val="00B050"/>
-                </a:solidFill>
-              </a:rPr>
-              <a:t>*</a:t>
-            </a:r>
-            <a:r>
-              <a:rPr lang="en-US" sz="3200" dirty="0"/>
-              <a:t>", num2)</a:t>
-            </a:r>
-          </a:p>
-          <a:p>
-            <a:pPr marL="0" indent="0">
-              <a:buNone/>
-            </a:pPr>
-            <a:r>
-              <a:rPr lang="en-US" sz="3200" dirty="0"/>
-              <a:t>	</a:t>
-            </a:r>
-            <a:r>
-              <a:rPr lang="en-US" sz="3200" dirty="0">
-                <a:solidFill>
-                  <a:srgbClr val="0070C0"/>
-                </a:solidFill>
-              </a:rPr>
-              <a:t>return</a:t>
-            </a:r>
-            <a:r>
-              <a:rPr lang="en-US" sz="3200" dirty="0"/>
-              <a:t> num1 * num2 </a:t>
-            </a:r>
-          </a:p>
-          <a:p>
-            <a:pPr marL="0" indent="0">
-              <a:buNone/>
-            </a:pPr>
-            <a:endParaRPr lang="en-US" sz="3200" dirty="0"/>
-          </a:p>
-          <a:p>
-            <a:pPr marL="0" indent="0">
-              <a:buNone/>
-            </a:pPr>
-            <a:r>
-              <a:rPr lang="en-US" sz="3200" dirty="0">
-                <a:solidFill>
-                  <a:srgbClr val="FF0000"/>
-                </a:solidFill>
-              </a:rPr>
-              <a:t>multiply</a:t>
-            </a:r>
-            <a:r>
-              <a:rPr lang="en-US" sz="3200" dirty="0"/>
               <a:t>(7, 8) </a:t>
             </a:r>
-          </a:p>
-          <a:p>
-            <a:pPr marL="0" indent="0">
-              <a:buNone/>
-            </a:pPr>
-            <a:r>
-              <a:rPr lang="en-US" sz="3200" dirty="0">
-                <a:solidFill>
-                  <a:srgbClr val="FF0000"/>
-                </a:solidFill>
-              </a:rPr>
-              <a:t>print</a:t>
-            </a:r>
-            <a:r>
-              <a:rPr lang="en-US" sz="3200" dirty="0"/>
-              <a:t>("</a:t>
-            </a:r>
-            <a:r>
-              <a:rPr lang="en-US" sz="3200" dirty="0">
-                <a:solidFill>
-                  <a:srgbClr val="00B050"/>
-                </a:solidFill>
-              </a:rPr>
-              <a:t>result is</a:t>
-            </a:r>
-            <a:r>
-              <a:rPr lang="en-US" sz="3200" dirty="0"/>
-              <a:t>", product) </a:t>
-            </a:r>
-          </a:p>
-          <a:p>
-            <a:pPr marL="0" indent="0">
-              <a:buNone/>
-            </a:pPr>
-            <a:endParaRPr lang="en-US" sz="3200" dirty="0"/>
-          </a:p>
-          <a:p>
-            <a:pPr marL="0" indent="0">
-              <a:buNone/>
-            </a:pPr>
-            <a:r>
-              <a:rPr lang="en-US" sz="3200" dirty="0"/>
-              <a:t>• What is the code’s output now? </a:t>
-            </a:r>
-          </a:p>
-          <a:p>
-            <a:pPr marL="0" indent="0">
-              <a:buNone/>
-            </a:pPr>
-            <a:endParaRPr lang="en-US" dirty="0"/>
           </a:p>
         </p:txBody>
       </p:sp>
     </p:spTree>
     <p:extLst>
       <p:ext uri="{BB962C8B-B14F-4D97-AF65-F5344CB8AC3E}">
-        <p14:creationId xmlns:p14="http://schemas.microsoft.com/office/powerpoint/2010/main" val="578114306"/>
+        <p14:creationId xmlns:p14="http://schemas.microsoft.com/office/powerpoint/2010/main" val="4183015799"/>
       </p:ext>
     </p:extLst>
   </p:cSld>
@@ -5349,7 +5334,7 @@
           <p:cNvPr id="2" name="Title 1">
             <a:extLst>
               <a:ext uri="{FF2B5EF4-FFF2-40B4-BE49-F238E27FC236}">
-                <a16:creationId xmlns:a16="http://schemas.microsoft.com/office/drawing/2014/main" id="{017D1624-2A6D-4158-BF89-3FA50BC65FD5}"/>
+                <a16:creationId xmlns:a16="http://schemas.microsoft.com/office/drawing/2014/main" id="{DBF79313-B0DC-416A-98F4-84980F957A35}"/>
               </a:ext>
             </a:extLst>
           </p:cNvPr>
@@ -5367,7 +5352,7 @@
           <a:p>
             <a:r>
               <a:rPr lang="en-US" b="1" dirty="0"/>
-              <a:t>Problem #2</a:t>
+              <a:t>Common Errors and Problems </a:t>
             </a:r>
           </a:p>
         </p:txBody>
@@ -5377,7 +5362,7 @@
           <p:cNvPr id="3" name="Content Placeholder 2">
             <a:extLst>
               <a:ext uri="{FF2B5EF4-FFF2-40B4-BE49-F238E27FC236}">
-                <a16:creationId xmlns:a16="http://schemas.microsoft.com/office/drawing/2014/main" id="{08C4AB87-E837-4136-84D4-175C691247E9}"/>
+                <a16:creationId xmlns:a16="http://schemas.microsoft.com/office/drawing/2014/main" id="{2DF77027-BC0A-48EC-B25F-40C69D97A298}"/>
               </a:ext>
             </a:extLst>
           </p:cNvPr>
@@ -5390,23 +5375,21 @@
         </p:nvSpPr>
         <p:spPr/>
         <p:txBody>
-          <a:bodyPr>
-            <a:normAutofit/>
-          </a:bodyPr>
-          <a:lstStyle/>
-          <a:p>
-            <a:r>
-              <a:rPr lang="en-US" sz="3200" dirty="0"/>
-              <a:t>Doing 7 * 8 will give an error [Syntax Error]</a:t>
-            </a:r>
-          </a:p>
-          <a:p>
-            <a:r>
-              <a:rPr lang="en-US" sz="3200" dirty="0"/>
-              <a:t>Should have assigned product to the return value of multiply </a:t>
-            </a:r>
-          </a:p>
-          <a:p>
+          <a:bodyPr/>
+          <a:lstStyle/>
+          <a:p>
+            <a:pPr marL="0" indent="0">
+              <a:buNone/>
+            </a:pPr>
+            <a:r>
+              <a:rPr lang="en-US" sz="3200" dirty="0"/>
+              <a:t>• If your value-returning functions produce strange messages, check to make sure you used the return correctly!</a:t>
+            </a:r>
+          </a:p>
+          <a:p>
+            <a:pPr marL="0" indent="0">
+              <a:buNone/>
+            </a:pPr>
             <a:endParaRPr lang="en-US" sz="3200" dirty="0"/>
           </a:p>
           <a:p>
@@ -5414,17 +5397,21 @@
               <a:buNone/>
             </a:pPr>
             <a:r>
-              <a:rPr lang="en-US" sz="3200" dirty="0"/>
-              <a:t>Correction would be :</a:t>
-            </a:r>
-          </a:p>
-          <a:p>
-            <a:pPr marL="0" indent="0">
-              <a:buNone/>
-            </a:pPr>
-            <a:r>
-              <a:rPr lang="en-US" sz="3200" dirty="0"/>
-              <a:t>                      product = </a:t>
+              <a:rPr lang="en-US" sz="3200" b="1" dirty="0"/>
+              <a:t>Errors:</a:t>
+            </a:r>
+          </a:p>
+          <a:p>
+            <a:pPr marL="0" indent="0">
+              <a:buNone/>
+            </a:pPr>
+            <a:r>
+              <a:rPr lang="en-US" sz="3200" dirty="0" err="1">
+                <a:solidFill>
+                  <a:srgbClr val="FF0000"/>
+                </a:solidFill>
+              </a:rPr>
+              <a:t>TypeError</a:t>
             </a:r>
             <a:r>
               <a:rPr lang="en-US" sz="3200" dirty="0">
@@ -5432,19 +5419,91 @@
                   <a:srgbClr val="FF0000"/>
                 </a:solidFill>
               </a:rPr>
-              <a:t>multiply</a:t>
-            </a:r>
-            <a:r>
-              <a:rPr lang="en-US" sz="3200" dirty="0"/>
-              <a:t>(7, 8) </a:t>
-            </a:r>
+              <a:t>: unsupported operand type(s) for *: '</a:t>
+            </a:r>
+            <a:r>
+              <a:rPr lang="en-US" sz="3200" dirty="0" err="1">
+                <a:solidFill>
+                  <a:srgbClr val="FF0000"/>
+                </a:solidFill>
+              </a:rPr>
+              <a:t>NoneType</a:t>
+            </a:r>
+            <a:r>
+              <a:rPr lang="en-US" sz="3200" dirty="0">
+                <a:solidFill>
+                  <a:srgbClr val="FF0000"/>
+                </a:solidFill>
+              </a:rPr>
+              <a:t>' and 'int’</a:t>
+            </a:r>
+          </a:p>
+          <a:p>
+            <a:pPr marL="0" indent="0">
+              <a:buNone/>
+            </a:pPr>
+            <a:r>
+              <a:rPr lang="en-US" sz="3200" dirty="0"/>
+              <a:t> </a:t>
+            </a:r>
+            <a:r>
+              <a:rPr lang="en-US" sz="3200" dirty="0" err="1">
+                <a:solidFill>
+                  <a:srgbClr val="FF0000"/>
+                </a:solidFill>
+              </a:rPr>
+              <a:t>TypeError</a:t>
+            </a:r>
+            <a:r>
+              <a:rPr lang="en-US" sz="3200" dirty="0">
+                <a:solidFill>
+                  <a:srgbClr val="FF0000"/>
+                </a:solidFill>
+              </a:rPr>
+              <a:t>: '</a:t>
+            </a:r>
+            <a:r>
+              <a:rPr lang="en-US" sz="3200" dirty="0" err="1">
+                <a:solidFill>
+                  <a:srgbClr val="FF0000"/>
+                </a:solidFill>
+              </a:rPr>
+              <a:t>NoneType</a:t>
+            </a:r>
+            <a:r>
+              <a:rPr lang="en-US" sz="3200" dirty="0">
+                <a:solidFill>
+                  <a:srgbClr val="FF0000"/>
+                </a:solidFill>
+              </a:rPr>
+              <a:t>' object is not </a:t>
+            </a:r>
+            <a:r>
+              <a:rPr lang="en-US" sz="3200" dirty="0" err="1">
+                <a:solidFill>
+                  <a:srgbClr val="FF0000"/>
+                </a:solidFill>
+              </a:rPr>
+              <a:t>iterable</a:t>
+            </a:r>
+            <a:endParaRPr lang="en-US" sz="3200" dirty="0">
+              <a:solidFill>
+                <a:srgbClr val="FF0000"/>
+              </a:solidFill>
+            </a:endParaRPr>
+          </a:p>
+          <a:p>
+            <a:pPr marL="0" indent="0">
+              <a:buNone/>
+            </a:pPr>
+            <a:endParaRPr lang="en-US" dirty="0"/>
           </a:p>
         </p:txBody>
       </p:sp>
     </p:spTree>
     <p:extLst>
       <p:ext uri="{BB962C8B-B14F-4D97-AF65-F5344CB8AC3E}">
-        <p14:creationId xmlns:p14="http://schemas.microsoft.com/office/powerpoint/2010/main" val="4183015799"/>
+        <p14:creationId xmlns:p14="http://schemas.microsoft.com/office/powerpoint/2010/main" val="4224027552"/>
       </p:ext>
     </p:extLst>
   </p:cSld>
@@ -5613,7 +5672,7 @@
           <p:cNvPr id="2" name="Title 1">
             <a:extLst>
               <a:ext uri="{FF2B5EF4-FFF2-40B4-BE49-F238E27FC236}">
-                <a16:creationId xmlns:a16="http://schemas.microsoft.com/office/drawing/2014/main" id="{DBF79313-B0DC-416A-98F4-84980F957A35}"/>
+                <a16:creationId xmlns:a16="http://schemas.microsoft.com/office/drawing/2014/main" id="{CF692D9E-7992-4310-BE48-2CDF5C549555}"/>
               </a:ext>
             </a:extLst>
           </p:cNvPr>
@@ -5624,108 +5683,25 @@
             <p:ph type="title"/>
           </p:nvPr>
         </p:nvSpPr>
-        <p:spPr/>
-        <p:txBody>
-          <a:bodyPr/>
-          <a:lstStyle/>
-          <a:p>
-            <a:r>
-              <a:rPr lang="en-US" b="1" dirty="0"/>
-              <a:t>Common Errors and Problems </a:t>
-            </a:r>
-          </a:p>
-        </p:txBody>
-      </p:sp>
-      <p:sp>
-        <p:nvSpPr>
-          <p:cNvPr id="3" name="Content Placeholder 2">
-            <a:extLst>
-              <a:ext uri="{FF2B5EF4-FFF2-40B4-BE49-F238E27FC236}">
-                <a16:creationId xmlns:a16="http://schemas.microsoft.com/office/drawing/2014/main" id="{2DF77027-BC0A-48EC-B25F-40C69D97A298}"/>
-              </a:ext>
-            </a:extLst>
-          </p:cNvPr>
-          <p:cNvSpPr>
-            <a:spLocks noGrp="1"/>
-          </p:cNvSpPr>
-          <p:nvPr>
-            <p:ph idx="1"/>
-          </p:nvPr>
-        </p:nvSpPr>
-        <p:spPr/>
-        <p:txBody>
-          <a:bodyPr/>
-          <a:lstStyle/>
-          <a:p>
-            <a:pPr marL="0" indent="0">
-              <a:buNone/>
-            </a:pPr>
-            <a:r>
-              <a:rPr lang="en-US" sz="3200" dirty="0"/>
-              <a:t>• If your value-returning functions produce strange messages, check to make sure you used the return correctly!</a:t>
-            </a:r>
-          </a:p>
-          <a:p>
-            <a:pPr marL="0" indent="0">
-              <a:buNone/>
-            </a:pPr>
-            <a:endParaRPr lang="en-US" sz="3200" dirty="0"/>
-          </a:p>
-          <a:p>
-            <a:pPr marL="0" indent="0">
-              <a:buNone/>
-            </a:pPr>
-            <a:r>
-              <a:rPr lang="en-US" sz="3200" dirty="0" err="1"/>
-              <a:t>TypeError</a:t>
-            </a:r>
-            <a:r>
-              <a:rPr lang="en-US" sz="3200" dirty="0"/>
-              <a:t>: unsupported operand type(s) for *: '</a:t>
-            </a:r>
-            <a:r>
-              <a:rPr lang="en-US" sz="3200" dirty="0" err="1"/>
-              <a:t>NoneType</a:t>
-            </a:r>
-            <a:r>
-              <a:rPr lang="en-US" sz="3200" dirty="0"/>
-              <a:t>' and 'int’</a:t>
-            </a:r>
-          </a:p>
-          <a:p>
-            <a:pPr marL="0" indent="0">
-              <a:buNone/>
-            </a:pPr>
-            <a:r>
-              <a:rPr lang="en-US" sz="3200" dirty="0"/>
-              <a:t> </a:t>
-            </a:r>
-            <a:r>
-              <a:rPr lang="en-US" sz="3200" dirty="0" err="1"/>
-              <a:t>TypeError</a:t>
-            </a:r>
-            <a:r>
-              <a:rPr lang="en-US" sz="3200" dirty="0"/>
-              <a:t>: '</a:t>
-            </a:r>
-            <a:r>
-              <a:rPr lang="en-US" sz="3200" dirty="0" err="1"/>
-              <a:t>NoneType</a:t>
-            </a:r>
-            <a:r>
-              <a:rPr lang="en-US" sz="3200" dirty="0"/>
-              <a:t>' object is not </a:t>
-            </a:r>
-            <a:r>
-              <a:rPr lang="en-US" sz="3200" dirty="0" err="1"/>
-              <a:t>iterable</a:t>
-            </a:r>
-            <a:endParaRPr lang="en-US" sz="3200" dirty="0"/>
-          </a:p>
-          <a:p>
-            <a:pPr marL="0" indent="0">
-              <a:buNone/>
-            </a:pPr>
+        <p:spPr>
+          <a:xfrm>
+            <a:off x="3223260" y="2630024"/>
+            <a:ext cx="5745480" cy="1325563"/>
+          </a:xfrm>
+        </p:spPr>
+        <p:txBody>
+          <a:bodyPr>
+            <a:normAutofit fontScale="90000"/>
+          </a:bodyPr>
+          <a:lstStyle/>
+          <a:p>
+            <a:r>
+              <a:rPr lang="en-US" sz="4800" b="1" dirty="0"/>
+              <a:t>“Modifying” Parameters</a:t>
+            </a:r>
+            <a:br>
+              <a:rPr lang="en-US" dirty="0"/>
+            </a:br>
             <a:endParaRPr lang="en-US" dirty="0"/>
           </a:p>
         </p:txBody>
@@ -5733,7 +5709,7 @@
     </p:spTree>
     <p:extLst>
       <p:ext uri="{BB962C8B-B14F-4D97-AF65-F5344CB8AC3E}">
-        <p14:creationId xmlns:p14="http://schemas.microsoft.com/office/powerpoint/2010/main" val="4224027552"/>
+        <p14:creationId xmlns:p14="http://schemas.microsoft.com/office/powerpoint/2010/main" val="1830250198"/>
       </p:ext>
     </p:extLst>
   </p:cSld>
@@ -5765,7 +5741,7 @@
           <p:cNvPr id="2" name="Title 1">
             <a:extLst>
               <a:ext uri="{FF2B5EF4-FFF2-40B4-BE49-F238E27FC236}">
-                <a16:creationId xmlns:a16="http://schemas.microsoft.com/office/drawing/2014/main" id="{CF692D9E-7992-4310-BE48-2CDF5C549555}"/>
+                <a16:creationId xmlns:a16="http://schemas.microsoft.com/office/drawing/2014/main" id="{0F0BCC19-2889-4CA0-91B8-27A5A27B53F6}"/>
               </a:ext>
             </a:extLst>
           </p:cNvPr>
@@ -5776,25 +5752,126 @@
             <p:ph type="title"/>
           </p:nvPr>
         </p:nvSpPr>
-        <p:spPr>
-          <a:xfrm>
-            <a:off x="3223260" y="2630024"/>
-            <a:ext cx="5745480" cy="1325563"/>
-          </a:xfrm>
-        </p:spPr>
-        <p:txBody>
-          <a:bodyPr>
-            <a:normAutofit fontScale="90000"/>
-          </a:bodyPr>
-          <a:lstStyle/>
-          <a:p>
-            <a:r>
-              <a:rPr lang="en-US" sz="4800" b="1" dirty="0"/>
-              <a:t>“Modifying” Parameters</a:t>
-            </a:r>
-            <a:br>
-              <a:rPr lang="en-US" dirty="0"/>
-            </a:br>
+        <p:spPr/>
+        <p:txBody>
+          <a:bodyPr/>
+          <a:lstStyle/>
+          <a:p>
+            <a:r>
+              <a:rPr lang="en-US" b="1" dirty="0"/>
+              <a:t>Bank Interest Example </a:t>
+            </a:r>
+          </a:p>
+        </p:txBody>
+      </p:sp>
+      <p:sp>
+        <p:nvSpPr>
+          <p:cNvPr id="3" name="Content Placeholder 2">
+            <a:extLst>
+              <a:ext uri="{FF2B5EF4-FFF2-40B4-BE49-F238E27FC236}">
+                <a16:creationId xmlns:a16="http://schemas.microsoft.com/office/drawing/2014/main" id="{067906A0-C7A0-40F0-B817-939400CAD80E}"/>
+              </a:ext>
+            </a:extLst>
+          </p:cNvPr>
+          <p:cNvSpPr>
+            <a:spLocks noGrp="1"/>
+          </p:cNvSpPr>
+          <p:nvPr>
+            <p:ph idx="1"/>
+          </p:nvPr>
+        </p:nvSpPr>
+        <p:spPr/>
+        <p:txBody>
+          <a:bodyPr/>
+          <a:lstStyle/>
+          <a:p>
+            <a:pPr marL="0" indent="0">
+              <a:buNone/>
+            </a:pPr>
+            <a:r>
+              <a:rPr lang="en-US" sz="3200" dirty="0"/>
+              <a:t>• Suppose you are writing a program that manages bank accounts </a:t>
+            </a:r>
+          </a:p>
+          <a:p>
+            <a:pPr marL="0" indent="0">
+              <a:buNone/>
+            </a:pPr>
+            <a:r>
+              <a:rPr lang="en-US" sz="3200" dirty="0"/>
+              <a:t>• One function we would need to create is one to accumulate interest on the account</a:t>
+            </a:r>
+          </a:p>
+          <a:p>
+            <a:pPr marL="0" indent="0">
+              <a:buNone/>
+            </a:pPr>
+            <a:endParaRPr lang="en-US" sz="3200" dirty="0"/>
+          </a:p>
+          <a:p>
+            <a:pPr marL="0" indent="0">
+              <a:buNone/>
+            </a:pPr>
+            <a:r>
+              <a:rPr lang="en-US" sz="3200" dirty="0">
+                <a:solidFill>
+                  <a:srgbClr val="0070C0"/>
+                </a:solidFill>
+              </a:rPr>
+              <a:t>def</a:t>
+            </a:r>
+            <a:r>
+              <a:rPr lang="en-US" sz="3200" dirty="0"/>
+              <a:t> </a:t>
+            </a:r>
+            <a:r>
+              <a:rPr lang="en-US" sz="3200" dirty="0" err="1">
+                <a:solidFill>
+                  <a:srgbClr val="FF0000"/>
+                </a:solidFill>
+              </a:rPr>
+              <a:t>addInterest</a:t>
+            </a:r>
+            <a:r>
+              <a:rPr lang="en-US" sz="3200" dirty="0"/>
+              <a:t>(balance, rate): </a:t>
+            </a:r>
+          </a:p>
+          <a:p>
+            <a:pPr marL="0" indent="0">
+              <a:buNone/>
+            </a:pPr>
+            <a:r>
+              <a:rPr lang="en-US" sz="3200" dirty="0"/>
+              <a:t>	</a:t>
+            </a:r>
+            <a:r>
+              <a:rPr lang="en-US" sz="3200" dirty="0" err="1"/>
+              <a:t>newBalance</a:t>
+            </a:r>
+            <a:r>
+              <a:rPr lang="en-US" sz="3200" dirty="0"/>
+              <a:t> = balance * (1 + rate) </a:t>
+            </a:r>
+          </a:p>
+          <a:p>
+            <a:pPr marL="0" indent="0">
+              <a:buNone/>
+            </a:pPr>
+            <a:r>
+              <a:rPr lang="en-US" sz="3200" dirty="0"/>
+              <a:t>	balance = </a:t>
+            </a:r>
+            <a:r>
+              <a:rPr lang="en-US" sz="3200" dirty="0" err="1"/>
+              <a:t>newBalance</a:t>
+            </a:r>
+            <a:endParaRPr lang="en-US" sz="3200" dirty="0"/>
+          </a:p>
+          <a:p>
+            <a:pPr marL="0" indent="0">
+              <a:buNone/>
+            </a:pPr>
             <a:endParaRPr lang="en-US" dirty="0"/>
           </a:p>
         </p:txBody>
@@ -5802,7 +5879,7 @@
     </p:spTree>
     <p:extLst>
       <p:ext uri="{BB962C8B-B14F-4D97-AF65-F5344CB8AC3E}">
-        <p14:creationId xmlns:p14="http://schemas.microsoft.com/office/powerpoint/2010/main" val="1830250198"/>
+        <p14:creationId xmlns:p14="http://schemas.microsoft.com/office/powerpoint/2010/main" val="2746125551"/>
       </p:ext>
     </p:extLst>
   </p:cSld>
@@ -5834,7 +5911,7 @@
           <p:cNvPr id="2" name="Title 1">
             <a:extLst>
               <a:ext uri="{FF2B5EF4-FFF2-40B4-BE49-F238E27FC236}">
-                <a16:creationId xmlns:a16="http://schemas.microsoft.com/office/drawing/2014/main" id="{0F0BCC19-2889-4CA0-91B8-27A5A27B53F6}"/>
+                <a16:creationId xmlns:a16="http://schemas.microsoft.com/office/drawing/2014/main" id="{7ED84201-96BE-4DB2-94ED-1598AF726A24}"/>
               </a:ext>
             </a:extLst>
           </p:cNvPr>
@@ -5862,7 +5939,7 @@
           <p:cNvPr id="3" name="Content Placeholder 2">
             <a:extLst>
               <a:ext uri="{FF2B5EF4-FFF2-40B4-BE49-F238E27FC236}">
-                <a16:creationId xmlns:a16="http://schemas.microsoft.com/office/drawing/2014/main" id="{067906A0-C7A0-40F0-B817-939400CAD80E}"/>
+                <a16:creationId xmlns:a16="http://schemas.microsoft.com/office/drawing/2014/main" id="{A2FEE440-557A-412B-8E43-D3CD1A8D1748}"/>
               </a:ext>
             </a:extLst>
           </p:cNvPr>
@@ -5875,38 +5952,16 @@
         </p:nvSpPr>
         <p:spPr/>
         <p:txBody>
-          <a:bodyPr/>
-          <a:lstStyle/>
-          <a:p>
-            <a:pPr marL="0" indent="0">
-              <a:buNone/>
-            </a:pPr>
-            <a:r>
-              <a:rPr lang="en-US" sz="3200" dirty="0"/>
-              <a:t>• Suppose you are writing a program that manages bank accounts </a:t>
-            </a:r>
-          </a:p>
-          <a:p>
-            <a:pPr marL="0" indent="0">
-              <a:buNone/>
-            </a:pPr>
-            <a:r>
-              <a:rPr lang="en-US" sz="3200" dirty="0"/>
-              <a:t>• One function we would need to create is one to accumulate interest on the account</a:t>
-            </a:r>
-          </a:p>
-          <a:p>
-            <a:pPr marL="0" indent="0">
-              <a:buNone/>
-            </a:pPr>
-            <a:endParaRPr lang="en-US" sz="3200" dirty="0"/>
-          </a:p>
-          <a:p>
-            <a:pPr marL="0" indent="0">
-              <a:buNone/>
-            </a:pPr>
-            <a:r>
-              <a:rPr lang="en-US" sz="3200" dirty="0">
+          <a:bodyPr>
+            <a:normAutofit lnSpcReduction="10000"/>
+          </a:bodyPr>
+          <a:lstStyle/>
+          <a:p>
+            <a:pPr marL="0" indent="0">
+              <a:buNone/>
+            </a:pPr>
+            <a:r>
+              <a:rPr lang="en-US" dirty="0">
                 <a:solidFill>
                   <a:srgbClr val="0070C0"/>
                 </a:solidFill>
@@ -5914,11 +5969,11 @@
               <a:t>def</a:t>
             </a:r>
             <a:r>
-              <a:rPr lang="en-US" sz="3200" dirty="0"/>
+              <a:rPr lang="en-US" dirty="0"/>
               <a:t> </a:t>
             </a:r>
             <a:r>
-              <a:rPr lang="en-US" sz="3200" dirty="0" err="1">
+              <a:rPr lang="en-US" dirty="0" err="1">
                 <a:solidFill>
                   <a:srgbClr val="FF0000"/>
                 </a:solidFill>
@@ -5926,7 +5981,7 @@
               <a:t>addInterest</a:t>
             </a:r>
             <a:r>
-              <a:rPr lang="en-US" sz="3200" dirty="0"/>
+              <a:rPr lang="en-US" dirty="0"/>
               <a:t>(balance, rate): </a:t>
             </a:r>
           </a:p>
@@ -5935,15 +5990,15 @@
               <a:buNone/>
             </a:pPr>
             <a:r>
-              <a:rPr lang="en-US" sz="3200" dirty="0"/>
+              <a:rPr lang="en-US" dirty="0"/>
               <a:t>	</a:t>
             </a:r>
             <a:r>
-              <a:rPr lang="en-US" sz="3200" dirty="0" err="1"/>
+              <a:rPr lang="en-US" dirty="0" err="1"/>
               <a:t>newBalance</a:t>
             </a:r>
             <a:r>
-              <a:rPr lang="en-US" sz="3200" dirty="0"/>
+              <a:rPr lang="en-US" dirty="0"/>
               <a:t> = balance * (1 + rate) </a:t>
             </a:r>
           </a:p>
@@ -5952,27 +6007,243 @@
               <a:buNone/>
             </a:pPr>
             <a:r>
-              <a:rPr lang="en-US" sz="3200" dirty="0"/>
+              <a:rPr lang="en-US" dirty="0"/>
               <a:t>	balance = </a:t>
             </a:r>
             <a:r>
-              <a:rPr lang="en-US" sz="3200" dirty="0" err="1"/>
+              <a:rPr lang="en-US" dirty="0" err="1"/>
               <a:t>newBalance</a:t>
             </a:r>
-            <a:endParaRPr lang="en-US" sz="3200" dirty="0"/>
-          </a:p>
-          <a:p>
-            <a:pPr marL="0" indent="0">
-              <a:buNone/>
-            </a:pPr>
             <a:endParaRPr lang="en-US" dirty="0"/>
+          </a:p>
+          <a:p>
+            <a:pPr marL="0" indent="0">
+              <a:buNone/>
+            </a:pPr>
+            <a:r>
+              <a:rPr lang="en-US" dirty="0">
+                <a:solidFill>
+                  <a:srgbClr val="0070C0"/>
+                </a:solidFill>
+              </a:rPr>
+              <a:t>def</a:t>
+            </a:r>
+            <a:r>
+              <a:rPr lang="en-US" dirty="0"/>
+              <a:t> </a:t>
+            </a:r>
+            <a:r>
+              <a:rPr lang="en-US" dirty="0">
+                <a:solidFill>
+                  <a:srgbClr val="FF0000"/>
+                </a:solidFill>
+              </a:rPr>
+              <a:t>main</a:t>
+            </a:r>
+            <a:r>
+              <a:rPr lang="en-US" dirty="0"/>
+              <a:t>(): </a:t>
+            </a:r>
+          </a:p>
+          <a:p>
+            <a:pPr marL="0" indent="0">
+              <a:buNone/>
+            </a:pPr>
+            <a:r>
+              <a:rPr lang="en-US" dirty="0"/>
+              <a:t>	amount = 1000 </a:t>
+            </a:r>
+          </a:p>
+          <a:p>
+            <a:pPr marL="0" indent="0">
+              <a:buNone/>
+            </a:pPr>
+            <a:r>
+              <a:rPr lang="en-US" dirty="0"/>
+              <a:t>	rate = 0.05 </a:t>
+            </a:r>
+          </a:p>
+          <a:p>
+            <a:pPr marL="0" indent="0">
+              <a:buNone/>
+            </a:pPr>
+            <a:r>
+              <a:rPr lang="en-US" dirty="0">
+                <a:solidFill>
+                  <a:srgbClr val="FF0000"/>
+                </a:solidFill>
+              </a:rPr>
+              <a:t>	</a:t>
+            </a:r>
+            <a:r>
+              <a:rPr lang="en-US" dirty="0" err="1">
+                <a:solidFill>
+                  <a:srgbClr val="FF0000"/>
+                </a:solidFill>
+              </a:rPr>
+              <a:t>addInterest</a:t>
+            </a:r>
+            <a:r>
+              <a:rPr lang="en-US" dirty="0"/>
+              <a:t>(amount, rate) </a:t>
+            </a:r>
+          </a:p>
+          <a:p>
+            <a:pPr marL="0" indent="0">
+              <a:buNone/>
+            </a:pPr>
+            <a:r>
+              <a:rPr lang="en-US" dirty="0"/>
+              <a:t>	</a:t>
+            </a:r>
+            <a:r>
+              <a:rPr lang="en-US" dirty="0">
+                <a:solidFill>
+                  <a:srgbClr val="FF0000"/>
+                </a:solidFill>
+              </a:rPr>
+              <a:t>print</a:t>
+            </a:r>
+            <a:r>
+              <a:rPr lang="en-US" dirty="0"/>
+              <a:t>(amount)</a:t>
+            </a:r>
+          </a:p>
+          <a:p>
+            <a:pPr marL="0" indent="0">
+              <a:buNone/>
+            </a:pPr>
+            <a:r>
+              <a:rPr lang="en-US" dirty="0"/>
+              <a:t> main() </a:t>
+            </a:r>
+          </a:p>
+        </p:txBody>
+      </p:sp>
+      <p:sp>
+        <p:nvSpPr>
+          <p:cNvPr id="4" name="TextBox 3">
+            <a:extLst>
+              <a:ext uri="{FF2B5EF4-FFF2-40B4-BE49-F238E27FC236}">
+                <a16:creationId xmlns:a16="http://schemas.microsoft.com/office/drawing/2014/main" id="{2922F2E7-AAB0-43F2-9BEF-8F41BDED1F70}"/>
+              </a:ext>
+            </a:extLst>
+          </p:cNvPr>
+          <p:cNvSpPr txBox="1"/>
+          <p:nvPr/>
+        </p:nvSpPr>
+        <p:spPr>
+          <a:xfrm>
+            <a:off x="5641143" y="2968283"/>
+            <a:ext cx="2011681" cy="1015663"/>
+          </a:xfrm>
+          <a:prstGeom prst="rect">
+            <a:avLst/>
+          </a:prstGeom>
+          <a:noFill/>
+          <a:ln w="28575">
+            <a:solidFill>
+              <a:schemeClr val="tx1"/>
+            </a:solidFill>
+          </a:ln>
+        </p:spPr>
+        <p:txBody>
+          <a:bodyPr wrap="square" rtlCol="0">
+            <a:spAutoFit/>
+          </a:bodyPr>
+          <a:lstStyle/>
+          <a:p>
+            <a:r>
+              <a:rPr lang="en-US" sz="2000" b="1" dirty="0"/>
+              <a:t>What is the output of the code? </a:t>
+            </a:r>
+          </a:p>
+        </p:txBody>
+      </p:sp>
+      <p:sp>
+        <p:nvSpPr>
+          <p:cNvPr id="5" name="TextBox 4">
+            <a:extLst>
+              <a:ext uri="{FF2B5EF4-FFF2-40B4-BE49-F238E27FC236}">
+                <a16:creationId xmlns:a16="http://schemas.microsoft.com/office/drawing/2014/main" id="{16D145A5-A6B4-4B74-93BB-1F74DC66CB0D}"/>
+              </a:ext>
+            </a:extLst>
+          </p:cNvPr>
+          <p:cNvSpPr txBox="1"/>
+          <p:nvPr/>
+        </p:nvSpPr>
+        <p:spPr>
+          <a:xfrm>
+            <a:off x="8032651" y="4318781"/>
+            <a:ext cx="1111348" cy="400110"/>
+          </a:xfrm>
+          <a:prstGeom prst="rect">
+            <a:avLst/>
+          </a:prstGeom>
+          <a:noFill/>
+          <a:ln w="28575">
+            <a:solidFill>
+              <a:schemeClr val="tx1"/>
+            </a:solidFill>
+          </a:ln>
+        </p:spPr>
+        <p:txBody>
+          <a:bodyPr wrap="square" rtlCol="0">
+            <a:spAutoFit/>
+          </a:bodyPr>
+          <a:lstStyle/>
+          <a:p>
+            <a:r>
+              <a:rPr lang="en-US" sz="2000" b="1" dirty="0"/>
+              <a:t>1000</a:t>
+            </a:r>
+          </a:p>
+        </p:txBody>
+      </p:sp>
+      <p:sp>
+        <p:nvSpPr>
+          <p:cNvPr id="6" name="TextBox 5">
+            <a:extLst>
+              <a:ext uri="{FF2B5EF4-FFF2-40B4-BE49-F238E27FC236}">
+                <a16:creationId xmlns:a16="http://schemas.microsoft.com/office/drawing/2014/main" id="{1B747355-6A26-439D-BEB7-C1D8C794AA55}"/>
+              </a:ext>
+            </a:extLst>
+          </p:cNvPr>
+          <p:cNvSpPr txBox="1"/>
+          <p:nvPr/>
+        </p:nvSpPr>
+        <p:spPr>
+          <a:xfrm>
+            <a:off x="6189783" y="4982298"/>
+            <a:ext cx="1842868" cy="1015663"/>
+          </a:xfrm>
+          <a:prstGeom prst="rect">
+            <a:avLst/>
+          </a:prstGeom>
+          <a:noFill/>
+          <a:ln w="28575">
+            <a:solidFill>
+              <a:schemeClr val="tx1"/>
+            </a:solidFill>
+          </a:ln>
+        </p:spPr>
+        <p:txBody>
+          <a:bodyPr wrap="square" rtlCol="0">
+            <a:spAutoFit/>
+          </a:bodyPr>
+          <a:lstStyle/>
+          <a:p>
+            <a:r>
+              <a:rPr lang="en-US" sz="2000" b="1" dirty="0"/>
+              <a:t>Is this what we wanted to happen? </a:t>
+            </a:r>
           </a:p>
         </p:txBody>
       </p:sp>
     </p:spTree>
     <p:extLst>
       <p:ext uri="{BB962C8B-B14F-4D97-AF65-F5344CB8AC3E}">
-        <p14:creationId xmlns:p14="http://schemas.microsoft.com/office/powerpoint/2010/main" val="2746125551"/>
+        <p14:creationId xmlns:p14="http://schemas.microsoft.com/office/powerpoint/2010/main" val="3918717104"/>
       </p:ext>
     </p:extLst>
   </p:cSld>
@@ -6004,370 +6275,6 @@
           <p:cNvPr id="2" name="Title 1">
             <a:extLst>
               <a:ext uri="{FF2B5EF4-FFF2-40B4-BE49-F238E27FC236}">
-                <a16:creationId xmlns:a16="http://schemas.microsoft.com/office/drawing/2014/main" id="{7ED84201-96BE-4DB2-94ED-1598AF726A24}"/>
-              </a:ext>
-            </a:extLst>
-          </p:cNvPr>
-          <p:cNvSpPr>
-            <a:spLocks noGrp="1"/>
-          </p:cNvSpPr>
-          <p:nvPr>
-            <p:ph type="title"/>
-          </p:nvPr>
-        </p:nvSpPr>
-        <p:spPr/>
-        <p:txBody>
-          <a:bodyPr/>
-          <a:lstStyle/>
-          <a:p>
-            <a:r>
-              <a:rPr lang="en-US" b="1" dirty="0"/>
-              <a:t>Bank Interest Example </a:t>
-            </a:r>
-          </a:p>
-        </p:txBody>
-      </p:sp>
-      <p:sp>
-        <p:nvSpPr>
-          <p:cNvPr id="3" name="Content Placeholder 2">
-            <a:extLst>
-              <a:ext uri="{FF2B5EF4-FFF2-40B4-BE49-F238E27FC236}">
-                <a16:creationId xmlns:a16="http://schemas.microsoft.com/office/drawing/2014/main" id="{A2FEE440-557A-412B-8E43-D3CD1A8D1748}"/>
-              </a:ext>
-            </a:extLst>
-          </p:cNvPr>
-          <p:cNvSpPr>
-            <a:spLocks noGrp="1"/>
-          </p:cNvSpPr>
-          <p:nvPr>
-            <p:ph idx="1"/>
-          </p:nvPr>
-        </p:nvSpPr>
-        <p:spPr/>
-        <p:txBody>
-          <a:bodyPr>
-            <a:normAutofit lnSpcReduction="10000"/>
-          </a:bodyPr>
-          <a:lstStyle/>
-          <a:p>
-            <a:pPr marL="0" indent="0">
-              <a:buNone/>
-            </a:pPr>
-            <a:r>
-              <a:rPr lang="en-US" dirty="0">
-                <a:solidFill>
-                  <a:srgbClr val="0070C0"/>
-                </a:solidFill>
-              </a:rPr>
-              <a:t>def</a:t>
-            </a:r>
-            <a:r>
-              <a:rPr lang="en-US" dirty="0"/>
-              <a:t> </a:t>
-            </a:r>
-            <a:r>
-              <a:rPr lang="en-US" dirty="0" err="1">
-                <a:solidFill>
-                  <a:srgbClr val="FF0000"/>
-                </a:solidFill>
-              </a:rPr>
-              <a:t>addInterest</a:t>
-            </a:r>
-            <a:r>
-              <a:rPr lang="en-US" dirty="0"/>
-              <a:t>(balance, rate): </a:t>
-            </a:r>
-          </a:p>
-          <a:p>
-            <a:pPr marL="0" indent="0">
-              <a:buNone/>
-            </a:pPr>
-            <a:r>
-              <a:rPr lang="en-US" dirty="0"/>
-              <a:t>	</a:t>
-            </a:r>
-            <a:r>
-              <a:rPr lang="en-US" dirty="0" err="1"/>
-              <a:t>newBalance</a:t>
-            </a:r>
-            <a:r>
-              <a:rPr lang="en-US" dirty="0"/>
-              <a:t> = balance * (1 + rate) </a:t>
-            </a:r>
-          </a:p>
-          <a:p>
-            <a:pPr marL="0" indent="0">
-              <a:buNone/>
-            </a:pPr>
-            <a:r>
-              <a:rPr lang="en-US" dirty="0"/>
-              <a:t>	balance = </a:t>
-            </a:r>
-            <a:r>
-              <a:rPr lang="en-US" dirty="0" err="1"/>
-              <a:t>newBalance</a:t>
-            </a:r>
-            <a:endParaRPr lang="en-US" dirty="0"/>
-          </a:p>
-          <a:p>
-            <a:pPr marL="0" indent="0">
-              <a:buNone/>
-            </a:pPr>
-            <a:r>
-              <a:rPr lang="en-US" dirty="0">
-                <a:solidFill>
-                  <a:srgbClr val="0070C0"/>
-                </a:solidFill>
-              </a:rPr>
-              <a:t>def</a:t>
-            </a:r>
-            <a:r>
-              <a:rPr lang="en-US" dirty="0"/>
-              <a:t> </a:t>
-            </a:r>
-            <a:r>
-              <a:rPr lang="en-US" dirty="0">
-                <a:solidFill>
-                  <a:srgbClr val="FF0000"/>
-                </a:solidFill>
-              </a:rPr>
-              <a:t>main</a:t>
-            </a:r>
-            <a:r>
-              <a:rPr lang="en-US" dirty="0"/>
-              <a:t>(): </a:t>
-            </a:r>
-          </a:p>
-          <a:p>
-            <a:pPr marL="0" indent="0">
-              <a:buNone/>
-            </a:pPr>
-            <a:r>
-              <a:rPr lang="en-US" dirty="0"/>
-              <a:t>	amount = 1000 </a:t>
-            </a:r>
-          </a:p>
-          <a:p>
-            <a:pPr marL="0" indent="0">
-              <a:buNone/>
-            </a:pPr>
-            <a:r>
-              <a:rPr lang="en-US" dirty="0"/>
-              <a:t>	rate = 0.05 </a:t>
-            </a:r>
-          </a:p>
-          <a:p>
-            <a:pPr marL="0" indent="0">
-              <a:buNone/>
-            </a:pPr>
-            <a:r>
-              <a:rPr lang="en-US" dirty="0">
-                <a:solidFill>
-                  <a:srgbClr val="FF0000"/>
-                </a:solidFill>
-              </a:rPr>
-              <a:t>	</a:t>
-            </a:r>
-            <a:r>
-              <a:rPr lang="en-US" dirty="0" err="1">
-                <a:solidFill>
-                  <a:srgbClr val="FF0000"/>
-                </a:solidFill>
-              </a:rPr>
-              <a:t>addInterest</a:t>
-            </a:r>
-            <a:r>
-              <a:rPr lang="en-US" dirty="0"/>
-              <a:t>(amount, rate) </a:t>
-            </a:r>
-          </a:p>
-          <a:p>
-            <a:pPr marL="0" indent="0">
-              <a:buNone/>
-            </a:pPr>
-            <a:r>
-              <a:rPr lang="en-US" dirty="0"/>
-              <a:t>	</a:t>
-            </a:r>
-            <a:r>
-              <a:rPr lang="en-US" dirty="0">
-                <a:solidFill>
-                  <a:srgbClr val="FF0000"/>
-                </a:solidFill>
-              </a:rPr>
-              <a:t>print</a:t>
-            </a:r>
-            <a:r>
-              <a:rPr lang="en-US" dirty="0"/>
-              <a:t>(amount)</a:t>
-            </a:r>
-          </a:p>
-          <a:p>
-            <a:pPr marL="0" indent="0">
-              <a:buNone/>
-            </a:pPr>
-            <a:r>
-              <a:rPr lang="en-US" dirty="0"/>
-              <a:t> main() </a:t>
-            </a:r>
-          </a:p>
-        </p:txBody>
-      </p:sp>
-      <p:sp>
-        <p:nvSpPr>
-          <p:cNvPr id="4" name="TextBox 3">
-            <a:extLst>
-              <a:ext uri="{FF2B5EF4-FFF2-40B4-BE49-F238E27FC236}">
-                <a16:creationId xmlns:a16="http://schemas.microsoft.com/office/drawing/2014/main" id="{2922F2E7-AAB0-43F2-9BEF-8F41BDED1F70}"/>
-              </a:ext>
-            </a:extLst>
-          </p:cNvPr>
-          <p:cNvSpPr txBox="1"/>
-          <p:nvPr/>
-        </p:nvSpPr>
-        <p:spPr>
-          <a:xfrm>
-            <a:off x="5641143" y="2968283"/>
-            <a:ext cx="2011681" cy="1015663"/>
-          </a:xfrm>
-          <a:prstGeom prst="rect">
-            <a:avLst/>
-          </a:prstGeom>
-          <a:noFill/>
-          <a:ln w="28575">
-            <a:solidFill>
-              <a:schemeClr val="tx1"/>
-            </a:solidFill>
-          </a:ln>
-        </p:spPr>
-        <p:txBody>
-          <a:bodyPr wrap="square" rtlCol="0">
-            <a:spAutoFit/>
-          </a:bodyPr>
-          <a:lstStyle/>
-          <a:p>
-            <a:r>
-              <a:rPr lang="en-US" sz="2000" b="1" dirty="0"/>
-              <a:t>What is the output of the code? </a:t>
-            </a:r>
-          </a:p>
-        </p:txBody>
-      </p:sp>
-      <p:sp>
-        <p:nvSpPr>
-          <p:cNvPr id="5" name="TextBox 4">
-            <a:extLst>
-              <a:ext uri="{FF2B5EF4-FFF2-40B4-BE49-F238E27FC236}">
-                <a16:creationId xmlns:a16="http://schemas.microsoft.com/office/drawing/2014/main" id="{16D145A5-A6B4-4B74-93BB-1F74DC66CB0D}"/>
-              </a:ext>
-            </a:extLst>
-          </p:cNvPr>
-          <p:cNvSpPr txBox="1"/>
-          <p:nvPr/>
-        </p:nvSpPr>
-        <p:spPr>
-          <a:xfrm>
-            <a:off x="8032651" y="4318781"/>
-            <a:ext cx="1111348" cy="400110"/>
-          </a:xfrm>
-          <a:prstGeom prst="rect">
-            <a:avLst/>
-          </a:prstGeom>
-          <a:noFill/>
-          <a:ln w="28575">
-            <a:solidFill>
-              <a:schemeClr val="tx1"/>
-            </a:solidFill>
-          </a:ln>
-        </p:spPr>
-        <p:txBody>
-          <a:bodyPr wrap="square" rtlCol="0">
-            <a:spAutoFit/>
-          </a:bodyPr>
-          <a:lstStyle/>
-          <a:p>
-            <a:r>
-              <a:rPr lang="en-US" sz="2000" b="1" dirty="0"/>
-              <a:t>1000</a:t>
-            </a:r>
-          </a:p>
-        </p:txBody>
-      </p:sp>
-      <p:sp>
-        <p:nvSpPr>
-          <p:cNvPr id="6" name="TextBox 5">
-            <a:extLst>
-              <a:ext uri="{FF2B5EF4-FFF2-40B4-BE49-F238E27FC236}">
-                <a16:creationId xmlns:a16="http://schemas.microsoft.com/office/drawing/2014/main" id="{1B747355-6A26-439D-BEB7-C1D8C794AA55}"/>
-              </a:ext>
-            </a:extLst>
-          </p:cNvPr>
-          <p:cNvSpPr txBox="1"/>
-          <p:nvPr/>
-        </p:nvSpPr>
-        <p:spPr>
-          <a:xfrm>
-            <a:off x="6189783" y="4982298"/>
-            <a:ext cx="1842868" cy="1015663"/>
-          </a:xfrm>
-          <a:prstGeom prst="rect">
-            <a:avLst/>
-          </a:prstGeom>
-          <a:noFill/>
-          <a:ln w="28575">
-            <a:solidFill>
-              <a:schemeClr val="tx1"/>
-            </a:solidFill>
-          </a:ln>
-        </p:spPr>
-        <p:txBody>
-          <a:bodyPr wrap="square" rtlCol="0">
-            <a:spAutoFit/>
-          </a:bodyPr>
-          <a:lstStyle/>
-          <a:p>
-            <a:r>
-              <a:rPr lang="en-US" sz="2000" b="1" dirty="0"/>
-              <a:t>Is this what we wanted to happen? </a:t>
-            </a:r>
-          </a:p>
-        </p:txBody>
-      </p:sp>
-    </p:spTree>
-    <p:extLst>
-      <p:ext uri="{BB962C8B-B14F-4D97-AF65-F5344CB8AC3E}">
-        <p14:creationId xmlns:p14="http://schemas.microsoft.com/office/powerpoint/2010/main" val="3918717104"/>
-      </p:ext>
-    </p:extLst>
-  </p:cSld>
-  <p:clrMapOvr>
-    <a:masterClrMapping/>
-  </p:clrMapOvr>
-</p:sld>
-</file>
-
-<file path=ppt/slides/slide24.xml><?xml version="1.0" encoding="utf-8"?>
-<p:sld xmlns:a="http://schemas.openxmlformats.org/drawingml/2006/main" xmlns:r="http://schemas.openxmlformats.org/officeDocument/2006/relationships" xmlns:p="http://schemas.openxmlformats.org/presentationml/2006/main">
-  <p:cSld>
-    <p:spTree>
-      <p:nvGrpSpPr>
-        <p:cNvPr id="1" name=""/>
-        <p:cNvGrpSpPr/>
-        <p:nvPr/>
-      </p:nvGrpSpPr>
-      <p:grpSpPr>
-        <a:xfrm>
-          <a:off x="0" y="0"/>
-          <a:ext cx="0" cy="0"/>
-          <a:chOff x="0" y="0"/>
-          <a:chExt cx="0" cy="0"/>
-        </a:xfrm>
-      </p:grpSpPr>
-      <p:sp>
-        <p:nvSpPr>
-          <p:cNvPr id="2" name="Title 1">
-            <a:extLst>
-              <a:ext uri="{FF2B5EF4-FFF2-40B4-BE49-F238E27FC236}">
                 <a16:creationId xmlns:a16="http://schemas.microsoft.com/office/drawing/2014/main" id="{BDED5BDB-9F86-4BCA-B594-C397B244249C}"/>
               </a:ext>
             </a:extLst>
@@ -6483,7 +6390,7 @@
 </p:sld>
 </file>
 
-<file path=ppt/slides/slide25.xml><?xml version="1.0" encoding="utf-8"?>
+<file path=ppt/slides/slide24.xml><?xml version="1.0" encoding="utf-8"?>
 <p:sld xmlns:a="http://schemas.openxmlformats.org/drawingml/2006/main" xmlns:r="http://schemas.openxmlformats.org/officeDocument/2006/relationships" xmlns:p="http://schemas.openxmlformats.org/presentationml/2006/main">
   <p:cSld>
     <p:spTree>
@@ -6880,7 +6787,7 @@
 </p:sld>
 </file>
 
-<file path=ppt/slides/slide26.xml><?xml version="1.0" encoding="utf-8"?>
+<file path=ppt/slides/slide25.xml><?xml version="1.0" encoding="utf-8"?>
 <p:sld xmlns:a="http://schemas.openxmlformats.org/drawingml/2006/main" xmlns:r="http://schemas.openxmlformats.org/officeDocument/2006/relationships" xmlns:p="http://schemas.openxmlformats.org/presentationml/2006/main">
   <p:cSld>
     <p:spTree>
@@ -7047,7 +6954,7 @@
 </p:sld>
 </file>
 
-<file path=ppt/slides/slide27.xml><?xml version="1.0" encoding="utf-8"?>
+<file path=ppt/slides/slide26.xml><?xml version="1.0" encoding="utf-8"?>
 <p:sld xmlns:a="http://schemas.openxmlformats.org/drawingml/2006/main" xmlns:r="http://schemas.openxmlformats.org/officeDocument/2006/relationships" xmlns:p="http://schemas.openxmlformats.org/presentationml/2006/main">
   <p:cSld>
     <p:spTree>
@@ -7186,6 +7093,151 @@
 </p:sld>
 </file>
 
+<file path=ppt/slides/slide27.xml><?xml version="1.0" encoding="utf-8"?>
+<p:sld xmlns:a="http://schemas.openxmlformats.org/drawingml/2006/main" xmlns:r="http://schemas.openxmlformats.org/officeDocument/2006/relationships" xmlns:p="http://schemas.openxmlformats.org/presentationml/2006/main">
+  <p:cSld>
+    <p:spTree>
+      <p:nvGrpSpPr>
+        <p:cNvPr id="1" name=""/>
+        <p:cNvGrpSpPr/>
+        <p:nvPr/>
+      </p:nvGrpSpPr>
+      <p:grpSpPr>
+        <a:xfrm>
+          <a:off x="0" y="0"/>
+          <a:ext cx="0" cy="0"/>
+          <a:chOff x="0" y="0"/>
+          <a:chExt cx="0" cy="0"/>
+        </a:xfrm>
+      </p:grpSpPr>
+      <p:sp>
+        <p:nvSpPr>
+          <p:cNvPr id="2" name="Title 1">
+            <a:extLst>
+              <a:ext uri="{FF2B5EF4-FFF2-40B4-BE49-F238E27FC236}">
+                <a16:creationId xmlns:a16="http://schemas.microsoft.com/office/drawing/2014/main" id="{DFAE23E0-9C9B-43B7-8776-3C82D449107F}"/>
+              </a:ext>
+            </a:extLst>
+          </p:cNvPr>
+          <p:cNvSpPr>
+            <a:spLocks noGrp="1"/>
+          </p:cNvSpPr>
+          <p:nvPr>
+            <p:ph type="title"/>
+          </p:nvPr>
+        </p:nvSpPr>
+        <p:spPr/>
+        <p:txBody>
+          <a:bodyPr/>
+          <a:lstStyle/>
+          <a:p>
+            <a:r>
+              <a:rPr lang="en-US" b="1" dirty="0"/>
+              <a:t>Tracing the Bank Interest Code </a:t>
+            </a:r>
+          </a:p>
+        </p:txBody>
+      </p:sp>
+      <p:sp>
+        <p:nvSpPr>
+          <p:cNvPr id="3" name="Content Placeholder 2">
+            <a:extLst>
+              <a:ext uri="{FF2B5EF4-FFF2-40B4-BE49-F238E27FC236}">
+                <a16:creationId xmlns:a16="http://schemas.microsoft.com/office/drawing/2014/main" id="{099AF4B3-EABF-49D7-A3B0-E56A7EC1A463}"/>
+              </a:ext>
+            </a:extLst>
+          </p:cNvPr>
+          <p:cNvSpPr>
+            <a:spLocks noGrp="1"/>
+          </p:cNvSpPr>
+          <p:nvPr>
+            <p:ph idx="1"/>
+          </p:nvPr>
+        </p:nvSpPr>
+        <p:spPr/>
+        <p:txBody>
+          <a:bodyPr/>
+          <a:lstStyle/>
+          <a:p>
+            <a:pPr marL="0" indent="0">
+              <a:buNone/>
+            </a:pPr>
+            <a:r>
+              <a:rPr lang="en-US" sz="3200" dirty="0"/>
+              <a:t>• Even though the parameter rate appears in both main() and </a:t>
+            </a:r>
+            <a:r>
+              <a:rPr lang="en-US" sz="3200" dirty="0" err="1"/>
+              <a:t>addInterest</a:t>
+            </a:r>
+            <a:r>
+              <a:rPr lang="en-US" sz="3200" dirty="0"/>
+              <a:t>(), they are two separate variables because of scope</a:t>
+            </a:r>
+          </a:p>
+          <a:p>
+            <a:pPr marL="0" indent="0">
+              <a:buNone/>
+            </a:pPr>
+            <a:endParaRPr lang="en-US" sz="3200" dirty="0"/>
+          </a:p>
+          <a:p>
+            <a:pPr marL="0" indent="0">
+              <a:buNone/>
+            </a:pPr>
+            <a:endParaRPr lang="en-US" dirty="0"/>
+          </a:p>
+        </p:txBody>
+      </p:sp>
+      <p:pic>
+        <p:nvPicPr>
+          <p:cNvPr id="5" name="Picture 4">
+            <a:extLst>
+              <a:ext uri="{FF2B5EF4-FFF2-40B4-BE49-F238E27FC236}">
+                <a16:creationId xmlns:a16="http://schemas.microsoft.com/office/drawing/2014/main" id="{338D21C6-4E82-418D-8F15-49961A760DAE}"/>
+              </a:ext>
+            </a:extLst>
+          </p:cNvPr>
+          <p:cNvPicPr>
+            <a:picLocks noChangeAspect="1"/>
+          </p:cNvPicPr>
+          <p:nvPr/>
+        </p:nvPicPr>
+        <p:blipFill>
+          <a:blip r:embed="rId2">
+            <a:extLst>
+              <a:ext uri="{28A0092B-C50C-407E-A947-70E740481C1C}">
+                <a14:useLocalDpi xmlns:a14="http://schemas.microsoft.com/office/drawing/2010/main" val="0"/>
+              </a:ext>
+            </a:extLst>
+          </a:blip>
+          <a:stretch>
+            <a:fillRect/>
+          </a:stretch>
+        </p:blipFill>
+        <p:spPr>
+          <a:xfrm>
+            <a:off x="984739" y="3132108"/>
+            <a:ext cx="10369061" cy="3831400"/>
+          </a:xfrm>
+          <a:prstGeom prst="rect">
+            <a:avLst/>
+          </a:prstGeom>
+        </p:spPr>
+      </p:pic>
+    </p:spTree>
+    <p:extLst>
+      <p:ext uri="{BB962C8B-B14F-4D97-AF65-F5344CB8AC3E}">
+        <p14:creationId xmlns:p14="http://schemas.microsoft.com/office/powerpoint/2010/main" val="2676673692"/>
+      </p:ext>
+    </p:extLst>
+  </p:cSld>
+  <p:clrMapOvr>
+    <a:masterClrMapping/>
+  </p:clrMapOvr>
+</p:sld>
+</file>
+
 <file path=ppt/slides/slide28.xml><?xml version="1.0" encoding="utf-8"?>
 <p:sld xmlns:a="http://schemas.openxmlformats.org/drawingml/2006/main" xmlns:r="http://schemas.openxmlformats.org/officeDocument/2006/relationships" xmlns:p="http://schemas.openxmlformats.org/presentationml/2006/main">
   <p:cSld>
@@ -7208,7 +7260,7 @@
           <p:cNvPr id="2" name="Title 1">
             <a:extLst>
               <a:ext uri="{FF2B5EF4-FFF2-40B4-BE49-F238E27FC236}">
-                <a16:creationId xmlns:a16="http://schemas.microsoft.com/office/drawing/2014/main" id="{DFAE23E0-9C9B-43B7-8776-3C82D449107F}"/>
+                <a16:creationId xmlns:a16="http://schemas.microsoft.com/office/drawing/2014/main" id="{B918EEF0-15A6-4F92-88E7-B93B15976892}"/>
               </a:ext>
             </a:extLst>
           </p:cNvPr>
@@ -7221,67 +7273,69 @@
         </p:nvSpPr>
         <p:spPr/>
         <p:txBody>
+          <a:bodyPr>
+            <a:normAutofit/>
+          </a:bodyPr>
+          <a:lstStyle/>
+          <a:p>
+            <a:r>
+              <a:rPr lang="en-US" sz="4800" b="1" dirty="0"/>
+              <a:t>Scope</a:t>
+            </a:r>
+            <a:r>
+              <a:rPr lang="en-US" sz="4800" dirty="0"/>
+              <a:t> </a:t>
+            </a:r>
+          </a:p>
+        </p:txBody>
+      </p:sp>
+      <p:sp>
+        <p:nvSpPr>
+          <p:cNvPr id="3" name="Content Placeholder 2">
+            <a:extLst>
+              <a:ext uri="{FF2B5EF4-FFF2-40B4-BE49-F238E27FC236}">
+                <a16:creationId xmlns:a16="http://schemas.microsoft.com/office/drawing/2014/main" id="{59A6355C-9E83-40AF-87C8-6933EDD720B3}"/>
+              </a:ext>
+            </a:extLst>
+          </p:cNvPr>
+          <p:cNvSpPr>
+            <a:spLocks noGrp="1"/>
+          </p:cNvSpPr>
+          <p:nvPr>
+            <p:ph idx="1"/>
+          </p:nvPr>
+        </p:nvSpPr>
+        <p:spPr/>
+        <p:txBody>
           <a:bodyPr/>
           <a:lstStyle/>
           <a:p>
-            <a:r>
-              <a:rPr lang="en-US" b="1" dirty="0"/>
-              <a:t>Tracing the Bank Interest Code </a:t>
-            </a:r>
-          </a:p>
-        </p:txBody>
-      </p:sp>
-      <p:sp>
-        <p:nvSpPr>
-          <p:cNvPr id="3" name="Content Placeholder 2">
-            <a:extLst>
-              <a:ext uri="{FF2B5EF4-FFF2-40B4-BE49-F238E27FC236}">
-                <a16:creationId xmlns:a16="http://schemas.microsoft.com/office/drawing/2014/main" id="{099AF4B3-EABF-49D7-A3B0-E56A7EC1A463}"/>
-              </a:ext>
-            </a:extLst>
-          </p:cNvPr>
-          <p:cNvSpPr>
-            <a:spLocks noGrp="1"/>
-          </p:cNvSpPr>
-          <p:nvPr>
-            <p:ph idx="1"/>
-          </p:nvPr>
-        </p:nvSpPr>
-        <p:spPr/>
-        <p:txBody>
-          <a:bodyPr/>
-          <a:lstStyle/>
-          <a:p>
-            <a:pPr marL="0" indent="0">
-              <a:buNone/>
-            </a:pPr>
-            <a:r>
-              <a:rPr lang="en-US" sz="3200" dirty="0"/>
-              <a:t>• Even though the parameter </a:t>
-            </a:r>
-            <a:r>
-              <a:rPr lang="en-US" sz="3200" dirty="0" err="1"/>
-              <a:t>rateappears</a:t>
-            </a:r>
-            <a:r>
-              <a:rPr lang="en-US" sz="3200" dirty="0"/>
-              <a:t> in both main()and </a:t>
-            </a:r>
-            <a:r>
-              <a:rPr lang="en-US" sz="3200" dirty="0" err="1"/>
-              <a:t>addInterest</a:t>
-            </a:r>
-            <a:r>
-              <a:rPr lang="en-US" sz="3200" dirty="0"/>
-              <a:t>(),they are two </a:t>
-            </a:r>
-            <a:r>
-              <a:rPr lang="en-US" sz="3200" dirty="0" err="1"/>
-              <a:t>separatevariables</a:t>
-            </a:r>
-            <a:r>
-              <a:rPr lang="en-US" sz="3200" dirty="0"/>
-              <a:t> because of scope</a:t>
+            <a:pPr marL="0" indent="0">
+              <a:buNone/>
+            </a:pPr>
+            <a:r>
+              <a:rPr lang="en-US" sz="3200" dirty="0"/>
+              <a:t>• In other words, the </a:t>
+            </a:r>
+            <a:r>
+              <a:rPr lang="en-US" sz="3200" b="1" i="1" dirty="0"/>
+              <a:t>formal parameters </a:t>
+            </a:r>
+            <a:r>
+              <a:rPr lang="en-US" sz="3200" dirty="0"/>
+              <a:t>of a function only receive the </a:t>
+            </a:r>
+            <a:r>
+              <a:rPr lang="en-US" sz="3200" u="sng" dirty="0"/>
+              <a:t>values</a:t>
+            </a:r>
+            <a:r>
+              <a:rPr lang="en-US" sz="3200" dirty="0"/>
+              <a:t> of the </a:t>
+            </a:r>
+            <a:r>
+              <a:rPr lang="en-US" sz="3200" b="1" i="1" dirty="0"/>
+              <a:t>arguments</a:t>
             </a:r>
           </a:p>
           <a:p>
@@ -7294,50 +7348,35 @@
             <a:pPr marL="0" indent="0">
               <a:buNone/>
             </a:pPr>
+            <a:r>
+              <a:rPr lang="en-US" sz="3200" dirty="0"/>
+              <a:t>• The function does </a:t>
+            </a:r>
+            <a:r>
+              <a:rPr lang="en-US" sz="3200" b="1" u="sng" dirty="0"/>
+              <a:t>not</a:t>
+            </a:r>
+            <a:r>
+              <a:rPr lang="en-US" sz="3200" dirty="0"/>
+              <a:t> have access to the original variable in </a:t>
+            </a:r>
+            <a:r>
+              <a:rPr lang="en-US" sz="3200" b="1" dirty="0"/>
+              <a:t>main()</a:t>
+            </a:r>
+          </a:p>
+          <a:p>
+            <a:pPr marL="0" indent="0">
+              <a:buNone/>
+            </a:pPr>
             <a:endParaRPr lang="en-US" dirty="0"/>
           </a:p>
         </p:txBody>
       </p:sp>
-      <p:pic>
-        <p:nvPicPr>
-          <p:cNvPr id="5" name="Picture 4">
-            <a:extLst>
-              <a:ext uri="{FF2B5EF4-FFF2-40B4-BE49-F238E27FC236}">
-                <a16:creationId xmlns:a16="http://schemas.microsoft.com/office/drawing/2014/main" id="{338D21C6-4E82-418D-8F15-49961A760DAE}"/>
-              </a:ext>
-            </a:extLst>
-          </p:cNvPr>
-          <p:cNvPicPr>
-            <a:picLocks noChangeAspect="1"/>
-          </p:cNvPicPr>
-          <p:nvPr/>
-        </p:nvPicPr>
-        <p:blipFill>
-          <a:blip r:embed="rId2">
-            <a:extLst>
-              <a:ext uri="{28A0092B-C50C-407E-A947-70E740481C1C}">
-                <a14:useLocalDpi xmlns:a14="http://schemas.microsoft.com/office/drawing/2010/main" val="0"/>
-              </a:ext>
-            </a:extLst>
-          </a:blip>
-          <a:stretch>
-            <a:fillRect/>
-          </a:stretch>
-        </p:blipFill>
-        <p:spPr>
-          <a:xfrm>
-            <a:off x="984738" y="2850754"/>
-            <a:ext cx="10369061" cy="3831400"/>
-          </a:xfrm>
-          <a:prstGeom prst="rect">
-            <a:avLst/>
-          </a:prstGeom>
-        </p:spPr>
-      </p:pic>
     </p:spTree>
     <p:extLst>
       <p:ext uri="{BB962C8B-B14F-4D97-AF65-F5344CB8AC3E}">
-        <p14:creationId xmlns:p14="http://schemas.microsoft.com/office/powerpoint/2010/main" val="2676673692"/>
+        <p14:creationId xmlns:p14="http://schemas.microsoft.com/office/powerpoint/2010/main" val="3976765414"/>
       </p:ext>
     </p:extLst>
   </p:cSld>
@@ -7369,7 +7408,7 @@
           <p:cNvPr id="2" name="Title 1">
             <a:extLst>
               <a:ext uri="{FF2B5EF4-FFF2-40B4-BE49-F238E27FC236}">
-                <a16:creationId xmlns:a16="http://schemas.microsoft.com/office/drawing/2014/main" id="{B918EEF0-15A6-4F92-88E7-B93B15976892}"/>
+                <a16:creationId xmlns:a16="http://schemas.microsoft.com/office/drawing/2014/main" id="{A348617F-4881-46E8-B5F3-1D3EA8E2873F}"/>
               </a:ext>
             </a:extLst>
           </p:cNvPr>
@@ -7382,110 +7421,369 @@
         </p:nvSpPr>
         <p:spPr/>
         <p:txBody>
+          <a:bodyPr/>
+          <a:lstStyle/>
+          <a:p>
+            <a:r>
+              <a:rPr lang="en-US" b="1" dirty="0"/>
+              <a:t>New Bank Interest Code</a:t>
+            </a:r>
+            <a:br>
+              <a:rPr lang="en-US" dirty="0"/>
+            </a:br>
+            <a:endParaRPr lang="en-US" dirty="0"/>
+          </a:p>
+        </p:txBody>
+      </p:sp>
+      <p:sp>
+        <p:nvSpPr>
+          <p:cNvPr id="3" name="Content Placeholder 2">
+            <a:extLst>
+              <a:ext uri="{FF2B5EF4-FFF2-40B4-BE49-F238E27FC236}">
+                <a16:creationId xmlns:a16="http://schemas.microsoft.com/office/drawing/2014/main" id="{8829015C-B158-4445-98D2-B12439BE8CCC}"/>
+              </a:ext>
+            </a:extLst>
+          </p:cNvPr>
+          <p:cNvSpPr>
+            <a:spLocks noGrp="1"/>
+          </p:cNvSpPr>
+          <p:nvPr>
+            <p:ph idx="1"/>
+          </p:nvPr>
+        </p:nvSpPr>
+        <p:spPr>
+          <a:xfrm>
+            <a:off x="838200" y="1167618"/>
+            <a:ext cx="10515600" cy="5009345"/>
+          </a:xfrm>
+        </p:spPr>
+        <p:txBody>
           <a:bodyPr>
-            <a:normAutofit/>
+            <a:normAutofit lnSpcReduction="10000"/>
           </a:bodyPr>
           <a:lstStyle/>
           <a:p>
-            <a:r>
-              <a:rPr lang="en-US" sz="4800" b="1" dirty="0"/>
-              <a:t>Scope</a:t>
-            </a:r>
-            <a:r>
-              <a:rPr lang="en-US" sz="4800" dirty="0"/>
+            <a:pPr marL="0" indent="0">
+              <a:buNone/>
+            </a:pPr>
+            <a:r>
+              <a:rPr lang="en-US" dirty="0">
+                <a:solidFill>
+                  <a:srgbClr val="0070C0"/>
+                </a:solidFill>
+              </a:rPr>
+              <a:t>def</a:t>
+            </a:r>
+            <a:r>
+              <a:rPr lang="en-US" dirty="0"/>
               <a:t> </a:t>
             </a:r>
-          </a:p>
-        </p:txBody>
-      </p:sp>
-      <p:sp>
-        <p:nvSpPr>
-          <p:cNvPr id="3" name="Content Placeholder 2">
-            <a:extLst>
-              <a:ext uri="{FF2B5EF4-FFF2-40B4-BE49-F238E27FC236}">
-                <a16:creationId xmlns:a16="http://schemas.microsoft.com/office/drawing/2014/main" id="{59A6355C-9E83-40AF-87C8-6933EDD720B3}"/>
-              </a:ext>
-            </a:extLst>
-          </p:cNvPr>
-          <p:cNvSpPr>
-            <a:spLocks noGrp="1"/>
-          </p:cNvSpPr>
-          <p:nvPr>
-            <p:ph idx="1"/>
-          </p:nvPr>
-        </p:nvSpPr>
-        <p:spPr/>
-        <p:txBody>
-          <a:bodyPr/>
-          <a:lstStyle/>
-          <a:p>
-            <a:pPr marL="0" indent="0">
-              <a:buNone/>
-            </a:pPr>
-            <a:r>
-              <a:rPr lang="en-US" sz="3200" dirty="0"/>
-              <a:t>• In other words, the </a:t>
-            </a:r>
-            <a:r>
-              <a:rPr lang="en-US" sz="3200" b="1" i="1" dirty="0"/>
-              <a:t>formal parameters </a:t>
-            </a:r>
-            <a:r>
-              <a:rPr lang="en-US" sz="3200" dirty="0"/>
-              <a:t>of a function only receive the </a:t>
-            </a:r>
-            <a:r>
-              <a:rPr lang="en-US" sz="3200" u="sng" dirty="0"/>
-              <a:t>values</a:t>
-            </a:r>
-            <a:r>
-              <a:rPr lang="en-US" sz="3200" dirty="0"/>
-              <a:t> of the </a:t>
-            </a:r>
-            <a:r>
-              <a:rPr lang="en-US" sz="3200" b="1" i="1" dirty="0"/>
-              <a:t>arguments</a:t>
-            </a:r>
-          </a:p>
-          <a:p>
-            <a:pPr marL="0" indent="0">
-              <a:buNone/>
-            </a:pPr>
-            <a:endParaRPr lang="en-US" sz="3200" dirty="0"/>
-          </a:p>
-          <a:p>
-            <a:pPr marL="0" indent="0">
-              <a:buNone/>
-            </a:pPr>
-            <a:r>
-              <a:rPr lang="en-US" sz="3200" dirty="0"/>
-              <a:t>• The function does </a:t>
-            </a:r>
-            <a:r>
-              <a:rPr lang="en-US" sz="3200" b="1" u="sng" dirty="0"/>
-              <a:t>not</a:t>
-            </a:r>
-            <a:r>
-              <a:rPr lang="en-US" sz="3200" dirty="0"/>
-              <a:t> have access to the original variable in </a:t>
-            </a:r>
-            <a:r>
-              <a:rPr lang="en-US" sz="3200" b="1" dirty="0"/>
+            <a:r>
+              <a:rPr lang="en-US" dirty="0" err="1">
+                <a:solidFill>
+                  <a:srgbClr val="FF0000"/>
+                </a:solidFill>
+              </a:rPr>
+              <a:t>addInterest</a:t>
+            </a:r>
+            <a:r>
+              <a:rPr lang="en-US" dirty="0"/>
+              <a:t>(balance, rate): </a:t>
+            </a:r>
+          </a:p>
+          <a:p>
+            <a:pPr marL="0" indent="0">
+              <a:buNone/>
+            </a:pPr>
+            <a:r>
+              <a:rPr lang="en-US" dirty="0"/>
+              <a:t>	</a:t>
+            </a:r>
+            <a:r>
+              <a:rPr lang="en-US" dirty="0" err="1"/>
+              <a:t>newBalance</a:t>
+            </a:r>
+            <a:r>
+              <a:rPr lang="en-US" dirty="0"/>
+              <a:t> = balance * (1 + rate) </a:t>
+            </a:r>
+          </a:p>
+          <a:p>
+            <a:pPr marL="0" indent="0">
+              <a:buNone/>
+            </a:pPr>
+            <a:r>
+              <a:rPr lang="en-US" dirty="0"/>
+              <a:t>	</a:t>
+            </a:r>
+            <a:r>
+              <a:rPr lang="en-US" dirty="0">
+                <a:solidFill>
+                  <a:srgbClr val="0070C0"/>
+                </a:solidFill>
+              </a:rPr>
+              <a:t>return</a:t>
+            </a:r>
+            <a:r>
+              <a:rPr lang="en-US" dirty="0"/>
+              <a:t> </a:t>
+            </a:r>
+            <a:r>
+              <a:rPr lang="en-US" dirty="0" err="1"/>
+              <a:t>newBalance</a:t>
+            </a:r>
+            <a:endParaRPr lang="en-US" dirty="0"/>
+          </a:p>
+          <a:p>
+            <a:pPr marL="0" indent="0">
+              <a:buNone/>
+            </a:pPr>
+            <a:endParaRPr lang="en-US" dirty="0"/>
+          </a:p>
+          <a:p>
+            <a:pPr marL="0" indent="0">
+              <a:buNone/>
+            </a:pPr>
+            <a:r>
+              <a:rPr lang="en-US" dirty="0">
+                <a:solidFill>
+                  <a:srgbClr val="0070C0"/>
+                </a:solidFill>
+              </a:rPr>
+              <a:t>def</a:t>
+            </a:r>
+            <a:r>
+              <a:rPr lang="en-US" dirty="0"/>
+              <a:t> </a:t>
+            </a:r>
+            <a:r>
+              <a:rPr lang="en-US" dirty="0">
+                <a:solidFill>
+                  <a:srgbClr val="FF0000"/>
+                </a:solidFill>
+              </a:rPr>
+              <a:t>main</a:t>
+            </a:r>
+            <a:r>
+              <a:rPr lang="en-US" dirty="0"/>
+              <a:t>(): </a:t>
+            </a:r>
+          </a:p>
+          <a:p>
+            <a:pPr marL="0" indent="0">
+              <a:buNone/>
+            </a:pPr>
+            <a:r>
+              <a:rPr lang="en-US" dirty="0"/>
+              <a:t>	amount = 1000 </a:t>
+            </a:r>
+          </a:p>
+          <a:p>
+            <a:pPr marL="0" indent="0">
+              <a:buNone/>
+            </a:pPr>
+            <a:r>
+              <a:rPr lang="en-US" dirty="0"/>
+              <a:t>	rate = 0.05 </a:t>
+            </a:r>
+          </a:p>
+          <a:p>
+            <a:pPr marL="0" indent="0">
+              <a:buNone/>
+            </a:pPr>
+            <a:r>
+              <a:rPr lang="en-US" dirty="0"/>
+              <a:t>	amount = </a:t>
+            </a:r>
+            <a:r>
+              <a:rPr lang="en-US" dirty="0" err="1">
+                <a:solidFill>
+                  <a:srgbClr val="FF0000"/>
+                </a:solidFill>
+              </a:rPr>
+              <a:t>addInterest</a:t>
+            </a:r>
+            <a:r>
+              <a:rPr lang="en-US" dirty="0"/>
+              <a:t>(amount, rate) </a:t>
+            </a:r>
+          </a:p>
+          <a:p>
+            <a:pPr marL="0" indent="0">
+              <a:buNone/>
+            </a:pPr>
+            <a:r>
+              <a:rPr lang="en-US" dirty="0"/>
+              <a:t>	</a:t>
+            </a:r>
+            <a:r>
+              <a:rPr lang="en-US" dirty="0">
+                <a:solidFill>
+                  <a:srgbClr val="FF0000"/>
+                </a:solidFill>
+              </a:rPr>
+              <a:t>print</a:t>
+            </a:r>
+            <a:r>
+              <a:rPr lang="en-US" dirty="0"/>
+              <a:t>(amount) </a:t>
+            </a:r>
+          </a:p>
+          <a:p>
+            <a:pPr marL="0" indent="0">
+              <a:buNone/>
+            </a:pPr>
+            <a:r>
+              <a:rPr lang="en-US" dirty="0"/>
               <a:t>main()</a:t>
             </a:r>
           </a:p>
-          <a:p>
-            <a:pPr marL="0" indent="0">
-              <a:buNone/>
-            </a:pPr>
-            <a:endParaRPr lang="en-US" dirty="0"/>
-          </a:p>
-        </p:txBody>
-      </p:sp>
+        </p:txBody>
+      </p:sp>
+      <p:sp>
+        <p:nvSpPr>
+          <p:cNvPr id="6" name="TextBox 5">
+            <a:extLst>
+              <a:ext uri="{FF2B5EF4-FFF2-40B4-BE49-F238E27FC236}">
+                <a16:creationId xmlns:a16="http://schemas.microsoft.com/office/drawing/2014/main" id="{26CEDBD1-C2EB-44D4-852A-F564E7D1C3BC}"/>
+              </a:ext>
+            </a:extLst>
+          </p:cNvPr>
+          <p:cNvSpPr txBox="1"/>
+          <p:nvPr/>
+        </p:nvSpPr>
+        <p:spPr>
+          <a:xfrm>
+            <a:off x="7610621" y="2459504"/>
+            <a:ext cx="3038622" cy="1569660"/>
+          </a:xfrm>
+          <a:prstGeom prst="rect">
+            <a:avLst/>
+          </a:prstGeom>
+          <a:noFill/>
+          <a:ln w="38100">
+            <a:solidFill>
+              <a:schemeClr val="tx1"/>
+            </a:solidFill>
+          </a:ln>
+        </p:spPr>
+        <p:txBody>
+          <a:bodyPr wrap="square" rtlCol="0">
+            <a:spAutoFit/>
+          </a:bodyPr>
+          <a:lstStyle/>
+          <a:p>
+            <a:r>
+              <a:rPr lang="en-US" sz="2400" b="1" dirty="0">
+                <a:solidFill>
+                  <a:srgbClr val="7030A0"/>
+                </a:solidFill>
+              </a:rPr>
+              <a:t>‘Return </a:t>
+            </a:r>
+            <a:r>
+              <a:rPr lang="en-US" sz="2400" b="1" dirty="0" err="1">
+                <a:solidFill>
+                  <a:srgbClr val="7030A0"/>
+                </a:solidFill>
+              </a:rPr>
+              <a:t>newBalance</a:t>
+            </a:r>
+            <a:r>
+              <a:rPr lang="en-US" sz="2400" b="1" dirty="0">
+                <a:solidFill>
+                  <a:srgbClr val="7030A0"/>
+                </a:solidFill>
+              </a:rPr>
+              <a:t>’ and ‘amount= ’ these are the only changed parts in the new code </a:t>
+            </a:r>
+          </a:p>
+        </p:txBody>
+      </p:sp>
+      <p:cxnSp>
+        <p:nvCxnSpPr>
+          <p:cNvPr id="8" name="Straight Arrow Connector 7">
+            <a:extLst>
+              <a:ext uri="{FF2B5EF4-FFF2-40B4-BE49-F238E27FC236}">
+                <a16:creationId xmlns:a16="http://schemas.microsoft.com/office/drawing/2014/main" id="{3394CA74-0EE4-4C6E-8210-B41D6436AEF5}"/>
+              </a:ext>
+            </a:extLst>
+          </p:cNvPr>
+          <p:cNvCxnSpPr/>
+          <p:nvPr/>
+        </p:nvCxnSpPr>
+        <p:spPr>
+          <a:xfrm flipH="1" flipV="1">
+            <a:off x="3995225" y="2630658"/>
+            <a:ext cx="3460652" cy="798342"/>
+          </a:xfrm>
+          <a:prstGeom prst="straightConnector1">
+            <a:avLst/>
+          </a:prstGeom>
+          <a:ln w="38100">
+            <a:tailEnd type="triangle"/>
+          </a:ln>
+        </p:spPr>
+        <p:style>
+          <a:lnRef idx="1">
+            <a:schemeClr val="accent1"/>
+          </a:lnRef>
+          <a:fillRef idx="0">
+            <a:schemeClr val="accent1"/>
+          </a:fillRef>
+          <a:effectRef idx="0">
+            <a:schemeClr val="accent1"/>
+          </a:effectRef>
+          <a:fontRef idx="minor">
+            <a:schemeClr val="tx1"/>
+          </a:fontRef>
+        </p:style>
+      </p:cxnSp>
+      <p:cxnSp>
+        <p:nvCxnSpPr>
+          <p:cNvPr id="10" name="Straight Arrow Connector 9">
+            <a:extLst>
+              <a:ext uri="{FF2B5EF4-FFF2-40B4-BE49-F238E27FC236}">
+                <a16:creationId xmlns:a16="http://schemas.microsoft.com/office/drawing/2014/main" id="{B6B6A660-FE16-4E75-A25E-D558B93DDF4D}"/>
+              </a:ext>
+            </a:extLst>
+          </p:cNvPr>
+          <p:cNvCxnSpPr>
+            <a:cxnSpLocks/>
+          </p:cNvCxnSpPr>
+          <p:nvPr/>
+        </p:nvCxnSpPr>
+        <p:spPr>
+          <a:xfrm flipH="1">
+            <a:off x="3291840" y="3601329"/>
+            <a:ext cx="4178105" cy="900333"/>
+          </a:xfrm>
+          <a:prstGeom prst="straightConnector1">
+            <a:avLst/>
+          </a:prstGeom>
+          <a:ln w="38100">
+            <a:tailEnd type="triangle"/>
+          </a:ln>
+        </p:spPr>
+        <p:style>
+          <a:lnRef idx="1">
+            <a:schemeClr val="accent1"/>
+          </a:lnRef>
+          <a:fillRef idx="0">
+            <a:schemeClr val="accent1"/>
+          </a:fillRef>
+          <a:effectRef idx="0">
+            <a:schemeClr val="accent1"/>
+          </a:effectRef>
+          <a:fontRef idx="minor">
+            <a:schemeClr val="tx1"/>
+          </a:fontRef>
+        </p:style>
+      </p:cxnSp>
     </p:spTree>
     <p:extLst>
       <p:ext uri="{BB962C8B-B14F-4D97-AF65-F5344CB8AC3E}">
-        <p14:creationId xmlns:p14="http://schemas.microsoft.com/office/powerpoint/2010/main" val="3976765414"/>
+        <p14:creationId xmlns:p14="http://schemas.microsoft.com/office/powerpoint/2010/main" val="4253536072"/>
       </p:ext>
     </p:extLst>
   </p:cSld>
@@ -7773,7 +8071,7 @@
           <p:cNvPr id="2" name="Title 1">
             <a:extLst>
               <a:ext uri="{FF2B5EF4-FFF2-40B4-BE49-F238E27FC236}">
-                <a16:creationId xmlns:a16="http://schemas.microsoft.com/office/drawing/2014/main" id="{A348617F-4881-46E8-B5F3-1D3EA8E2873F}"/>
+                <a16:creationId xmlns:a16="http://schemas.microsoft.com/office/drawing/2014/main" id="{4EFC647E-BEC0-4E89-8B7A-37CA0A51DB61}"/>
               </a:ext>
             </a:extLst>
           </p:cNvPr>
@@ -7782,373 +8080,29 @@
           </p:cNvSpPr>
           <p:nvPr>
             <p:ph type="title"/>
-          </p:nvPr>
-        </p:nvSpPr>
-        <p:spPr/>
-        <p:txBody>
-          <a:bodyPr/>
-          <a:lstStyle/>
-          <a:p>
-            <a:r>
-              <a:rPr lang="en-US" b="1" dirty="0"/>
-              <a:t>New Bank Interest Code</a:t>
-            </a:r>
-            <a:br>
-              <a:rPr lang="en-US" dirty="0"/>
-            </a:br>
-            <a:endParaRPr lang="en-US" dirty="0"/>
-          </a:p>
-        </p:txBody>
-      </p:sp>
-      <p:sp>
-        <p:nvSpPr>
-          <p:cNvPr id="3" name="Content Placeholder 2">
-            <a:extLst>
-              <a:ext uri="{FF2B5EF4-FFF2-40B4-BE49-F238E27FC236}">
-                <a16:creationId xmlns:a16="http://schemas.microsoft.com/office/drawing/2014/main" id="{8829015C-B158-4445-98D2-B12439BE8CCC}"/>
-              </a:ext>
-            </a:extLst>
-          </p:cNvPr>
-          <p:cNvSpPr>
-            <a:spLocks noGrp="1"/>
-          </p:cNvSpPr>
-          <p:nvPr>
-            <p:ph idx="1"/>
           </p:nvPr>
         </p:nvSpPr>
         <p:spPr>
           <a:xfrm>
-            <a:off x="838200" y="1167618"/>
-            <a:ext cx="10515600" cy="5009345"/>
+            <a:off x="4256650" y="2348669"/>
+            <a:ext cx="4282440" cy="1325563"/>
           </a:xfrm>
         </p:spPr>
         <p:txBody>
-          <a:bodyPr>
-            <a:normAutofit lnSpcReduction="10000"/>
-          </a:bodyPr>
-          <a:lstStyle/>
-          <a:p>
-            <a:pPr marL="0" indent="0">
-              <a:buNone/>
-            </a:pPr>
-            <a:r>
-              <a:rPr lang="en-US" dirty="0">
-                <a:solidFill>
-                  <a:srgbClr val="0070C0"/>
-                </a:solidFill>
-              </a:rPr>
-              <a:t>def</a:t>
-            </a:r>
-            <a:r>
-              <a:rPr lang="en-US" dirty="0"/>
-              <a:t> </a:t>
-            </a:r>
-            <a:r>
-              <a:rPr lang="en-US" dirty="0" err="1">
-                <a:solidFill>
-                  <a:srgbClr val="FF0000"/>
-                </a:solidFill>
-              </a:rPr>
-              <a:t>addInterest</a:t>
-            </a:r>
-            <a:r>
-              <a:rPr lang="en-US" dirty="0"/>
-              <a:t>(balance, rate): </a:t>
-            </a:r>
-          </a:p>
-          <a:p>
-            <a:pPr marL="0" indent="0">
-              <a:buNone/>
-            </a:pPr>
-            <a:r>
-              <a:rPr lang="en-US" dirty="0"/>
-              <a:t>	</a:t>
-            </a:r>
-            <a:r>
-              <a:rPr lang="en-US" dirty="0" err="1"/>
-              <a:t>newBalance</a:t>
-            </a:r>
-            <a:r>
-              <a:rPr lang="en-US" dirty="0"/>
-              <a:t> = balance * (1 + rate) </a:t>
-            </a:r>
-          </a:p>
-          <a:p>
-            <a:pPr marL="0" indent="0">
-              <a:buNone/>
-            </a:pPr>
-            <a:r>
-              <a:rPr lang="en-US" dirty="0"/>
-              <a:t>	</a:t>
-            </a:r>
-            <a:r>
-              <a:rPr lang="en-US" dirty="0">
-                <a:solidFill>
-                  <a:srgbClr val="0070C0"/>
-                </a:solidFill>
-              </a:rPr>
-              <a:t>return</a:t>
-            </a:r>
-            <a:r>
-              <a:rPr lang="en-US" dirty="0"/>
-              <a:t> </a:t>
-            </a:r>
-            <a:r>
-              <a:rPr lang="en-US" dirty="0" err="1"/>
-              <a:t>newBalance</a:t>
-            </a:r>
-            <a:endParaRPr lang="en-US" dirty="0"/>
-          </a:p>
-          <a:p>
-            <a:pPr marL="0" indent="0">
-              <a:buNone/>
-            </a:pPr>
-            <a:endParaRPr lang="en-US" dirty="0"/>
-          </a:p>
-          <a:p>
-            <a:pPr marL="0" indent="0">
-              <a:buNone/>
-            </a:pPr>
-            <a:r>
-              <a:rPr lang="en-US" dirty="0">
-                <a:solidFill>
-                  <a:srgbClr val="0070C0"/>
-                </a:solidFill>
-              </a:rPr>
-              <a:t>def</a:t>
-            </a:r>
-            <a:r>
-              <a:rPr lang="en-US" dirty="0"/>
-              <a:t> </a:t>
-            </a:r>
-            <a:r>
-              <a:rPr lang="en-US" dirty="0">
-                <a:solidFill>
-                  <a:srgbClr val="FF0000"/>
-                </a:solidFill>
-              </a:rPr>
-              <a:t>main</a:t>
-            </a:r>
-            <a:r>
-              <a:rPr lang="en-US" dirty="0"/>
-              <a:t>(): </a:t>
-            </a:r>
-          </a:p>
-          <a:p>
-            <a:pPr marL="0" indent="0">
-              <a:buNone/>
-            </a:pPr>
-            <a:r>
-              <a:rPr lang="en-US" dirty="0"/>
-              <a:t>	amount = 1000 </a:t>
-            </a:r>
-          </a:p>
-          <a:p>
-            <a:pPr marL="0" indent="0">
-              <a:buNone/>
-            </a:pPr>
-            <a:r>
-              <a:rPr lang="en-US" dirty="0"/>
-              <a:t>	rate = 0.05 </a:t>
-            </a:r>
-          </a:p>
-          <a:p>
-            <a:pPr marL="0" indent="0">
-              <a:buNone/>
-            </a:pPr>
-            <a:r>
-              <a:rPr lang="en-US" dirty="0"/>
-              <a:t>	amount = </a:t>
-            </a:r>
-            <a:r>
-              <a:rPr lang="en-US" dirty="0" err="1">
-                <a:solidFill>
-                  <a:srgbClr val="FF0000"/>
-                </a:solidFill>
-              </a:rPr>
-              <a:t>addInterest</a:t>
-            </a:r>
-            <a:r>
-              <a:rPr lang="en-US" dirty="0"/>
-              <a:t>(amount, rate) </a:t>
-            </a:r>
-          </a:p>
-          <a:p>
-            <a:pPr marL="0" indent="0">
-              <a:buNone/>
-            </a:pPr>
-            <a:r>
-              <a:rPr lang="en-US" dirty="0"/>
-              <a:t>	</a:t>
-            </a:r>
-            <a:r>
-              <a:rPr lang="en-US" dirty="0">
-                <a:solidFill>
-                  <a:srgbClr val="FF0000"/>
-                </a:solidFill>
-              </a:rPr>
-              <a:t>print</a:t>
-            </a:r>
-            <a:r>
-              <a:rPr lang="en-US" dirty="0"/>
-              <a:t>(amount) </a:t>
-            </a:r>
-          </a:p>
-          <a:p>
-            <a:pPr marL="0" indent="0">
-              <a:buNone/>
-            </a:pPr>
-            <a:r>
-              <a:rPr lang="en-US" dirty="0"/>
-              <a:t>main()</a:t>
-            </a:r>
-          </a:p>
-        </p:txBody>
-      </p:sp>
-      <p:sp>
-        <p:nvSpPr>
-          <p:cNvPr id="6" name="TextBox 5">
-            <a:extLst>
-              <a:ext uri="{FF2B5EF4-FFF2-40B4-BE49-F238E27FC236}">
-                <a16:creationId xmlns:a16="http://schemas.microsoft.com/office/drawing/2014/main" id="{26CEDBD1-C2EB-44D4-852A-F564E7D1C3BC}"/>
-              </a:ext>
-            </a:extLst>
-          </p:cNvPr>
-          <p:cNvSpPr txBox="1"/>
-          <p:nvPr/>
-        </p:nvSpPr>
-        <p:spPr>
-          <a:xfrm>
-            <a:off x="7610621" y="2459504"/>
-            <a:ext cx="3038622" cy="1569660"/>
-          </a:xfrm>
-          <a:prstGeom prst="rect">
-            <a:avLst/>
-          </a:prstGeom>
-          <a:noFill/>
-          <a:ln w="38100">
-            <a:solidFill>
-              <a:schemeClr val="tx1"/>
-            </a:solidFill>
-          </a:ln>
-        </p:spPr>
-        <p:txBody>
-          <a:bodyPr wrap="square" rtlCol="0">
-            <a:spAutoFit/>
-          </a:bodyPr>
-          <a:lstStyle/>
-          <a:p>
-            <a:r>
-              <a:rPr lang="en-US" sz="2400" b="1" dirty="0">
-                <a:solidFill>
-                  <a:srgbClr val="7030A0"/>
-                </a:solidFill>
-              </a:rPr>
-              <a:t>‘Return </a:t>
-            </a:r>
-            <a:r>
-              <a:rPr lang="en-US" sz="2400" b="1" dirty="0" err="1">
-                <a:solidFill>
-                  <a:srgbClr val="7030A0"/>
-                </a:solidFill>
-              </a:rPr>
-              <a:t>newBalance</a:t>
-            </a:r>
-            <a:r>
-              <a:rPr lang="en-US" sz="2400" b="1" dirty="0">
-                <a:solidFill>
-                  <a:srgbClr val="7030A0"/>
-                </a:solidFill>
-              </a:rPr>
-              <a:t>’ and ‘amount= ’ these are the only changed parts in the new code </a:t>
-            </a:r>
-          </a:p>
-        </p:txBody>
-      </p:sp>
-      <p:cxnSp>
-        <p:nvCxnSpPr>
-          <p:cNvPr id="8" name="Straight Arrow Connector 7">
-            <a:extLst>
-              <a:ext uri="{FF2B5EF4-FFF2-40B4-BE49-F238E27FC236}">
-                <a16:creationId xmlns:a16="http://schemas.microsoft.com/office/drawing/2014/main" id="{3394CA74-0EE4-4C6E-8210-B41D6436AEF5}"/>
-              </a:ext>
-            </a:extLst>
-          </p:cNvPr>
-          <p:cNvCxnSpPr/>
-          <p:nvPr/>
-        </p:nvCxnSpPr>
-        <p:spPr>
-          <a:xfrm flipH="1" flipV="1">
-            <a:off x="3995225" y="2630658"/>
-            <a:ext cx="3460652" cy="798342"/>
-          </a:xfrm>
-          <a:prstGeom prst="straightConnector1">
-            <a:avLst/>
-          </a:prstGeom>
-          <a:ln w="38100">
-            <a:tailEnd type="triangle"/>
-          </a:ln>
-        </p:spPr>
-        <p:style>
-          <a:lnRef idx="1">
-            <a:schemeClr val="accent1"/>
-          </a:lnRef>
-          <a:fillRef idx="0">
-            <a:schemeClr val="accent1"/>
-          </a:fillRef>
-          <a:effectRef idx="0">
-            <a:schemeClr val="accent1"/>
-          </a:effectRef>
-          <a:fontRef idx="minor">
-            <a:schemeClr val="tx1"/>
-          </a:fontRef>
-        </p:style>
-      </p:cxnSp>
-      <p:cxnSp>
-        <p:nvCxnSpPr>
-          <p:cNvPr id="10" name="Straight Arrow Connector 9">
-            <a:extLst>
-              <a:ext uri="{FF2B5EF4-FFF2-40B4-BE49-F238E27FC236}">
-                <a16:creationId xmlns:a16="http://schemas.microsoft.com/office/drawing/2014/main" id="{B6B6A660-FE16-4E75-A25E-D558B93DDF4D}"/>
-              </a:ext>
-            </a:extLst>
-          </p:cNvPr>
-          <p:cNvCxnSpPr>
-            <a:cxnSpLocks/>
-          </p:cNvCxnSpPr>
-          <p:nvPr/>
-        </p:nvCxnSpPr>
-        <p:spPr>
-          <a:xfrm flipH="1">
-            <a:off x="3291840" y="3601329"/>
-            <a:ext cx="4178105" cy="900333"/>
-          </a:xfrm>
-          <a:prstGeom prst="straightConnector1">
-            <a:avLst/>
-          </a:prstGeom>
-          <a:ln w="38100">
-            <a:tailEnd type="triangle"/>
-          </a:ln>
-        </p:spPr>
-        <p:style>
-          <a:lnRef idx="1">
-            <a:schemeClr val="accent1"/>
-          </a:lnRef>
-          <a:fillRef idx="0">
-            <a:schemeClr val="accent1"/>
-          </a:fillRef>
-          <a:effectRef idx="0">
-            <a:schemeClr val="accent1"/>
-          </a:effectRef>
-          <a:fontRef idx="minor">
-            <a:schemeClr val="tx1"/>
-          </a:fontRef>
-        </p:style>
-      </p:cxnSp>
+          <a:bodyPr/>
+          <a:lstStyle/>
+          <a:p>
+            <a:r>
+              <a:rPr lang="en-US" dirty="0"/>
+              <a:t>Any Questions?</a:t>
+            </a:r>
+          </a:p>
+        </p:txBody>
+      </p:sp>
     </p:spTree>
     <p:extLst>
       <p:ext uri="{BB962C8B-B14F-4D97-AF65-F5344CB8AC3E}">
-        <p14:creationId xmlns:p14="http://schemas.microsoft.com/office/powerpoint/2010/main" val="4253536072"/>
+        <p14:creationId xmlns:p14="http://schemas.microsoft.com/office/powerpoint/2010/main" val="3564840212"/>
       </p:ext>
     </p:extLst>
   </p:cSld>
@@ -8158,7 +8112,7 @@
 </p:sld>
 </file>
 
-<file path=ppt/slides/slide31.xml><?xml version="1.0" encoding="utf-8"?>
+<file path=ppt/slides/slide4.xml><?xml version="1.0" encoding="utf-8"?>
 <p:sld xmlns:a="http://schemas.openxmlformats.org/drawingml/2006/main" xmlns:r="http://schemas.openxmlformats.org/officeDocument/2006/relationships" xmlns:p="http://schemas.openxmlformats.org/presentationml/2006/main">
   <p:cSld>
     <p:spTree>
@@ -8180,7 +8134,7 @@
           <p:cNvPr id="2" name="Title 1">
             <a:extLst>
               <a:ext uri="{FF2B5EF4-FFF2-40B4-BE49-F238E27FC236}">
-                <a16:creationId xmlns:a16="http://schemas.microsoft.com/office/drawing/2014/main" id="{4EFC647E-BEC0-4E89-8B7A-37CA0A51DB61}"/>
+                <a16:creationId xmlns:a16="http://schemas.microsoft.com/office/drawing/2014/main" id="{696A616B-740E-46B6-90D0-1BB18D82B859}"/>
               </a:ext>
             </a:extLst>
           </p:cNvPr>
@@ -8191,103 +8145,135 @@
             <p:ph type="title"/>
           </p:nvPr>
         </p:nvSpPr>
-        <p:spPr>
-          <a:xfrm>
-            <a:off x="4256650" y="2348669"/>
-            <a:ext cx="4282440" cy="1325563"/>
-          </a:xfrm>
-        </p:spPr>
+        <p:spPr/>
         <p:txBody>
           <a:bodyPr/>
           <a:lstStyle/>
           <a:p>
             <a:r>
-              <a:rPr lang="en-US" dirty="0"/>
-              <a:t>Any Questions?</a:t>
-            </a:r>
+              <a:rPr lang="en-US" b="1" dirty="0"/>
+              <a:t>Note On Global Constants </a:t>
+            </a:r>
+          </a:p>
+        </p:txBody>
+      </p:sp>
+      <p:sp>
+        <p:nvSpPr>
+          <p:cNvPr id="3" name="Content Placeholder 2">
+            <a:extLst>
+              <a:ext uri="{FF2B5EF4-FFF2-40B4-BE49-F238E27FC236}">
+                <a16:creationId xmlns:a16="http://schemas.microsoft.com/office/drawing/2014/main" id="{2F2F6086-1EAA-4720-BF31-247AB9F231FB}"/>
+              </a:ext>
+            </a:extLst>
+          </p:cNvPr>
+          <p:cNvSpPr>
+            <a:spLocks noGrp="1"/>
+          </p:cNvSpPr>
+          <p:nvPr>
+            <p:ph idx="1"/>
+          </p:nvPr>
+        </p:nvSpPr>
+        <p:spPr/>
+        <p:txBody>
+          <a:bodyPr/>
+          <a:lstStyle/>
+          <a:p>
+            <a:pPr marL="0" indent="0">
+              <a:buNone/>
+            </a:pPr>
+            <a:r>
+              <a:rPr lang="en-US" dirty="0"/>
+              <a:t>• </a:t>
+            </a:r>
+            <a:r>
+              <a:rPr lang="en-US" b="1" dirty="0" err="1"/>
+              <a:t>Globals</a:t>
+            </a:r>
+            <a:r>
+              <a:rPr lang="en-US" dirty="0"/>
+              <a:t> are variables declared outside of any function (including</a:t>
+            </a:r>
+          </a:p>
+          <a:p>
+            <a:pPr marL="0" indent="0">
+              <a:buNone/>
+            </a:pPr>
+            <a:r>
+              <a:rPr lang="en-US" dirty="0"/>
+              <a:t>    </a:t>
+            </a:r>
+            <a:r>
+              <a:rPr lang="en-US" b="1" dirty="0"/>
+              <a:t>main()</a:t>
+            </a:r>
+            <a:r>
+              <a:rPr lang="en-US" dirty="0"/>
+              <a:t>)</a:t>
+            </a:r>
+          </a:p>
+          <a:p>
+            <a:pPr marL="0" indent="0">
+              <a:buNone/>
+            </a:pPr>
+            <a:r>
+              <a:rPr lang="en-US" dirty="0"/>
+              <a:t>• Accessible globally in your program </a:t>
+            </a:r>
+          </a:p>
+          <a:p>
+            <a:pPr marL="0" indent="0">
+              <a:buNone/>
+            </a:pPr>
+            <a:r>
+              <a:rPr lang="en-US" dirty="0"/>
+              <a:t>    –To all functions and code</a:t>
+            </a:r>
+          </a:p>
+          <a:p>
+            <a:pPr marL="0" indent="0">
+              <a:buNone/>
+            </a:pPr>
+            <a:r>
+              <a:rPr lang="en-US" dirty="0"/>
+              <a:t>• Your programs may not have global variables</a:t>
+            </a:r>
+          </a:p>
+          <a:p>
+            <a:pPr marL="0" indent="0">
+              <a:buNone/>
+            </a:pPr>
+            <a:r>
+              <a:rPr lang="en-US" dirty="0"/>
+              <a:t>• Your programs may use global constants </a:t>
+            </a:r>
+          </a:p>
+          <a:p>
+            <a:pPr marL="0" indent="0">
+              <a:buNone/>
+            </a:pPr>
+            <a:r>
+              <a:rPr lang="en-US" dirty="0"/>
+              <a:t>    –In fact, constants should be global</a:t>
+            </a:r>
+          </a:p>
+          <a:p>
+            <a:pPr marL="0" indent="0">
+              <a:buNone/>
+            </a:pPr>
+            <a:endParaRPr lang="en-US" dirty="0"/>
+          </a:p>
+          <a:p>
+            <a:pPr marL="0" indent="0">
+              <a:buNone/>
+            </a:pPr>
+            <a:endParaRPr lang="en-US" dirty="0"/>
           </a:p>
         </p:txBody>
       </p:sp>
     </p:spTree>
     <p:extLst>
       <p:ext uri="{BB962C8B-B14F-4D97-AF65-F5344CB8AC3E}">
-        <p14:creationId xmlns:p14="http://schemas.microsoft.com/office/powerpoint/2010/main" val="3564840212"/>
-      </p:ext>
-    </p:extLst>
-  </p:cSld>
-  <p:clrMapOvr>
-    <a:masterClrMapping/>
-  </p:clrMapOvr>
-</p:sld>
-</file>
-
-<file path=ppt/slides/slide4.xml><?xml version="1.0" encoding="utf-8"?>
-<p:sld xmlns:a="http://schemas.openxmlformats.org/drawingml/2006/main" xmlns:r="http://schemas.openxmlformats.org/officeDocument/2006/relationships" xmlns:p="http://schemas.openxmlformats.org/presentationml/2006/main">
-  <p:cSld>
-    <p:bg>
-      <p:bgPr>
-        <a:solidFill>
-          <a:schemeClr val="bg1"/>
-        </a:solidFill>
-        <a:effectLst/>
-      </p:bgPr>
-    </p:bg>
-    <p:spTree>
-      <p:nvGrpSpPr>
-        <p:cNvPr id="1" name=""/>
-        <p:cNvGrpSpPr/>
-        <p:nvPr/>
-      </p:nvGrpSpPr>
-      <p:grpSpPr>
-        <a:xfrm>
-          <a:off x="0" y="0"/>
-          <a:ext cx="0" cy="0"/>
-          <a:chOff x="0" y="0"/>
-          <a:chExt cx="0" cy="0"/>
-        </a:xfrm>
-      </p:grpSpPr>
-      <p:pic>
-        <p:nvPicPr>
-          <p:cNvPr id="5" name="Content Placeholder 4">
-            <a:extLst>
-              <a:ext uri="{FF2B5EF4-FFF2-40B4-BE49-F238E27FC236}">
-                <a16:creationId xmlns:a16="http://schemas.microsoft.com/office/drawing/2014/main" id="{74CE559F-961A-425A-8AED-F35D33D80B6F}"/>
-              </a:ext>
-            </a:extLst>
-          </p:cNvPr>
-          <p:cNvPicPr>
-            <a:picLocks noGrp="1" noChangeAspect="1"/>
-          </p:cNvPicPr>
-          <p:nvPr>
-            <p:ph idx="1"/>
-          </p:nvPr>
-        </p:nvPicPr>
-        <p:blipFill>
-          <a:blip r:embed="rId2">
-            <a:extLst>
-              <a:ext uri="{28A0092B-C50C-407E-A947-70E740481C1C}">
-                <a14:useLocalDpi xmlns:a14="http://schemas.microsoft.com/office/drawing/2010/main" val="0"/>
-              </a:ext>
-            </a:extLst>
-          </a:blip>
-          <a:stretch>
-            <a:fillRect/>
-          </a:stretch>
-        </p:blipFill>
-        <p:spPr>
-          <a:xfrm>
-            <a:off x="1069145" y="267286"/>
-            <a:ext cx="9931789" cy="6231988"/>
-          </a:xfrm>
-          <a:prstGeom prst="rect">
-            <a:avLst/>
-          </a:prstGeom>
-        </p:spPr>
-      </p:pic>
-    </p:spTree>
-    <p:extLst>
-      <p:ext uri="{BB962C8B-B14F-4D97-AF65-F5344CB8AC3E}">
-        <p14:creationId xmlns:p14="http://schemas.microsoft.com/office/powerpoint/2010/main" val="2611258652"/>
+        <p14:creationId xmlns:p14="http://schemas.microsoft.com/office/powerpoint/2010/main" val="433353826"/>
       </p:ext>
     </p:extLst>
   </p:cSld>
@@ -8319,7 +8305,7 @@
           <p:cNvPr id="2" name="Title 1">
             <a:extLst>
               <a:ext uri="{FF2B5EF4-FFF2-40B4-BE49-F238E27FC236}">
-                <a16:creationId xmlns:a16="http://schemas.microsoft.com/office/drawing/2014/main" id="{696A616B-740E-46B6-90D0-1BB18D82B859}"/>
+                <a16:creationId xmlns:a16="http://schemas.microsoft.com/office/drawing/2014/main" id="{AB40B4C4-7A7C-4CD8-A352-8EEB2D2CEFBB}"/>
               </a:ext>
             </a:extLst>
           </p:cNvPr>
@@ -8330,127 +8316,23 @@
             <p:ph type="title"/>
           </p:nvPr>
         </p:nvSpPr>
-        <p:spPr/>
+        <p:spPr>
+          <a:xfrm>
+            <a:off x="4087837" y="2766218"/>
+            <a:ext cx="4605997" cy="1325563"/>
+          </a:xfrm>
+        </p:spPr>
         <p:txBody>
           <a:bodyPr/>
           <a:lstStyle/>
           <a:p>
             <a:r>
               <a:rPr lang="en-US" b="1" dirty="0"/>
-              <a:t>Note On Global Constants </a:t>
-            </a:r>
-          </a:p>
-        </p:txBody>
-      </p:sp>
-      <p:sp>
-        <p:nvSpPr>
-          <p:cNvPr id="3" name="Content Placeholder 2">
-            <a:extLst>
-              <a:ext uri="{FF2B5EF4-FFF2-40B4-BE49-F238E27FC236}">
-                <a16:creationId xmlns:a16="http://schemas.microsoft.com/office/drawing/2014/main" id="{2F2F6086-1EAA-4720-BF31-247AB9F231FB}"/>
-              </a:ext>
-            </a:extLst>
-          </p:cNvPr>
-          <p:cNvSpPr>
-            <a:spLocks noGrp="1"/>
-          </p:cNvSpPr>
-          <p:nvPr>
-            <p:ph idx="1"/>
-          </p:nvPr>
-        </p:nvSpPr>
-        <p:spPr/>
-        <p:txBody>
-          <a:bodyPr/>
-          <a:lstStyle/>
-          <a:p>
-            <a:pPr marL="0" indent="0">
-              <a:buNone/>
-            </a:pPr>
-            <a:r>
-              <a:rPr lang="en-US" dirty="0"/>
-              <a:t>• </a:t>
-            </a:r>
-            <a:r>
-              <a:rPr lang="en-US" b="1" dirty="0" err="1"/>
-              <a:t>Globals</a:t>
-            </a:r>
-            <a:r>
-              <a:rPr lang="en-US" dirty="0"/>
-              <a:t> are variables declared outside of any function (including</a:t>
-            </a:r>
-          </a:p>
-          <a:p>
-            <a:pPr marL="0" indent="0">
-              <a:buNone/>
-            </a:pPr>
-            <a:r>
-              <a:rPr lang="en-US" dirty="0"/>
-              <a:t>    </a:t>
-            </a:r>
-            <a:r>
-              <a:rPr lang="en-US" b="1" dirty="0"/>
-              <a:t>main()</a:t>
-            </a:r>
-            <a:r>
-              <a:rPr lang="en-US" dirty="0"/>
-              <a:t>)</a:t>
-            </a:r>
-          </a:p>
-          <a:p>
-            <a:pPr marL="0" indent="0">
-              <a:buNone/>
-            </a:pPr>
-            <a:r>
-              <a:rPr lang="en-US" dirty="0"/>
-              <a:t>• Accessible globally in your program </a:t>
-            </a:r>
-          </a:p>
-          <a:p>
-            <a:pPr marL="0" indent="0">
-              <a:buNone/>
-            </a:pPr>
-            <a:r>
-              <a:rPr lang="en-US" dirty="0"/>
-              <a:t>    –To all functions and code</a:t>
-            </a:r>
-          </a:p>
-          <a:p>
-            <a:pPr marL="0" indent="0">
-              <a:buNone/>
-            </a:pPr>
-            <a:r>
-              <a:rPr lang="en-US" dirty="0"/>
-              <a:t>• Your programs may not have global variables</a:t>
-            </a:r>
-          </a:p>
-          <a:p>
-            <a:pPr marL="0" indent="0">
-              <a:buNone/>
-            </a:pPr>
-            <a:r>
-              <a:rPr lang="en-US" dirty="0"/>
-              <a:t>• Your programs may use global constants </a:t>
-            </a:r>
-          </a:p>
-          <a:p>
-            <a:pPr marL="0" indent="0">
-              <a:buNone/>
-            </a:pPr>
-            <a:r>
-              <a:rPr lang="en-US" dirty="0"/>
-              <a:t>    –In fact, constants should be global</a:t>
-            </a:r>
-          </a:p>
-          <a:p>
-            <a:pPr marL="0" indent="0">
-              <a:buNone/>
-            </a:pPr>
-            <a:endParaRPr lang="en-US" dirty="0"/>
-          </a:p>
-          <a:p>
-            <a:pPr marL="0" indent="0">
-              <a:buNone/>
-            </a:pPr>
+              <a:t>Return Statements</a:t>
+            </a:r>
+            <a:br>
+              <a:rPr lang="en-US" dirty="0"/>
+            </a:br>
             <a:endParaRPr lang="en-US" dirty="0"/>
           </a:p>
         </p:txBody>
@@ -8458,7 +8340,7 @@
     </p:spTree>
     <p:extLst>
       <p:ext uri="{BB962C8B-B14F-4D97-AF65-F5344CB8AC3E}">
-        <p14:creationId xmlns:p14="http://schemas.microsoft.com/office/powerpoint/2010/main" val="433353826"/>
+        <p14:creationId xmlns:p14="http://schemas.microsoft.com/office/powerpoint/2010/main" val="3255180630"/>
       </p:ext>
     </p:extLst>
   </p:cSld>
@@ -8490,7 +8372,7 @@
           <p:cNvPr id="2" name="Title 1">
             <a:extLst>
               <a:ext uri="{FF2B5EF4-FFF2-40B4-BE49-F238E27FC236}">
-                <a16:creationId xmlns:a16="http://schemas.microsoft.com/office/drawing/2014/main" id="{AB40B4C4-7A7C-4CD8-A352-8EEB2D2CEFBB}"/>
+                <a16:creationId xmlns:a16="http://schemas.microsoft.com/office/drawing/2014/main" id="{B96F4AD0-4068-402D-AF12-EB1A56B3C232}"/>
               </a:ext>
             </a:extLst>
           </p:cNvPr>
@@ -8501,23 +8383,103 @@
             <p:ph type="title"/>
           </p:nvPr>
         </p:nvSpPr>
-        <p:spPr>
-          <a:xfrm>
-            <a:off x="4087837" y="2766218"/>
-            <a:ext cx="4605997" cy="1325563"/>
-          </a:xfrm>
-        </p:spPr>
+        <p:spPr/>
         <p:txBody>
           <a:bodyPr/>
           <a:lstStyle/>
           <a:p>
             <a:r>
               <a:rPr lang="en-US" b="1" dirty="0"/>
-              <a:t>Return Statements</a:t>
-            </a:r>
-            <a:br>
-              <a:rPr lang="en-US" dirty="0"/>
-            </a:br>
+              <a:t>Giving Information to a Function </a:t>
+            </a:r>
+          </a:p>
+        </p:txBody>
+      </p:sp>
+      <p:sp>
+        <p:nvSpPr>
+          <p:cNvPr id="3" name="Content Placeholder 2">
+            <a:extLst>
+              <a:ext uri="{FF2B5EF4-FFF2-40B4-BE49-F238E27FC236}">
+                <a16:creationId xmlns:a16="http://schemas.microsoft.com/office/drawing/2014/main" id="{2B5592B7-6BAD-47E7-994A-058E5C3DAD14}"/>
+              </a:ext>
+            </a:extLst>
+          </p:cNvPr>
+          <p:cNvSpPr>
+            <a:spLocks noGrp="1"/>
+          </p:cNvSpPr>
+          <p:nvPr>
+            <p:ph idx="1"/>
+          </p:nvPr>
+        </p:nvSpPr>
+        <p:spPr/>
+        <p:txBody>
+          <a:bodyPr/>
+          <a:lstStyle/>
+          <a:p>
+            <a:pPr marL="0" indent="0">
+              <a:buNone/>
+            </a:pPr>
+            <a:r>
+              <a:rPr lang="en-US" dirty="0"/>
+              <a:t>• </a:t>
+            </a:r>
+            <a:r>
+              <a:rPr lang="en-US" sz="3200" dirty="0"/>
+              <a:t>Passing parameters provides a mechanism for </a:t>
+            </a:r>
+            <a:r>
+              <a:rPr lang="en-US" sz="3200" u="sng" dirty="0"/>
+              <a:t>initializing</a:t>
+            </a:r>
+            <a:r>
+              <a:rPr lang="en-US" sz="3200" dirty="0"/>
+              <a:t> the variables in a function</a:t>
+            </a:r>
+          </a:p>
+          <a:p>
+            <a:pPr marL="0" indent="0">
+              <a:buNone/>
+            </a:pPr>
+            <a:r>
+              <a:rPr lang="en-US" sz="3200" dirty="0"/>
+              <a:t>• Parameters act as </a:t>
+            </a:r>
+            <a:r>
+              <a:rPr lang="en-US" sz="3200" b="1" i="1" dirty="0"/>
+              <a:t>inputs</a:t>
+            </a:r>
+            <a:r>
+              <a:rPr lang="en-US" sz="3200" dirty="0"/>
+              <a:t> to a function</a:t>
+            </a:r>
+          </a:p>
+          <a:p>
+            <a:pPr marL="0" indent="0">
+              <a:buNone/>
+            </a:pPr>
+            <a:r>
+              <a:rPr lang="en-US" sz="3200" dirty="0"/>
+              <a:t>• We can call a function many times and get </a:t>
+            </a:r>
+            <a:r>
+              <a:rPr lang="en-US" sz="3200" u="sng" dirty="0"/>
+              <a:t>different results </a:t>
+            </a:r>
+            <a:r>
+              <a:rPr lang="en-US" sz="3200" dirty="0"/>
+              <a:t>by changing its parameters</a:t>
+            </a:r>
+          </a:p>
+          <a:p>
+            <a:pPr marL="0" indent="0">
+              <a:buNone/>
+            </a:pPr>
+            <a:endParaRPr lang="en-US" dirty="0"/>
+          </a:p>
+          <a:p>
+            <a:pPr marL="0" indent="0">
+              <a:buNone/>
+            </a:pPr>
             <a:endParaRPr lang="en-US" dirty="0"/>
           </a:p>
         </p:txBody>
@@ -8525,7 +8487,7 @@
     </p:spTree>
     <p:extLst>
       <p:ext uri="{BB962C8B-B14F-4D97-AF65-F5344CB8AC3E}">
-        <p14:creationId xmlns:p14="http://schemas.microsoft.com/office/powerpoint/2010/main" val="3255180630"/>
+        <p14:creationId xmlns:p14="http://schemas.microsoft.com/office/powerpoint/2010/main" val="2834191741"/>
       </p:ext>
     </p:extLst>
   </p:cSld>
@@ -8557,7 +8519,7 @@
           <p:cNvPr id="2" name="Title 1">
             <a:extLst>
               <a:ext uri="{FF2B5EF4-FFF2-40B4-BE49-F238E27FC236}">
-                <a16:creationId xmlns:a16="http://schemas.microsoft.com/office/drawing/2014/main" id="{B96F4AD0-4068-402D-AF12-EB1A56B3C232}"/>
+                <a16:creationId xmlns:a16="http://schemas.microsoft.com/office/drawing/2014/main" id="{CA7BE2A3-46F2-44E2-BABB-3FEF5B2C1480}"/>
               </a:ext>
             </a:extLst>
           </p:cNvPr>
@@ -8575,7 +8537,7 @@
           <a:p>
             <a:r>
               <a:rPr lang="en-US" b="1" dirty="0"/>
-              <a:t>Giving Information to a Function </a:t>
+              <a:t>Getting Information from a Function </a:t>
             </a:r>
           </a:p>
         </p:txBody>
@@ -8585,7 +8547,7 @@
           <p:cNvPr id="3" name="Content Placeholder 2">
             <a:extLst>
               <a:ext uri="{FF2B5EF4-FFF2-40B4-BE49-F238E27FC236}">
-                <a16:creationId xmlns:a16="http://schemas.microsoft.com/office/drawing/2014/main" id="{2B5592B7-6BAD-47E7-994A-058E5C3DAD14}"/>
+                <a16:creationId xmlns:a16="http://schemas.microsoft.com/office/drawing/2014/main" id="{3D6936A3-4BFD-409E-BDB3-F006924049EE}"/>
               </a:ext>
             </a:extLst>
           </p:cNvPr>
@@ -8605,61 +8567,83 @@
               <a:buNone/>
             </a:pPr>
             <a:r>
-              <a:rPr lang="en-US" dirty="0"/>
-              <a:t>• </a:t>
-            </a:r>
-            <a:r>
-              <a:rPr lang="en-US" sz="3200" dirty="0"/>
-              <a:t>Passing parameters provides a mechanism for </a:t>
+              <a:rPr lang="en-US" sz="3200" dirty="0"/>
+              <a:t>• We’ve already seen numerous examples of functions that </a:t>
             </a:r>
             <a:r>
               <a:rPr lang="en-US" sz="3200" u="sng" dirty="0"/>
-              <a:t>initializing</a:t>
-            </a:r>
-            <a:r>
-              <a:rPr lang="en-US" sz="3200" dirty="0"/>
-              <a:t> the variables in a function</a:t>
-            </a:r>
-          </a:p>
-          <a:p>
-            <a:pPr marL="0" indent="0">
-              <a:buNone/>
-            </a:pPr>
-            <a:r>
-              <a:rPr lang="en-US" sz="3200" dirty="0"/>
-              <a:t>• Parameters act as </a:t>
-            </a:r>
-            <a:r>
-              <a:rPr lang="en-US" sz="3200" b="1" i="1" dirty="0"/>
-              <a:t>inputs</a:t>
-            </a:r>
-            <a:r>
-              <a:rPr lang="en-US" sz="3200" dirty="0"/>
-              <a:t> to a function</a:t>
-            </a:r>
-          </a:p>
-          <a:p>
-            <a:pPr marL="0" indent="0">
-              <a:buNone/>
-            </a:pPr>
-            <a:r>
-              <a:rPr lang="en-US" sz="3200" dirty="0"/>
-              <a:t>• We can call a function many times and get </a:t>
-            </a:r>
-            <a:r>
-              <a:rPr lang="en-US" sz="3200" u="sng" dirty="0"/>
-              <a:t>different results </a:t>
-            </a:r>
-            <a:r>
-              <a:rPr lang="en-US" sz="3200" dirty="0"/>
-              <a:t>by changing its parameters</a:t>
-            </a:r>
-          </a:p>
-          <a:p>
-            <a:pPr marL="0" indent="0">
-              <a:buNone/>
-            </a:pPr>
-            <a:endParaRPr lang="en-US" dirty="0"/>
+              <a:t>return</a:t>
+            </a:r>
+            <a:r>
+              <a:rPr lang="en-US" sz="3200" dirty="0"/>
+              <a:t> values</a:t>
+            </a:r>
+          </a:p>
+          <a:p>
+            <a:pPr marL="0" indent="0">
+              <a:buNone/>
+            </a:pPr>
+            <a:r>
+              <a:rPr lang="en-US" sz="3200" b="1" dirty="0"/>
+              <a:t>       int(), </a:t>
+            </a:r>
+            <a:r>
+              <a:rPr lang="en-US" sz="3200" b="1" dirty="0" err="1"/>
+              <a:t>len</a:t>
+            </a:r>
+            <a:r>
+              <a:rPr lang="en-US" sz="3200" b="1" dirty="0"/>
+              <a:t>(), input(), </a:t>
+            </a:r>
+            <a:r>
+              <a:rPr lang="en-US" sz="3200" dirty="0" err="1"/>
+              <a:t>etc</a:t>
+            </a:r>
+            <a:endParaRPr lang="en-US" sz="3200" dirty="0"/>
+          </a:p>
+          <a:p>
+            <a:pPr marL="0" indent="0">
+              <a:buNone/>
+            </a:pPr>
+            <a:r>
+              <a:rPr lang="en-US" sz="3200" dirty="0"/>
+              <a:t>• For example, </a:t>
+            </a:r>
+            <a:r>
+              <a:rPr lang="en-US" sz="3200" dirty="0" err="1"/>
+              <a:t>len</a:t>
+            </a:r>
+            <a:r>
+              <a:rPr lang="en-US" sz="3200" dirty="0"/>
+              <a:t>() </a:t>
+            </a:r>
+          </a:p>
+          <a:p>
+            <a:pPr marL="0" indent="0">
+              <a:buNone/>
+            </a:pPr>
+            <a:r>
+              <a:rPr lang="en-US" sz="3200" dirty="0"/>
+              <a:t>     –Takes in any list or string as its parameter </a:t>
+            </a:r>
+          </a:p>
+          <a:p>
+            <a:pPr marL="0" indent="0">
+              <a:buNone/>
+            </a:pPr>
+            <a:r>
+              <a:rPr lang="en-US" sz="3200" dirty="0"/>
+              <a:t>     –Counts the number of elements (or characters)</a:t>
+            </a:r>
+          </a:p>
+          <a:p>
+            <a:pPr marL="0" indent="0">
+              <a:buNone/>
+            </a:pPr>
+            <a:r>
+              <a:rPr lang="en-US" sz="3200" dirty="0"/>
+              <a:t>     –And returns an integer value</a:t>
+            </a:r>
           </a:p>
           <a:p>
             <a:pPr marL="0" indent="0">
@@ -8672,7 +8656,7 @@
     </p:spTree>
     <p:extLst>
       <p:ext uri="{BB962C8B-B14F-4D97-AF65-F5344CB8AC3E}">
-        <p14:creationId xmlns:p14="http://schemas.microsoft.com/office/powerpoint/2010/main" val="2834191741"/>
+        <p14:creationId xmlns:p14="http://schemas.microsoft.com/office/powerpoint/2010/main" val="818404466"/>
       </p:ext>
     </p:extLst>
   </p:cSld>
@@ -8704,7 +8688,7 @@
           <p:cNvPr id="2" name="Title 1">
             <a:extLst>
               <a:ext uri="{FF2B5EF4-FFF2-40B4-BE49-F238E27FC236}">
-                <a16:creationId xmlns:a16="http://schemas.microsoft.com/office/drawing/2014/main" id="{CA7BE2A3-46F2-44E2-BABB-3FEF5B2C1480}"/>
+                <a16:creationId xmlns:a16="http://schemas.microsoft.com/office/drawing/2014/main" id="{F6A8413C-B6E8-4569-9BFA-4BDCD4C43F82}"/>
               </a:ext>
             </a:extLst>
           </p:cNvPr>
@@ -8722,7 +8706,7 @@
           <a:p>
             <a:r>
               <a:rPr lang="en-US" b="1" dirty="0"/>
-              <a:t>Getting Information from a Function </a:t>
+              <a:t>Functions that Return Values </a:t>
             </a:r>
           </a:p>
         </p:txBody>
@@ -8732,7 +8716,7 @@
           <p:cNvPr id="3" name="Content Placeholder 2">
             <a:extLst>
               <a:ext uri="{FF2B5EF4-FFF2-40B4-BE49-F238E27FC236}">
-                <a16:creationId xmlns:a16="http://schemas.microsoft.com/office/drawing/2014/main" id="{3D6936A3-4BFD-409E-BDB3-F006924049EE}"/>
+                <a16:creationId xmlns:a16="http://schemas.microsoft.com/office/drawing/2014/main" id="{496EFAA6-F2B5-4DCC-86F5-F7E3E13E05C2}"/>
               </a:ext>
             </a:extLst>
           </p:cNvPr>
@@ -8753,36 +8737,113 @@
             </a:pPr>
             <a:r>
               <a:rPr lang="en-US" sz="3200" dirty="0"/>
-              <a:t>• We’ve already seen numerous examples of functions that </a:t>
-            </a:r>
-            <a:r>
-              <a:rPr lang="en-US" sz="3200" u="sng" dirty="0"/>
+              <a:t>• To have a function return a value after it is called, we need to use the </a:t>
+            </a:r>
+            <a:r>
+              <a:rPr lang="en-US" sz="3200" b="1" dirty="0"/>
               <a:t>return</a:t>
             </a:r>
             <a:r>
               <a:rPr lang="en-US" sz="3200" dirty="0"/>
-              <a:t> values</a:t>
-            </a:r>
-          </a:p>
-          <a:p>
-            <a:pPr marL="0" indent="0">
-              <a:buNone/>
-            </a:pPr>
-            <a:r>
-              <a:rPr lang="en-US" sz="3200" b="1" dirty="0"/>
-              <a:t>       int(), </a:t>
-            </a:r>
-            <a:r>
-              <a:rPr lang="en-US" sz="3200" b="1" dirty="0" err="1"/>
-              <a:t>len</a:t>
-            </a:r>
-            <a:r>
-              <a:rPr lang="en-US" sz="3200" b="1" dirty="0"/>
-              <a:t>(), input(), </a:t>
+              <a:t> keyword</a:t>
+            </a:r>
+          </a:p>
+          <a:p>
+            <a:pPr marL="0" indent="0">
+              <a:buNone/>
+            </a:pPr>
+            <a:endParaRPr lang="en-US" sz="3200" dirty="0"/>
+          </a:p>
+          <a:p>
+            <a:pPr marL="0" indent="0">
+              <a:buNone/>
+            </a:pPr>
+            <a:r>
+              <a:rPr lang="en-US" sz="3200" dirty="0"/>
+              <a:t>	</a:t>
+            </a:r>
+            <a:r>
+              <a:rPr lang="en-US" sz="3200" dirty="0">
+                <a:solidFill>
+                  <a:srgbClr val="0070C0"/>
+                </a:solidFill>
+              </a:rPr>
+              <a:t>def</a:t>
+            </a:r>
+            <a:r>
+              <a:rPr lang="en-US" sz="3200" dirty="0"/>
+              <a:t> </a:t>
+            </a:r>
+            <a:r>
+              <a:rPr lang="en-US" sz="3200" dirty="0">
+                <a:solidFill>
+                  <a:srgbClr val="FF0000"/>
+                </a:solidFill>
+              </a:rPr>
+              <a:t>square</a:t>
+            </a:r>
+            <a:r>
+              <a:rPr lang="en-US" sz="3200" dirty="0"/>
+              <a:t>(num):</a:t>
+            </a:r>
+          </a:p>
+          <a:p>
+            <a:pPr marL="0" indent="0">
+              <a:buNone/>
+            </a:pPr>
+            <a:r>
+              <a:rPr lang="en-US" sz="3200" dirty="0"/>
+              <a:t> 		</a:t>
             </a:r>
             <a:r>
               <a:rPr lang="en-US" sz="3200" dirty="0" err="1"/>
-              <a:t>etc</a:t>
+              <a:t>ans</a:t>
+            </a:r>
+            <a:r>
+              <a:rPr lang="en-US" sz="3200" dirty="0"/>
+              <a:t> = num * num </a:t>
+            </a:r>
+          </a:p>
+          <a:p>
+            <a:pPr marL="0" indent="0">
+              <a:buNone/>
+            </a:pPr>
+            <a:r>
+              <a:rPr lang="en-US" sz="3200" dirty="0"/>
+              <a:t>		</a:t>
+            </a:r>
+            <a:r>
+              <a:rPr lang="en-US" sz="3200" dirty="0">
+                <a:solidFill>
+                  <a:srgbClr val="7030A0"/>
+                </a:solidFill>
+              </a:rPr>
+              <a:t># return the square </a:t>
+            </a:r>
+          </a:p>
+          <a:p>
+            <a:pPr marL="0" indent="0">
+              <a:buNone/>
+            </a:pPr>
+            <a:r>
+              <a:rPr lang="en-US" sz="3200" dirty="0"/>
+              <a:t>		</a:t>
+            </a:r>
+            <a:r>
+              <a:rPr lang="en-US" sz="3200" dirty="0">
+                <a:solidFill>
+                  <a:srgbClr val="0070C0"/>
+                </a:solidFill>
+              </a:rPr>
+              <a:t>return</a:t>
+            </a:r>
+            <a:r>
+              <a:rPr lang="en-US" sz="3200" dirty="0"/>
+              <a:t> </a:t>
+            </a:r>
+            <a:r>
+              <a:rPr lang="en-US" sz="3200" dirty="0" err="1"/>
+              <a:t>ans</a:t>
             </a:r>
             <a:endParaRPr lang="en-US" sz="3200" dirty="0"/>
           </a:p>
@@ -8790,45 +8851,7 @@
             <a:pPr marL="0" indent="0">
               <a:buNone/>
             </a:pPr>
-            <a:r>
-              <a:rPr lang="en-US" sz="3200" dirty="0"/>
-              <a:t>• For example, </a:t>
-            </a:r>
-            <a:r>
-              <a:rPr lang="en-US" sz="3200" dirty="0" err="1"/>
-              <a:t>len</a:t>
-            </a:r>
-            <a:r>
-              <a:rPr lang="en-US" sz="3200" dirty="0"/>
-              <a:t>() </a:t>
-            </a:r>
-          </a:p>
-          <a:p>
-            <a:pPr marL="0" indent="0">
-              <a:buNone/>
-            </a:pPr>
-            <a:r>
-              <a:rPr lang="en-US" sz="3200" dirty="0"/>
-              <a:t>     –Takes in any list or string as its parameter </a:t>
-            </a:r>
-          </a:p>
-          <a:p>
-            <a:pPr marL="0" indent="0">
-              <a:buNone/>
-            </a:pPr>
-            <a:r>
-              <a:rPr lang="en-US" sz="3200" dirty="0"/>
-              <a:t>     –Counts the number of elements (or characters)</a:t>
-            </a:r>
-          </a:p>
-          <a:p>
-            <a:pPr marL="0" indent="0">
-              <a:buNone/>
-            </a:pPr>
-            <a:r>
-              <a:rPr lang="en-US" sz="3200" dirty="0"/>
-              <a:t>     –And returns an integer value</a:t>
-            </a:r>
+            <a:endParaRPr lang="en-US" dirty="0"/>
           </a:p>
           <a:p>
             <a:pPr marL="0" indent="0">
@@ -8841,7 +8864,7 @@
     </p:spTree>
     <p:extLst>
       <p:ext uri="{BB962C8B-B14F-4D97-AF65-F5344CB8AC3E}">
-        <p14:creationId xmlns:p14="http://schemas.microsoft.com/office/powerpoint/2010/main" val="818404466"/>
+        <p14:creationId xmlns:p14="http://schemas.microsoft.com/office/powerpoint/2010/main" val="1956446154"/>
       </p:ext>
     </p:extLst>
   </p:cSld>
@@ -8873,7 +8896,7 @@
           <p:cNvPr id="2" name="Title 1">
             <a:extLst>
               <a:ext uri="{FF2B5EF4-FFF2-40B4-BE49-F238E27FC236}">
-                <a16:creationId xmlns:a16="http://schemas.microsoft.com/office/drawing/2014/main" id="{F6A8413C-B6E8-4569-9BFA-4BDCD4C43F82}"/>
+                <a16:creationId xmlns:a16="http://schemas.microsoft.com/office/drawing/2014/main" id="{31D65E58-0DD6-43DB-B416-5F23FC026D35}"/>
               </a:ext>
             </a:extLst>
           </p:cNvPr>
@@ -8891,7 +8914,7 @@
           <a:p>
             <a:r>
               <a:rPr lang="en-US" b="1" dirty="0"/>
-              <a:t>Functions that Return Values </a:t>
+              <a:t>Handling Return Values </a:t>
             </a:r>
           </a:p>
         </p:txBody>
@@ -8901,7 +8924,7 @@
           <p:cNvPr id="3" name="Content Placeholder 2">
             <a:extLst>
               <a:ext uri="{FF2B5EF4-FFF2-40B4-BE49-F238E27FC236}">
-                <a16:creationId xmlns:a16="http://schemas.microsoft.com/office/drawing/2014/main" id="{496EFAA6-F2B5-4DCC-86F5-F7E3E13E05C2}"/>
+                <a16:creationId xmlns:a16="http://schemas.microsoft.com/office/drawing/2014/main" id="{842E194A-9572-4A98-AAD7-AC2CA7A332C3}"/>
               </a:ext>
             </a:extLst>
           </p:cNvPr>
@@ -8922,15 +8945,34 @@
             </a:pPr>
             <a:r>
               <a:rPr lang="en-US" sz="3200" dirty="0"/>
-              <a:t>• To have a function return a value after it is called, we need to use the </a:t>
-            </a:r>
-            <a:r>
-              <a:rPr lang="en-US" sz="3200" b="1" dirty="0"/>
-              <a:t>return</a:t>
-            </a:r>
-            <a:r>
-              <a:rPr lang="en-US" sz="3200" dirty="0"/>
-              <a:t> keyword</a:t>
+              <a:t>• When Python encounters return, it...</a:t>
+            </a:r>
+          </a:p>
+          <a:p>
+            <a:pPr marL="0" indent="0">
+              <a:buNone/>
+            </a:pPr>
+            <a:r>
+              <a:rPr lang="en-US" sz="3200" dirty="0"/>
+              <a:t>    –Exits the function (immediately!) </a:t>
+            </a:r>
+          </a:p>
+          <a:p>
+            <a:pPr marL="0" indent="0">
+              <a:buNone/>
+            </a:pPr>
+            <a:r>
+              <a:rPr lang="en-US" sz="3200" dirty="0"/>
+              <a:t>• Even if it’s not the end of the function</a:t>
+            </a:r>
+          </a:p>
+          <a:p>
+            <a:pPr marL="0" indent="0">
+              <a:buNone/>
+            </a:pPr>
+            <a:r>
+              <a:rPr lang="en-US" sz="3200" dirty="0"/>
+              <a:t>    –Returns control back to where the function was called from </a:t>
             </a:r>
           </a:p>
           <a:p>
@@ -8945,98 +8987,12 @@
             </a:pPr>
             <a:r>
               <a:rPr lang="en-US" sz="3200" dirty="0"/>
-              <a:t>	</a:t>
-            </a:r>
-            <a:r>
-              <a:rPr lang="en-US" sz="3200" dirty="0">
-                <a:solidFill>
-                  <a:srgbClr val="0070C0"/>
-                </a:solidFill>
-              </a:rPr>
-              <a:t>def</a:t>
-            </a:r>
-            <a:r>
-              <a:rPr lang="en-US" sz="3200" dirty="0"/>
-              <a:t> </a:t>
-            </a:r>
-            <a:r>
-              <a:rPr lang="en-US" sz="3200" dirty="0">
-                <a:solidFill>
-                  <a:srgbClr val="FF0000"/>
-                </a:solidFill>
-              </a:rPr>
-              <a:t>square</a:t>
-            </a:r>
-            <a:r>
-              <a:rPr lang="en-US" sz="3200" dirty="0"/>
-              <a:t>(num):</a:t>
-            </a:r>
-          </a:p>
-          <a:p>
-            <a:pPr marL="0" indent="0">
-              <a:buNone/>
-            </a:pPr>
-            <a:r>
-              <a:rPr lang="en-US" sz="3200" dirty="0"/>
-              <a:t> 		</a:t>
-            </a:r>
-            <a:r>
-              <a:rPr lang="en-US" sz="3200" dirty="0" err="1"/>
-              <a:t>ans</a:t>
-            </a:r>
-            <a:r>
-              <a:rPr lang="en-US" sz="3200" dirty="0"/>
-              <a:t> = num * num </a:t>
-            </a:r>
-          </a:p>
-          <a:p>
-            <a:pPr marL="0" indent="0">
-              <a:buNone/>
-            </a:pPr>
-            <a:r>
-              <a:rPr lang="en-US" sz="3200" dirty="0"/>
-              <a:t>		</a:t>
-            </a:r>
-            <a:r>
-              <a:rPr lang="en-US" sz="3200" dirty="0">
-                <a:solidFill>
-                  <a:srgbClr val="7030A0"/>
-                </a:solidFill>
-              </a:rPr>
-              <a:t># return the square </a:t>
-            </a:r>
-          </a:p>
-          <a:p>
-            <a:pPr marL="0" indent="0">
-              <a:buNone/>
-            </a:pPr>
-            <a:r>
-              <a:rPr lang="en-US" sz="3200" dirty="0"/>
-              <a:t>		</a:t>
-            </a:r>
-            <a:r>
-              <a:rPr lang="en-US" sz="3200" dirty="0">
-                <a:solidFill>
-                  <a:srgbClr val="0070C0"/>
-                </a:solidFill>
-              </a:rPr>
-              <a:t>return</a:t>
-            </a:r>
-            <a:r>
-              <a:rPr lang="en-US" sz="3200" dirty="0"/>
-              <a:t> </a:t>
-            </a:r>
-            <a:r>
-              <a:rPr lang="en-US" sz="3200" dirty="0" err="1"/>
-              <a:t>ans</a:t>
-            </a:r>
-            <a:endParaRPr lang="en-US" sz="3200" dirty="0"/>
-          </a:p>
-          <a:p>
-            <a:pPr marL="0" indent="0">
-              <a:buNone/>
-            </a:pPr>
-            <a:endParaRPr lang="en-US" dirty="0"/>
+              <a:t>• The expression in the return statement is evaluated, then sent back to the caller as a </a:t>
+            </a:r>
+            <a:r>
+              <a:rPr lang="en-US" sz="3200" b="1" i="1" dirty="0"/>
+              <a:t>return value</a:t>
+            </a:r>
           </a:p>
           <a:p>
             <a:pPr marL="0" indent="0">
@@ -9049,7 +9005,7 @@
     </p:spTree>
     <p:extLst>
       <p:ext uri="{BB962C8B-B14F-4D97-AF65-F5344CB8AC3E}">
-        <p14:creationId xmlns:p14="http://schemas.microsoft.com/office/powerpoint/2010/main" val="1956446154"/>
+        <p14:creationId xmlns:p14="http://schemas.microsoft.com/office/powerpoint/2010/main" val="3358761519"/>
       </p:ext>
     </p:extLst>
   </p:cSld>

--- a/PYTHON_11_Functions Part 2.pptx
+++ b/PYTHON_11_Functions Part 2.pptx
@@ -34,7 +34,8 @@
     <p:sldId id="318" r:id="rId28"/>
     <p:sldId id="319" r:id="rId29"/>
     <p:sldId id="320" r:id="rId30"/>
-    <p:sldId id="291" r:id="rId31"/>
+    <p:sldId id="321" r:id="rId31"/>
+    <p:sldId id="291" r:id="rId32"/>
   </p:sldIdLst>
   <p:sldSz cx="12192000" cy="6858000"/>
   <p:notesSz cx="6858000" cy="9144000"/>
@@ -288,7 +289,7 @@
           <a:p>
             <a:fld id="{D3853345-A581-455E-9661-1270F4F6E587}" type="datetimeFigureOut">
               <a:rPr lang="en-US" smtClean="0"/>
-              <a:t>7/19/2019</a:t>
+              <a:t>7/21/2019</a:t>
             </a:fld>
             <a:endParaRPr lang="en-US" dirty="0"/>
           </a:p>
@@ -491,7 +492,7 @@
           <a:p>
             <a:fld id="{D3853345-A581-455E-9661-1270F4F6E587}" type="datetimeFigureOut">
               <a:rPr lang="en-US" smtClean="0"/>
-              <a:t>7/19/2019</a:t>
+              <a:t>7/21/2019</a:t>
             </a:fld>
             <a:endParaRPr lang="en-US" dirty="0"/>
           </a:p>
@@ -699,7 +700,7 @@
           <a:p>
             <a:fld id="{D3853345-A581-455E-9661-1270F4F6E587}" type="datetimeFigureOut">
               <a:rPr lang="en-US" smtClean="0"/>
-              <a:t>7/19/2019</a:t>
+              <a:t>7/21/2019</a:t>
             </a:fld>
             <a:endParaRPr lang="en-US" dirty="0"/>
           </a:p>
@@ -897,7 +898,7 @@
           <a:p>
             <a:fld id="{D3853345-A581-455E-9661-1270F4F6E587}" type="datetimeFigureOut">
               <a:rPr lang="en-US" smtClean="0"/>
-              <a:t>7/19/2019</a:t>
+              <a:t>7/21/2019</a:t>
             </a:fld>
             <a:endParaRPr lang="en-US" dirty="0"/>
           </a:p>
@@ -1172,7 +1173,7 @@
           <a:p>
             <a:fld id="{D3853345-A581-455E-9661-1270F4F6E587}" type="datetimeFigureOut">
               <a:rPr lang="en-US" smtClean="0"/>
-              <a:t>7/19/2019</a:t>
+              <a:t>7/21/2019</a:t>
             </a:fld>
             <a:endParaRPr lang="en-US" dirty="0"/>
           </a:p>
@@ -1437,7 +1438,7 @@
           <a:p>
             <a:fld id="{D3853345-A581-455E-9661-1270F4F6E587}" type="datetimeFigureOut">
               <a:rPr lang="en-US" smtClean="0"/>
-              <a:t>7/19/2019</a:t>
+              <a:t>7/21/2019</a:t>
             </a:fld>
             <a:endParaRPr lang="en-US" dirty="0"/>
           </a:p>
@@ -1849,7 +1850,7 @@
           <a:p>
             <a:fld id="{D3853345-A581-455E-9661-1270F4F6E587}" type="datetimeFigureOut">
               <a:rPr lang="en-US" smtClean="0"/>
-              <a:t>7/19/2019</a:t>
+              <a:t>7/21/2019</a:t>
             </a:fld>
             <a:endParaRPr lang="en-US" dirty="0"/>
           </a:p>
@@ -1990,7 +1991,7 @@
           <a:p>
             <a:fld id="{D3853345-A581-455E-9661-1270F4F6E587}" type="datetimeFigureOut">
               <a:rPr lang="en-US" smtClean="0"/>
-              <a:t>7/19/2019</a:t>
+              <a:t>7/21/2019</a:t>
             </a:fld>
             <a:endParaRPr lang="en-US" dirty="0"/>
           </a:p>
@@ -2103,7 +2104,7 @@
           <a:p>
             <a:fld id="{D3853345-A581-455E-9661-1270F4F6E587}" type="datetimeFigureOut">
               <a:rPr lang="en-US" smtClean="0"/>
-              <a:t>7/19/2019</a:t>
+              <a:t>7/21/2019</a:t>
             </a:fld>
             <a:endParaRPr lang="en-US" dirty="0"/>
           </a:p>
@@ -2419,7 +2420,7 @@
           <a:p>
             <a:fld id="{D3853345-A581-455E-9661-1270F4F6E587}" type="datetimeFigureOut">
               <a:rPr lang="en-US" smtClean="0"/>
-              <a:t>7/19/2019</a:t>
+              <a:t>7/21/2019</a:t>
             </a:fld>
             <a:endParaRPr lang="en-US" dirty="0"/>
           </a:p>
@@ -2712,7 +2713,7 @@
           <a:p>
             <a:fld id="{D3853345-A581-455E-9661-1270F4F6E587}" type="datetimeFigureOut">
               <a:rPr lang="en-US" smtClean="0"/>
-              <a:t>7/19/2019</a:t>
+              <a:t>7/21/2019</a:t>
             </a:fld>
             <a:endParaRPr lang="en-US" dirty="0"/>
           </a:p>
@@ -2953,7 +2954,7 @@
           <a:p>
             <a:fld id="{D3853345-A581-455E-9661-1270F4F6E587}" type="datetimeFigureOut">
               <a:rPr lang="en-US" smtClean="0"/>
-              <a:t>7/19/2019</a:t>
+              <a:t>7/21/2019</a:t>
             </a:fld>
             <a:endParaRPr lang="en-US" dirty="0"/>
           </a:p>
@@ -7164,15 +7165,39 @@
             </a:pPr>
             <a:r>
               <a:rPr lang="en-US" sz="3200" dirty="0"/>
-              <a:t>• Even though the parameter rate appears in both main() and </a:t>
-            </a:r>
-            <a:r>
-              <a:rPr lang="en-US" sz="3200" dirty="0" err="1"/>
+              <a:t>• Even though the parameter rate appears in both </a:t>
+            </a:r>
+            <a:r>
+              <a:rPr lang="en-US" sz="3200" dirty="0">
+                <a:solidFill>
+                  <a:srgbClr val="FF0000"/>
+                </a:solidFill>
+              </a:rPr>
+              <a:t>main() </a:t>
+            </a:r>
+            <a:r>
+              <a:rPr lang="en-US" sz="3200" dirty="0"/>
+              <a:t>and </a:t>
+            </a:r>
+            <a:r>
+              <a:rPr lang="en-US" sz="3200" dirty="0" err="1">
+                <a:solidFill>
+                  <a:srgbClr val="FF0000"/>
+                </a:solidFill>
+              </a:rPr>
               <a:t>addInterest</a:t>
             </a:r>
             <a:r>
-              <a:rPr lang="en-US" sz="3200" dirty="0"/>
-              <a:t>(), they are two separate variables because of scope</a:t>
+              <a:rPr lang="en-US" sz="3200" dirty="0">
+                <a:solidFill>
+                  <a:srgbClr val="FF0000"/>
+                </a:solidFill>
+              </a:rPr>
+              <a:t>()</a:t>
+            </a:r>
+            <a:r>
+              <a:rPr lang="en-US" sz="3200" dirty="0"/>
+              <a:t>, they are two separate variables because of scope</a:t>
             </a:r>
           </a:p>
           <a:p>
@@ -8050,6 +8075,140 @@
 </file>
 
 <file path=ppt/slides/slide30.xml><?xml version="1.0" encoding="utf-8"?>
+<p:sld xmlns:a="http://schemas.openxmlformats.org/drawingml/2006/main" xmlns:r="http://schemas.openxmlformats.org/officeDocument/2006/relationships" xmlns:p="http://schemas.openxmlformats.org/presentationml/2006/main">
+  <p:cSld>
+    <p:spTree>
+      <p:nvGrpSpPr>
+        <p:cNvPr id="1" name=""/>
+        <p:cNvGrpSpPr/>
+        <p:nvPr/>
+      </p:nvGrpSpPr>
+      <p:grpSpPr>
+        <a:xfrm>
+          <a:off x="0" y="0"/>
+          <a:ext cx="0" cy="0"/>
+          <a:chOff x="0" y="0"/>
+          <a:chExt cx="0" cy="0"/>
+        </a:xfrm>
+      </p:grpSpPr>
+      <p:sp>
+        <p:nvSpPr>
+          <p:cNvPr id="2" name="Title 1">
+            <a:extLst>
+              <a:ext uri="{FF2B5EF4-FFF2-40B4-BE49-F238E27FC236}">
+                <a16:creationId xmlns:a16="http://schemas.microsoft.com/office/drawing/2014/main" id="{F41D286E-6150-4877-BD37-B923BBE1CEB6}"/>
+              </a:ext>
+            </a:extLst>
+          </p:cNvPr>
+          <p:cNvSpPr>
+            <a:spLocks noGrp="1"/>
+          </p:cNvSpPr>
+          <p:nvPr>
+            <p:ph type="title"/>
+          </p:nvPr>
+        </p:nvSpPr>
+        <p:spPr/>
+        <p:txBody>
+          <a:bodyPr/>
+          <a:lstStyle/>
+          <a:p>
+            <a:r>
+              <a:rPr lang="en-US" b="1" dirty="0"/>
+              <a:t>Practice Questions </a:t>
+            </a:r>
+          </a:p>
+        </p:txBody>
+      </p:sp>
+      <p:sp>
+        <p:nvSpPr>
+          <p:cNvPr id="3" name="Content Placeholder 2">
+            <a:extLst>
+              <a:ext uri="{FF2B5EF4-FFF2-40B4-BE49-F238E27FC236}">
+                <a16:creationId xmlns:a16="http://schemas.microsoft.com/office/drawing/2014/main" id="{FD3FA829-5E25-4BB3-8359-31EB53738C82}"/>
+              </a:ext>
+            </a:extLst>
+          </p:cNvPr>
+          <p:cNvSpPr>
+            <a:spLocks noGrp="1"/>
+          </p:cNvSpPr>
+          <p:nvPr>
+            <p:ph idx="1"/>
+          </p:nvPr>
+        </p:nvSpPr>
+        <p:spPr/>
+        <p:txBody>
+          <a:bodyPr>
+            <a:normAutofit/>
+          </a:bodyPr>
+          <a:lstStyle/>
+          <a:p>
+            <a:r>
+              <a:rPr lang="en-US" sz="3200" dirty="0">
+                <a:solidFill>
+                  <a:srgbClr val="FF0000"/>
+                </a:solidFill>
+              </a:rPr>
+              <a:t>Write a function to add two numbers and return the sum.</a:t>
+            </a:r>
+          </a:p>
+          <a:p>
+            <a:r>
+              <a:rPr lang="en-US" sz="3200" dirty="0"/>
+              <a:t>Write a function to multiply two numbers and return the product.</a:t>
+            </a:r>
+          </a:p>
+          <a:p>
+            <a:r>
+              <a:rPr lang="en-US" sz="3200" dirty="0"/>
+              <a:t>Write a Python function to find the Max of two numbers. (</a:t>
+            </a:r>
+            <a:r>
+              <a:rPr lang="en-US" sz="3200" dirty="0">
+                <a:solidFill>
+                  <a:srgbClr val="00B050"/>
+                </a:solidFill>
+              </a:rPr>
+              <a:t>How do you make decisions in Python</a:t>
+            </a:r>
+            <a:r>
+              <a:rPr lang="en-US" sz="3200" dirty="0"/>
+              <a:t>)</a:t>
+            </a:r>
+          </a:p>
+          <a:p>
+            <a:r>
+              <a:rPr lang="en-US" sz="3200" dirty="0"/>
+              <a:t>Write a function to print the sum of 100 numbers. (</a:t>
+            </a:r>
+            <a:r>
+              <a:rPr lang="en-US" sz="3200" dirty="0">
+                <a:solidFill>
+                  <a:srgbClr val="00B050"/>
+                </a:solidFill>
+              </a:rPr>
+              <a:t>Use while loop</a:t>
+            </a:r>
+            <a:r>
+              <a:rPr lang="en-US" sz="3200" dirty="0"/>
+              <a:t>)</a:t>
+            </a:r>
+          </a:p>
+        </p:txBody>
+      </p:sp>
+    </p:spTree>
+    <p:extLst>
+      <p:ext uri="{BB962C8B-B14F-4D97-AF65-F5344CB8AC3E}">
+        <p14:creationId xmlns:p14="http://schemas.microsoft.com/office/powerpoint/2010/main" val="3409087861"/>
+      </p:ext>
+    </p:extLst>
+  </p:cSld>
+  <p:clrMapOvr>
+    <a:masterClrMapping/>
+  </p:clrMapOvr>
+</p:sld>
+</file>
+
+<file path=ppt/slides/slide31.xml><?xml version="1.0" encoding="utf-8"?>
 <p:sld xmlns:a="http://schemas.openxmlformats.org/drawingml/2006/main" xmlns:r="http://schemas.openxmlformats.org/officeDocument/2006/relationships" xmlns:p="http://schemas.openxmlformats.org/presentationml/2006/main">
   <p:cSld>
     <p:spTree>

--- a/PYTHON_11_Functions Part 2.pptx
+++ b/PYTHON_11_Functions Part 2.pptx
@@ -8154,7 +8154,27 @@
           <a:p>
             <a:r>
               <a:rPr lang="en-US" sz="3200" dirty="0"/>
-              <a:t>Write a function to multiply two numbers and return the product.</a:t>
+              <a:t>Write a function to multiply two numbers and return the product. </a:t>
+            </a:r>
+            <a:r>
+              <a:rPr lang="en-US" sz="3200" dirty="0">
+                <a:solidFill>
+                  <a:srgbClr val="FF0000"/>
+                </a:solidFill>
+              </a:rPr>
+              <a:t>Or</a:t>
+            </a:r>
+            <a:r>
+              <a:rPr lang="en-US" sz="3200" dirty="0"/>
+              <a:t> Build a calculator that adds, </a:t>
+            </a:r>
+            <a:r>
+              <a:rPr lang="en-US" sz="3200" dirty="0" err="1"/>
+              <a:t>substracts</a:t>
+            </a:r>
+            <a:r>
+              <a:rPr lang="en-US" sz="3200" dirty="0"/>
+              <a:t>, multiplies &amp; divides two numbers.</a:t>
             </a:r>
           </a:p>
           <a:p>

--- a/PYTHON_11_Functions Part 2.pptx
+++ b/PYTHON_11_Functions Part 2.pptx
@@ -289,7 +289,7 @@
           <a:p>
             <a:fld id="{D3853345-A581-455E-9661-1270F4F6E587}" type="datetimeFigureOut">
               <a:rPr lang="en-US" smtClean="0"/>
-              <a:t>7/21/2019</a:t>
+              <a:t>7/22/2019</a:t>
             </a:fld>
             <a:endParaRPr lang="en-US" dirty="0"/>
           </a:p>
@@ -492,7 +492,7 @@
           <a:p>
             <a:fld id="{D3853345-A581-455E-9661-1270F4F6E587}" type="datetimeFigureOut">
               <a:rPr lang="en-US" smtClean="0"/>
-              <a:t>7/21/2019</a:t>
+              <a:t>7/22/2019</a:t>
             </a:fld>
             <a:endParaRPr lang="en-US" dirty="0"/>
           </a:p>
@@ -700,7 +700,7 @@
           <a:p>
             <a:fld id="{D3853345-A581-455E-9661-1270F4F6E587}" type="datetimeFigureOut">
               <a:rPr lang="en-US" smtClean="0"/>
-              <a:t>7/21/2019</a:t>
+              <a:t>7/22/2019</a:t>
             </a:fld>
             <a:endParaRPr lang="en-US" dirty="0"/>
           </a:p>
@@ -898,7 +898,7 @@
           <a:p>
             <a:fld id="{D3853345-A581-455E-9661-1270F4F6E587}" type="datetimeFigureOut">
               <a:rPr lang="en-US" smtClean="0"/>
-              <a:t>7/21/2019</a:t>
+              <a:t>7/22/2019</a:t>
             </a:fld>
             <a:endParaRPr lang="en-US" dirty="0"/>
           </a:p>
@@ -1173,7 +1173,7 @@
           <a:p>
             <a:fld id="{D3853345-A581-455E-9661-1270F4F6E587}" type="datetimeFigureOut">
               <a:rPr lang="en-US" smtClean="0"/>
-              <a:t>7/21/2019</a:t>
+              <a:t>7/22/2019</a:t>
             </a:fld>
             <a:endParaRPr lang="en-US" dirty="0"/>
           </a:p>
@@ -1438,7 +1438,7 @@
           <a:p>
             <a:fld id="{D3853345-A581-455E-9661-1270F4F6E587}" type="datetimeFigureOut">
               <a:rPr lang="en-US" smtClean="0"/>
-              <a:t>7/21/2019</a:t>
+              <a:t>7/22/2019</a:t>
             </a:fld>
             <a:endParaRPr lang="en-US" dirty="0"/>
           </a:p>
@@ -1850,7 +1850,7 @@
           <a:p>
             <a:fld id="{D3853345-A581-455E-9661-1270F4F6E587}" type="datetimeFigureOut">
               <a:rPr lang="en-US" smtClean="0"/>
-              <a:t>7/21/2019</a:t>
+              <a:t>7/22/2019</a:t>
             </a:fld>
             <a:endParaRPr lang="en-US" dirty="0"/>
           </a:p>
@@ -1991,7 +1991,7 @@
           <a:p>
             <a:fld id="{D3853345-A581-455E-9661-1270F4F6E587}" type="datetimeFigureOut">
               <a:rPr lang="en-US" smtClean="0"/>
-              <a:t>7/21/2019</a:t>
+              <a:t>7/22/2019</a:t>
             </a:fld>
             <a:endParaRPr lang="en-US" dirty="0"/>
           </a:p>
@@ -2104,7 +2104,7 @@
           <a:p>
             <a:fld id="{D3853345-A581-455E-9661-1270F4F6E587}" type="datetimeFigureOut">
               <a:rPr lang="en-US" smtClean="0"/>
-              <a:t>7/21/2019</a:t>
+              <a:t>7/22/2019</a:t>
             </a:fld>
             <a:endParaRPr lang="en-US" dirty="0"/>
           </a:p>
@@ -2420,7 +2420,7 @@
           <a:p>
             <a:fld id="{D3853345-A581-455E-9661-1270F4F6E587}" type="datetimeFigureOut">
               <a:rPr lang="en-US" smtClean="0"/>
-              <a:t>7/21/2019</a:t>
+              <a:t>7/22/2019</a:t>
             </a:fld>
             <a:endParaRPr lang="en-US" dirty="0"/>
           </a:p>
@@ -2713,7 +2713,7 @@
           <a:p>
             <a:fld id="{D3853345-A581-455E-9661-1270F4F6E587}" type="datetimeFigureOut">
               <a:rPr lang="en-US" smtClean="0"/>
-              <a:t>7/21/2019</a:t>
+              <a:t>7/22/2019</a:t>
             </a:fld>
             <a:endParaRPr lang="en-US" dirty="0"/>
           </a:p>
@@ -2954,7 +2954,7 @@
           <a:p>
             <a:fld id="{D3853345-A581-455E-9661-1270F4F6E587}" type="datetimeFigureOut">
               <a:rPr lang="en-US" smtClean="0"/>
-              <a:t>7/21/2019</a:t>
+              <a:t>7/22/2019</a:t>
             </a:fld>
             <a:endParaRPr lang="en-US" dirty="0"/>
           </a:p>
@@ -4905,7 +4905,15 @@
           <a:p>
             <a:r>
               <a:rPr lang="en-US" sz="3200" dirty="0"/>
-              <a:t>Doing 3 * 5 will return the value none </a:t>
+              <a:t>Doing 3 * 5 will return the value </a:t>
+            </a:r>
+            <a:r>
+              <a:rPr lang="en-US" sz="3200" b="1" dirty="0"/>
+              <a:t>none</a:t>
+            </a:r>
+            <a:r>
+              <a:rPr lang="en-US" sz="3200" dirty="0"/>
+              <a:t> </a:t>
             </a:r>
           </a:p>
         </p:txBody>
